--- a/MABT_PPT.pptx
+++ b/MABT_PPT.pptx
@@ -8,38 +8,38 @@
     <p:sldId id="293" r:id="rId5"/>
     <p:sldId id="256" r:id="rId6"/>
     <p:sldId id="257" r:id="rId7"/>
-    <p:sldId id="258" r:id="rId8"/>
-    <p:sldId id="259" r:id="rId9"/>
-    <p:sldId id="260" r:id="rId10"/>
-    <p:sldId id="262" r:id="rId11"/>
-    <p:sldId id="264" r:id="rId12"/>
-    <p:sldId id="265" r:id="rId13"/>
-    <p:sldId id="296" r:id="rId14"/>
-    <p:sldId id="267" r:id="rId15"/>
-    <p:sldId id="268" r:id="rId16"/>
-    <p:sldId id="269" r:id="rId17"/>
-    <p:sldId id="294" r:id="rId18"/>
-    <p:sldId id="295" r:id="rId19"/>
-    <p:sldId id="271" r:id="rId20"/>
-    <p:sldId id="272" r:id="rId21"/>
-    <p:sldId id="273" r:id="rId22"/>
-    <p:sldId id="274" r:id="rId23"/>
-    <p:sldId id="275" r:id="rId24"/>
-    <p:sldId id="276" r:id="rId25"/>
-    <p:sldId id="277" r:id="rId26"/>
-    <p:sldId id="278" r:id="rId27"/>
-    <p:sldId id="279" r:id="rId28"/>
+    <p:sldId id="306" r:id="rId8"/>
+    <p:sldId id="307" r:id="rId9"/>
+    <p:sldId id="258" r:id="rId10"/>
+    <p:sldId id="259" r:id="rId11"/>
+    <p:sldId id="260" r:id="rId12"/>
+    <p:sldId id="262" r:id="rId13"/>
+    <p:sldId id="264" r:id="rId14"/>
+    <p:sldId id="265" r:id="rId15"/>
+    <p:sldId id="296" r:id="rId16"/>
+    <p:sldId id="267" r:id="rId17"/>
+    <p:sldId id="268" r:id="rId18"/>
+    <p:sldId id="269" r:id="rId19"/>
+    <p:sldId id="294" r:id="rId20"/>
+    <p:sldId id="295" r:id="rId21"/>
+    <p:sldId id="272" r:id="rId22"/>
+    <p:sldId id="273" r:id="rId23"/>
+    <p:sldId id="274" r:id="rId24"/>
+    <p:sldId id="275" r:id="rId25"/>
+    <p:sldId id="276" r:id="rId26"/>
+    <p:sldId id="277" r:id="rId27"/>
+    <p:sldId id="278" r:id="rId28"/>
     <p:sldId id="280" r:id="rId29"/>
     <p:sldId id="281" r:id="rId30"/>
     <p:sldId id="282" r:id="rId31"/>
     <p:sldId id="283" r:id="rId32"/>
-    <p:sldId id="284" r:id="rId33"/>
-    <p:sldId id="285" r:id="rId34"/>
-    <p:sldId id="286" r:id="rId35"/>
-    <p:sldId id="287" r:id="rId36"/>
-    <p:sldId id="288" r:id="rId37"/>
-    <p:sldId id="299" r:id="rId38"/>
-    <p:sldId id="301" r:id="rId39"/>
+    <p:sldId id="285" r:id="rId33"/>
+    <p:sldId id="286" r:id="rId34"/>
+    <p:sldId id="288" r:id="rId35"/>
+    <p:sldId id="299" r:id="rId36"/>
+    <p:sldId id="301" r:id="rId37"/>
+    <p:sldId id="304" r:id="rId38"/>
+    <p:sldId id="305" r:id="rId39"/>
     <p:sldId id="290" r:id="rId40"/>
   </p:sldIdLst>
   <p:sldSz cx="12192000" cy="6858000"/>
@@ -140,20 +140,59 @@
     </a:lvl9pPr>
   </p:defaultTextStyle>
   <p:extLst>
+    <p:ext uri="{521415D9-36F7-43E2-AB2F-B90AF26B5E84}">
+      <p14:sectionLst xmlns:p14="http://schemas.microsoft.com/office/powerpoint/2010/main">
+        <p14:section name="Default Section" id="{B235650E-80CA-42B7-B5BF-9B0445EF1C4B}">
+          <p14:sldIdLst>
+            <p14:sldId id="293"/>
+            <p14:sldId id="256"/>
+            <p14:sldId id="257"/>
+            <p14:sldId id="306"/>
+            <p14:sldId id="307"/>
+            <p14:sldId id="258"/>
+            <p14:sldId id="259"/>
+            <p14:sldId id="260"/>
+            <p14:sldId id="262"/>
+            <p14:sldId id="264"/>
+            <p14:sldId id="265"/>
+            <p14:sldId id="296"/>
+            <p14:sldId id="267"/>
+            <p14:sldId id="268"/>
+            <p14:sldId id="269"/>
+            <p14:sldId id="294"/>
+            <p14:sldId id="295"/>
+            <p14:sldId id="272"/>
+            <p14:sldId id="273"/>
+            <p14:sldId id="274"/>
+            <p14:sldId id="275"/>
+            <p14:sldId id="276"/>
+            <p14:sldId id="277"/>
+            <p14:sldId id="278"/>
+            <p14:sldId id="280"/>
+            <p14:sldId id="281"/>
+            <p14:sldId id="282"/>
+            <p14:sldId id="283"/>
+            <p14:sldId id="285"/>
+            <p14:sldId id="286"/>
+          </p14:sldIdLst>
+        </p14:section>
+        <p14:section name="Untitled Section" id="{2C4D68E7-A400-458E-AD15-D37A1C7232C1}">
+          <p14:sldIdLst>
+            <p14:sldId id="288"/>
+            <p14:sldId id="299"/>
+            <p14:sldId id="301"/>
+            <p14:sldId id="304"/>
+            <p14:sldId id="305"/>
+            <p14:sldId id="290"/>
+          </p14:sldIdLst>
+        </p14:section>
+      </p14:sectionLst>
+    </p:ext>
     <p:ext uri="{EFAFB233-063F-42B5-8137-9DF3F51BA10A}">
       <p15:sldGuideLst xmlns:p15="http://schemas.microsoft.com/office/powerpoint/2012/main"/>
     </p:ext>
   </p:extLst>
 </p:presentation>
-</file>
-
-<file path=ppt/revisionInfo.xml><?xml version="1.0" encoding="utf-8"?>
-<p1510:revInfo xmlns:a="http://schemas.openxmlformats.org/drawingml/2006/main" xmlns:r="http://schemas.openxmlformats.org/officeDocument/2006/relationships" xmlns:p1510="http://schemas.microsoft.com/office/powerpoint/2015/10/main">
-  <p1510:revLst>
-    <p1510:client id="{4ABAD3A6-FB0B-84D6-336A-EBACC1F67E79}" v="244" dt="2023-02-12T10:03:14.174"/>
-    <p1510:client id="{E648AAD7-842F-BC5E-2738-43F2FAC3EE8E}" v="46" dt="2023-02-12T09:22:47.140"/>
-  </p1510:revLst>
-</p1510:revInfo>
 </file>
 
 <file path=ppt/diagrams/colors1.xml><?xml version="1.0" encoding="utf-8"?>
@@ -9317,6 +9356,454 @@
       </p:grpSpPr>
       <p:sp useBgFill="1">
         <p:nvSpPr>
+          <p:cNvPr id="7" name="Rectangle 6">
+            <a:extLst>
+              <a:ext uri="{FF2B5EF4-FFF2-40B4-BE49-F238E27FC236}">
+                <a16:creationId xmlns:a16="http://schemas.microsoft.com/office/drawing/2014/main" id="{9095C1F4-AE7F-44E4-8693-40D3D6831140}"/>
+              </a:ext>
+              <a:ext uri="{C183D7F6-B498-43B3-948B-1728B52AA6E4}">
+                <adec:decorative xmlns:adec="http://schemas.microsoft.com/office/drawing/2017/decorative" val="1"/>
+              </a:ext>
+            </a:extLst>
+          </p:cNvPr>
+          <p:cNvSpPr>
+            <a:spLocks noGrp="1" noRot="1" noChangeAspect="1" noMove="1" noResize="1" noEditPoints="1" noAdjustHandles="1" noChangeArrowheads="1" noChangeShapeType="1" noTextEdit="1"/>
+          </p:cNvSpPr>
+          <p:nvPr>
+            <p:extLst>
+              <p:ext uri="{386F3935-93C4-4BCD-93E2-E3B085C9AB24}">
+                <p16:designElem xmlns:p16="http://schemas.microsoft.com/office/powerpoint/2015/main" val="1"/>
+              </p:ext>
+            </p:extLst>
+          </p:nvPr>
+        </p:nvSpPr>
+        <p:spPr>
+          <a:xfrm>
+            <a:off x="0" y="0"/>
+            <a:ext cx="12191999" cy="6857365"/>
+          </a:xfrm>
+          <a:prstGeom prst="rect">
+            <a:avLst/>
+          </a:prstGeom>
+          <a:ln>
+            <a:noFill/>
+          </a:ln>
+        </p:spPr>
+        <p:style>
+          <a:lnRef idx="2">
+            <a:schemeClr val="accent1">
+              <a:shade val="50000"/>
+            </a:schemeClr>
+          </a:lnRef>
+          <a:fillRef idx="1">
+            <a:schemeClr val="accent1"/>
+          </a:fillRef>
+          <a:effectRef idx="0">
+            <a:schemeClr val="accent1"/>
+          </a:effectRef>
+          <a:fontRef idx="minor">
+            <a:schemeClr val="lt1"/>
+          </a:fontRef>
+        </p:style>
+        <p:txBody>
+          <a:bodyPr rtlCol="0" anchor="ctr"/>
+          <a:lstStyle/>
+          <a:p>
+            <a:pPr algn="ctr"/>
+            <a:endParaRPr lang="en-US"/>
+          </a:p>
+        </p:txBody>
+      </p:sp>
+      <p:grpSp>
+        <p:nvGrpSpPr>
+          <p:cNvPr id="9" name="Group 8">
+            <a:extLst>
+              <a:ext uri="{FF2B5EF4-FFF2-40B4-BE49-F238E27FC236}">
+                <a16:creationId xmlns:a16="http://schemas.microsoft.com/office/drawing/2014/main" id="{8734DDD3-F723-4DD3-8ABE-EC0B2AC87D74}"/>
+              </a:ext>
+              <a:ext uri="{C183D7F6-B498-43B3-948B-1728B52AA6E4}">
+                <adec:decorative xmlns:adec="http://schemas.microsoft.com/office/drawing/2017/decorative" val="1"/>
+              </a:ext>
+            </a:extLst>
+          </p:cNvPr>
+          <p:cNvGrpSpPr>
+            <a:grpSpLocks noGrp="1" noUngrp="1" noRot="1" noChangeAspect="1" noMove="1" noResize="1"/>
+          </p:cNvGrpSpPr>
+          <p:nvPr>
+            <p:extLst>
+              <p:ext uri="{386F3935-93C4-4BCD-93E2-E3B085C9AB24}">
+                <p16:designElem xmlns:p16="http://schemas.microsoft.com/office/powerpoint/2015/main" val="1"/>
+              </p:ext>
+            </p:extLst>
+          </p:nvPr>
+        </p:nvGrpSpPr>
+        <p:grpSpPr>
+          <a:xfrm>
+            <a:off x="2522324" y="-15978"/>
+            <a:ext cx="7147352" cy="5876916"/>
+            <a:chOff x="329184" y="-99107"/>
+            <a:chExt cx="524256" cy="5876916"/>
+          </a:xfrm>
+        </p:grpSpPr>
+        <p:cxnSp>
+          <p:nvCxnSpPr>
+            <p:cNvPr id="10" name="Straight Connector 9">
+              <a:extLst>
+                <a:ext uri="{FF2B5EF4-FFF2-40B4-BE49-F238E27FC236}">
+                  <a16:creationId xmlns:a16="http://schemas.microsoft.com/office/drawing/2014/main" id="{F7C8EA93-3210-4C62-99E9-153C275E3A87}"/>
+                </a:ext>
+                <a:ext uri="{C183D7F6-B498-43B3-948B-1728B52AA6E4}">
+                  <adec:decorative xmlns:adec="http://schemas.microsoft.com/office/drawing/2017/decorative" val="1"/>
+                </a:ext>
+              </a:extLst>
+            </p:cNvPr>
+            <p:cNvCxnSpPr>
+              <a:cxnSpLocks/>
+            </p:cNvCxnSpPr>
+            <p:nvPr>
+              <p:extLst>
+                <p:ext uri="{386F3935-93C4-4BCD-93E2-E3B085C9AB24}">
+                  <p16:designElem xmlns:p16="http://schemas.microsoft.com/office/powerpoint/2015/main" val="1"/>
+                </p:ext>
+              </p:extLst>
+            </p:nvPr>
+          </p:nvCxnSpPr>
+          <p:spPr>
+            <a:xfrm flipH="1">
+              <a:off x="329184" y="5777809"/>
+              <a:ext cx="523824" cy="0"/>
+            </a:xfrm>
+            <a:prstGeom prst="line">
+              <a:avLst/>
+            </a:prstGeom>
+            <a:ln w="152400">
+              <a:solidFill>
+                <a:schemeClr val="accent4"/>
+              </a:solidFill>
+            </a:ln>
+          </p:spPr>
+          <p:style>
+            <a:lnRef idx="1">
+              <a:schemeClr val="accent1"/>
+            </a:lnRef>
+            <a:fillRef idx="0">
+              <a:schemeClr val="accent1"/>
+            </a:fillRef>
+            <a:effectRef idx="0">
+              <a:schemeClr val="accent1"/>
+            </a:effectRef>
+            <a:fontRef idx="minor">
+              <a:schemeClr val="tx1"/>
+            </a:fontRef>
+          </p:style>
+        </p:cxnSp>
+        <p:sp>
+          <p:nvSpPr>
+            <p:cNvPr id="11" name="Rectangle 10">
+              <a:extLst>
+                <a:ext uri="{FF2B5EF4-FFF2-40B4-BE49-F238E27FC236}">
+                  <a16:creationId xmlns:a16="http://schemas.microsoft.com/office/drawing/2014/main" id="{5EB7D2A2-F448-44D4-938C-DC84CBCB3B1E}"/>
+                </a:ext>
+                <a:ext uri="{C183D7F6-B498-43B3-948B-1728B52AA6E4}">
+                  <adec:decorative xmlns:adec="http://schemas.microsoft.com/office/drawing/2017/decorative" val="1"/>
+                </a:ext>
+              </a:extLst>
+            </p:cNvPr>
+            <p:cNvSpPr/>
+            <p:nvPr>
+              <p:extLst>
+                <p:ext uri="{386F3935-93C4-4BCD-93E2-E3B085C9AB24}">
+                  <p16:designElem xmlns:p16="http://schemas.microsoft.com/office/powerpoint/2015/main" val="1"/>
+                </p:ext>
+              </p:extLst>
+            </p:nvPr>
+          </p:nvSpPr>
+          <p:spPr>
+            <a:xfrm>
+              <a:off x="329184" y="-99107"/>
+              <a:ext cx="524256" cy="5631228"/>
+            </a:xfrm>
+            <a:prstGeom prst="rect">
+              <a:avLst/>
+            </a:prstGeom>
+            <a:solidFill>
+              <a:schemeClr val="accent4"/>
+            </a:solidFill>
+            <a:ln>
+              <a:noFill/>
+            </a:ln>
+          </p:spPr>
+          <p:style>
+            <a:lnRef idx="2">
+              <a:schemeClr val="accent1">
+                <a:shade val="50000"/>
+              </a:schemeClr>
+            </a:lnRef>
+            <a:fillRef idx="1">
+              <a:schemeClr val="accent1"/>
+            </a:fillRef>
+            <a:effectRef idx="0">
+              <a:schemeClr val="accent1"/>
+            </a:effectRef>
+            <a:fontRef idx="minor">
+              <a:schemeClr val="lt1"/>
+            </a:fontRef>
+          </p:style>
+          <p:txBody>
+            <a:bodyPr rtlCol="0" anchor="ctr"/>
+            <a:lstStyle/>
+            <a:p>
+              <a:pPr algn="ctr"/>
+              <a:endParaRPr lang="en-US"/>
+            </a:p>
+          </p:txBody>
+        </p:sp>
+      </p:grpSp>
+      <p:sp>
+        <p:nvSpPr>
+          <p:cNvPr id="13" name="Rectangle 12">
+            <a:extLst>
+              <a:ext uri="{FF2B5EF4-FFF2-40B4-BE49-F238E27FC236}">
+                <a16:creationId xmlns:a16="http://schemas.microsoft.com/office/drawing/2014/main" id="{871AEA07-1E14-44B4-8E55-64EF049CD66F}"/>
+              </a:ext>
+              <a:ext uri="{C183D7F6-B498-43B3-948B-1728B52AA6E4}">
+                <adec:decorative xmlns:adec="http://schemas.microsoft.com/office/drawing/2017/decorative" val="1"/>
+              </a:ext>
+            </a:extLst>
+          </p:cNvPr>
+          <p:cNvSpPr>
+            <a:spLocks noGrp="1" noRot="1" noChangeAspect="1" noMove="1" noResize="1" noEditPoints="1" noAdjustHandles="1" noChangeArrowheads="1" noChangeShapeType="1" noTextEdit="1"/>
+          </p:cNvSpPr>
+          <p:nvPr>
+            <p:extLst>
+              <p:ext uri="{386F3935-93C4-4BCD-93E2-E3B085C9AB24}">
+                <p16:designElem xmlns:p16="http://schemas.microsoft.com/office/powerpoint/2015/main" val="1"/>
+              </p:ext>
+            </p:extLst>
+          </p:nvPr>
+        </p:nvSpPr>
+        <p:spPr>
+          <a:xfrm>
+            <a:off x="596464" y="1055718"/>
+            <a:ext cx="10999072" cy="3358344"/>
+          </a:xfrm>
+          <a:prstGeom prst="rect">
+            <a:avLst/>
+          </a:prstGeom>
+          <a:solidFill>
+            <a:schemeClr val="bg1"/>
+          </a:solidFill>
+          <a:ln>
+            <a:noFill/>
+          </a:ln>
+          <a:effectLst>
+            <a:outerShdw blurRad="139700" dist="127000" dir="5400000" algn="t" rotWithShape="0">
+              <a:prstClr val="black">
+                <a:alpha val="15000"/>
+              </a:prstClr>
+            </a:outerShdw>
+          </a:effectLst>
+        </p:spPr>
+        <p:style>
+          <a:lnRef idx="2">
+            <a:schemeClr val="accent1">
+              <a:shade val="50000"/>
+            </a:schemeClr>
+          </a:lnRef>
+          <a:fillRef idx="1">
+            <a:schemeClr val="accent1"/>
+          </a:fillRef>
+          <a:effectRef idx="0">
+            <a:schemeClr val="accent1"/>
+          </a:effectRef>
+          <a:fontRef idx="minor">
+            <a:schemeClr val="lt1"/>
+          </a:fontRef>
+        </p:style>
+        <p:txBody>
+          <a:bodyPr rtlCol="0" anchor="ctr"/>
+          <a:lstStyle/>
+          <a:p>
+            <a:pPr algn="ctr"/>
+            <a:endParaRPr lang="en-US"/>
+          </a:p>
+        </p:txBody>
+      </p:sp>
+      <p:sp>
+        <p:nvSpPr>
+          <p:cNvPr id="2" name="Title 1">
+            <a:extLst>
+              <a:ext uri="{FF2B5EF4-FFF2-40B4-BE49-F238E27FC236}">
+                <a16:creationId xmlns:a16="http://schemas.microsoft.com/office/drawing/2014/main" id="{F1679FB4-039B-677E-E86D-7F943F1D558B}"/>
+              </a:ext>
+            </a:extLst>
+          </p:cNvPr>
+          <p:cNvSpPr>
+            <a:spLocks noGrp="1"/>
+          </p:cNvSpPr>
+          <p:nvPr>
+            <p:ph type="title"/>
+          </p:nvPr>
+        </p:nvSpPr>
+        <p:spPr>
+          <a:xfrm>
+            <a:off x="1524000" y="1584683"/>
+            <a:ext cx="9144000" cy="2551829"/>
+          </a:xfrm>
+        </p:spPr>
+        <p:txBody>
+          <a:bodyPr vert="horz" lIns="91440" tIns="45720" rIns="91440" bIns="45720" rtlCol="0" anchor="ctr">
+            <a:normAutofit/>
+          </a:bodyPr>
+          <a:lstStyle/>
+          <a:p>
+            <a:pPr algn="ctr"/>
+            <a:r>
+              <a:rPr lang="en-US" sz="6600" kern="1200">
+                <a:solidFill>
+                  <a:schemeClr val="tx1"/>
+                </a:solidFill>
+                <a:latin typeface="+mj-lt"/>
+                <a:ea typeface="+mj-ea"/>
+                <a:cs typeface="+mj-cs"/>
+              </a:rPr>
+              <a:t>                          Design</a:t>
+            </a:r>
+          </a:p>
+        </p:txBody>
+      </p:sp>
+    </p:spTree>
+    <p:extLst>
+      <p:ext uri="{BB962C8B-B14F-4D97-AF65-F5344CB8AC3E}">
+        <p14:creationId xmlns:p14="http://schemas.microsoft.com/office/powerpoint/2010/main" val="1785192213"/>
+      </p:ext>
+    </p:extLst>
+  </p:cSld>
+  <p:clrMapOvr>
+    <a:masterClrMapping/>
+  </p:clrMapOvr>
+  <p:timing>
+    <p:tnLst>
+      <p:par>
+        <p:cTn id="1" dur="indefinite" restart="never" nodeType="tmRoot">
+          <p:childTnLst>
+            <p:seq concurrent="1" nextAc="seek">
+              <p:cTn id="2" dur="indefinite" nodeType="mainSeq">
+                <p:childTnLst>
+                  <p:par>
+                    <p:cTn id="3" fill="hold">
+                      <p:stCondLst>
+                        <p:cond delay="indefinite"/>
+                        <p:cond evt="onBegin" delay="0">
+                          <p:tn val="2"/>
+                        </p:cond>
+                      </p:stCondLst>
+                      <p:childTnLst>
+                        <p:par>
+                          <p:cTn id="4" fill="hold">
+                            <p:stCondLst>
+                              <p:cond delay="0"/>
+                            </p:stCondLst>
+                            <p:childTnLst>
+                              <p:par>
+                                <p:cTn id="5" presetID="10" presetClass="entr" presetSubtype="0" fill="hold" grpId="0" nodeType="withEffect">
+                                  <p:stCondLst>
+                                    <p:cond delay="500"/>
+                                  </p:stCondLst>
+                                  <p:iterate>
+                                    <p:tmPct val="10000"/>
+                                  </p:iterate>
+                                  <p:childTnLst>
+                                    <p:set>
+                                      <p:cBhvr>
+                                        <p:cTn id="6" dur="1" fill="hold">
+                                          <p:stCondLst>
+                                            <p:cond delay="0"/>
+                                          </p:stCondLst>
+                                        </p:cTn>
+                                        <p:tgtEl>
+                                          <p:spTgt spid="2"/>
+                                        </p:tgtEl>
+                                        <p:attrNameLst>
+                                          <p:attrName>style.visibility</p:attrName>
+                                        </p:attrNameLst>
+                                      </p:cBhvr>
+                                      <p:to>
+                                        <p:strVal val="visible"/>
+                                      </p:to>
+                                    </p:set>
+                                    <p:animEffect transition="in" filter="fade">
+                                      <p:cBhvr>
+                                        <p:cTn id="7" dur="700"/>
+                                        <p:tgtEl>
+                                          <p:spTgt spid="2"/>
+                                        </p:tgtEl>
+                                      </p:cBhvr>
+                                    </p:animEffect>
+                                  </p:childTnLst>
+                                </p:cTn>
+                              </p:par>
+                            </p:childTnLst>
+                          </p:cTn>
+                        </p:par>
+                      </p:childTnLst>
+                    </p:cTn>
+                  </p:par>
+                </p:childTnLst>
+              </p:cTn>
+              <p:prevCondLst>
+                <p:cond evt="onPrev" delay="0">
+                  <p:tgtEl>
+                    <p:sldTgt/>
+                  </p:tgtEl>
+                </p:cond>
+              </p:prevCondLst>
+              <p:nextCondLst>
+                <p:cond evt="onNext" delay="0">
+                  <p:tgtEl>
+                    <p:sldTgt/>
+                  </p:tgtEl>
+                </p:cond>
+              </p:nextCondLst>
+            </p:seq>
+          </p:childTnLst>
+        </p:cTn>
+      </p:par>
+    </p:tnLst>
+    <p:bldLst>
+      <p:bldP spid="2" grpId="0"/>
+    </p:bldLst>
+  </p:timing>
+</p:sld>
+</file>
+
+<file path=ppt/slides/slide11.xml><?xml version="1.0" encoding="utf-8"?>
+<p:sld xmlns:a="http://schemas.openxmlformats.org/drawingml/2006/main" xmlns:r="http://schemas.openxmlformats.org/officeDocument/2006/relationships" xmlns:p="http://schemas.openxmlformats.org/presentationml/2006/main">
+  <p:cSld>
+    <p:bg>
+      <p:bgPr>
+        <a:solidFill>
+          <a:schemeClr val="bg1"/>
+        </a:solidFill>
+        <a:effectLst/>
+      </p:bgPr>
+    </p:bg>
+    <p:spTree>
+      <p:nvGrpSpPr>
+        <p:cNvPr id="1" name=""/>
+        <p:cNvGrpSpPr/>
+        <p:nvPr/>
+      </p:nvGrpSpPr>
+      <p:grpSpPr>
+        <a:xfrm>
+          <a:off x="0" y="0"/>
+          <a:ext cx="0" cy="0"/>
+          <a:chOff x="0" y="0"/>
+          <a:chExt cx="0" cy="0"/>
+        </a:xfrm>
+      </p:grpSpPr>
+      <p:sp useBgFill="1">
+        <p:nvSpPr>
           <p:cNvPr id="8" name="Rectangle 7">
             <a:extLst>
               <a:ext uri="{FF2B5EF4-FFF2-40B4-BE49-F238E27FC236}">
@@ -9686,6 +10173,502 @@
           <a:lstStyle/>
           <a:p>
             <a:r>
+              <a:rPr lang="en-US" sz="4800"/>
+              <a:t>Basic Design</a:t>
+            </a:r>
+          </a:p>
+        </p:txBody>
+      </p:sp>
+      <p:pic>
+        <p:nvPicPr>
+          <p:cNvPr id="4" name="Picture 4" descr="Diagram&#10;&#10;Description automatically generated">
+            <a:extLst>
+              <a:ext uri="{FF2B5EF4-FFF2-40B4-BE49-F238E27FC236}">
+                <a16:creationId xmlns:a16="http://schemas.microsoft.com/office/drawing/2014/main" id="{44797EBB-0AEB-20F6-0D4A-F15400AA49E7}"/>
+              </a:ext>
+            </a:extLst>
+          </p:cNvPr>
+          <p:cNvPicPr>
+            <a:picLocks noGrp="1" noChangeAspect="1"/>
+          </p:cNvPicPr>
+          <p:nvPr>
+            <p:ph idx="1"/>
+          </p:nvPr>
+        </p:nvPicPr>
+        <p:blipFill>
+          <a:blip r:embed="rId2"/>
+          <a:stretch>
+            <a:fillRect/>
+          </a:stretch>
+        </p:blipFill>
+        <p:spPr>
+          <a:xfrm>
+            <a:off x="2040908" y="3017522"/>
+            <a:ext cx="7949558" cy="3124658"/>
+          </a:xfrm>
+        </p:spPr>
+      </p:pic>
+      <p:cxnSp>
+        <p:nvCxnSpPr>
+          <p:cNvPr id="17" name="Straight Connector 16">
+            <a:extLst>
+              <a:ext uri="{FF2B5EF4-FFF2-40B4-BE49-F238E27FC236}">
+                <a16:creationId xmlns:a16="http://schemas.microsoft.com/office/drawing/2014/main" id="{6CF1BAF6-AD41-4082-B212-8A1F9A2E8779}"/>
+              </a:ext>
+              <a:ext uri="{C183D7F6-B498-43B3-948B-1728B52AA6E4}">
+                <adec:decorative xmlns:adec="http://schemas.microsoft.com/office/drawing/2017/decorative" val="1"/>
+              </a:ext>
+            </a:extLst>
+          </p:cNvPr>
+          <p:cNvCxnSpPr>
+            <a:cxnSpLocks noGrp="1" noRot="1" noChangeAspect="1" noMove="1" noResize="1" noEditPoints="1" noAdjustHandles="1" noChangeArrowheads="1" noChangeShapeType="1"/>
+          </p:cNvCxnSpPr>
+          <p:nvPr>
+            <p:extLst>
+              <p:ext uri="{386F3935-93C4-4BCD-93E2-E3B085C9AB24}">
+                <p16:designElem xmlns:p16="http://schemas.microsoft.com/office/powerpoint/2015/main" val="1"/>
+              </p:ext>
+            </p:extLst>
+          </p:nvPr>
+        </p:nvCxnSpPr>
+        <p:spPr>
+          <a:xfrm flipH="1">
+            <a:off x="838200" y="6485313"/>
+            <a:ext cx="10515600" cy="0"/>
+          </a:xfrm>
+          <a:prstGeom prst="line">
+            <a:avLst/>
+          </a:prstGeom>
+          <a:ln w="57150">
+            <a:solidFill>
+              <a:schemeClr val="accent4"/>
+            </a:solidFill>
+          </a:ln>
+        </p:spPr>
+        <p:style>
+          <a:lnRef idx="1">
+            <a:schemeClr val="accent1"/>
+          </a:lnRef>
+          <a:fillRef idx="0">
+            <a:schemeClr val="accent1"/>
+          </a:fillRef>
+          <a:effectRef idx="0">
+            <a:schemeClr val="accent1"/>
+          </a:effectRef>
+          <a:fontRef idx="minor">
+            <a:schemeClr val="tx1"/>
+          </a:fontRef>
+        </p:style>
+      </p:cxnSp>
+    </p:spTree>
+    <p:extLst>
+      <p:ext uri="{BB962C8B-B14F-4D97-AF65-F5344CB8AC3E}">
+        <p14:creationId xmlns:p14="http://schemas.microsoft.com/office/powerpoint/2010/main" val="1500684820"/>
+      </p:ext>
+    </p:extLst>
+  </p:cSld>
+  <p:clrMapOvr>
+    <a:masterClrMapping/>
+  </p:clrMapOvr>
+</p:sld>
+</file>
+
+<file path=ppt/slides/slide12.xml><?xml version="1.0" encoding="utf-8"?>
+<p:sld xmlns:a="http://schemas.openxmlformats.org/drawingml/2006/main" xmlns:r="http://schemas.openxmlformats.org/officeDocument/2006/relationships" xmlns:p="http://schemas.openxmlformats.org/presentationml/2006/main">
+  <p:cSld>
+    <p:bg>
+      <p:bgPr>
+        <a:solidFill>
+          <a:schemeClr val="bg1"/>
+        </a:solidFill>
+        <a:effectLst/>
+      </p:bgPr>
+    </p:bg>
+    <p:spTree>
+      <p:nvGrpSpPr>
+        <p:cNvPr id="1" name=""/>
+        <p:cNvGrpSpPr/>
+        <p:nvPr/>
+      </p:nvGrpSpPr>
+      <p:grpSpPr>
+        <a:xfrm>
+          <a:off x="0" y="0"/>
+          <a:ext cx="0" cy="0"/>
+          <a:chOff x="0" y="0"/>
+          <a:chExt cx="0" cy="0"/>
+        </a:xfrm>
+      </p:grpSpPr>
+      <p:sp useBgFill="1">
+        <p:nvSpPr>
+          <p:cNvPr id="8" name="Rectangle 7">
+            <a:extLst>
+              <a:ext uri="{FF2B5EF4-FFF2-40B4-BE49-F238E27FC236}">
+                <a16:creationId xmlns:a16="http://schemas.microsoft.com/office/drawing/2014/main" id="{B6CDA21F-E7AF-4C75-8395-33F58D5B0E45}"/>
+              </a:ext>
+              <a:ext uri="{C183D7F6-B498-43B3-948B-1728B52AA6E4}">
+                <adec:decorative xmlns:adec="http://schemas.microsoft.com/office/drawing/2017/decorative" val="1"/>
+              </a:ext>
+            </a:extLst>
+          </p:cNvPr>
+          <p:cNvSpPr>
+            <a:spLocks noGrp="1" noRot="1" noChangeAspect="1" noMove="1" noResize="1" noEditPoints="1" noAdjustHandles="1" noChangeArrowheads="1" noChangeShapeType="1" noTextEdit="1"/>
+          </p:cNvSpPr>
+          <p:nvPr>
+            <p:extLst>
+              <p:ext uri="{386F3935-93C4-4BCD-93E2-E3B085C9AB24}">
+                <p16:designElem xmlns:p16="http://schemas.microsoft.com/office/powerpoint/2015/main" val="1"/>
+              </p:ext>
+            </p:extLst>
+          </p:nvPr>
+        </p:nvSpPr>
+        <p:spPr>
+          <a:xfrm>
+            <a:off x="0" y="0"/>
+            <a:ext cx="12191999" cy="6857365"/>
+          </a:xfrm>
+          <a:prstGeom prst="rect">
+            <a:avLst/>
+          </a:prstGeom>
+          <a:ln>
+            <a:noFill/>
+          </a:ln>
+        </p:spPr>
+        <p:style>
+          <a:lnRef idx="2">
+            <a:schemeClr val="accent1">
+              <a:shade val="50000"/>
+            </a:schemeClr>
+          </a:lnRef>
+          <a:fillRef idx="1">
+            <a:schemeClr val="accent1"/>
+          </a:fillRef>
+          <a:effectRef idx="0">
+            <a:schemeClr val="accent1"/>
+          </a:effectRef>
+          <a:fontRef idx="minor">
+            <a:schemeClr val="lt1"/>
+          </a:fontRef>
+        </p:style>
+        <p:txBody>
+          <a:bodyPr rtlCol="0" anchor="ctr"/>
+          <a:lstStyle/>
+          <a:p>
+            <a:pPr algn="ctr"/>
+            <a:endParaRPr lang="en-US"/>
+          </a:p>
+        </p:txBody>
+      </p:sp>
+      <p:grpSp>
+        <p:nvGrpSpPr>
+          <p:cNvPr id="10" name="Group 9">
+            <a:extLst>
+              <a:ext uri="{FF2B5EF4-FFF2-40B4-BE49-F238E27FC236}">
+                <a16:creationId xmlns:a16="http://schemas.microsoft.com/office/drawing/2014/main" id="{AE1C45F0-260A-458C-96ED-C1F6D2151219}"/>
+              </a:ext>
+              <a:ext uri="{C183D7F6-B498-43B3-948B-1728B52AA6E4}">
+                <adec:decorative xmlns:adec="http://schemas.microsoft.com/office/drawing/2017/decorative" val="1"/>
+              </a:ext>
+            </a:extLst>
+          </p:cNvPr>
+          <p:cNvGrpSpPr>
+            <a:grpSpLocks noGrp="1" noUngrp="1" noRot="1" noChangeAspect="1" noMove="1" noResize="1"/>
+          </p:cNvGrpSpPr>
+          <p:nvPr>
+            <p:extLst>
+              <p:ext uri="{386F3935-93C4-4BCD-93E2-E3B085C9AB24}">
+                <p16:designElem xmlns:p16="http://schemas.microsoft.com/office/powerpoint/2015/main" val="1"/>
+              </p:ext>
+            </p:extLst>
+          </p:nvPr>
+        </p:nvGrpSpPr>
+        <p:grpSpPr>
+          <a:xfrm>
+            <a:off x="4" y="1216597"/>
+            <a:ext cx="731521" cy="673460"/>
+            <a:chOff x="3940602" y="308034"/>
+            <a:chExt cx="2116791" cy="3428999"/>
+          </a:xfrm>
+          <a:solidFill>
+            <a:schemeClr val="accent4"/>
+          </a:solidFill>
+        </p:grpSpPr>
+        <p:sp>
+          <p:nvSpPr>
+            <p:cNvPr id="11" name="Rectangle 10">
+              <a:extLst>
+                <a:ext uri="{FF2B5EF4-FFF2-40B4-BE49-F238E27FC236}">
+                  <a16:creationId xmlns:a16="http://schemas.microsoft.com/office/drawing/2014/main" id="{A6604B49-AD5C-4590-B051-06C8222ECD99}"/>
+                </a:ext>
+                <a:ext uri="{C183D7F6-B498-43B3-948B-1728B52AA6E4}">
+                  <adec:decorative xmlns:adec="http://schemas.microsoft.com/office/drawing/2017/decorative" val="1"/>
+                </a:ext>
+              </a:extLst>
+            </p:cNvPr>
+            <p:cNvSpPr/>
+            <p:nvPr>
+              <p:extLst>
+                <p:ext uri="{386F3935-93C4-4BCD-93E2-E3B085C9AB24}">
+                  <p16:designElem xmlns:p16="http://schemas.microsoft.com/office/powerpoint/2015/main" val="1"/>
+                </p:ext>
+              </p:extLst>
+            </p:nvPr>
+          </p:nvSpPr>
+          <p:spPr>
+            <a:xfrm>
+              <a:off x="3940602" y="308034"/>
+              <a:ext cx="566743" cy="3428999"/>
+            </a:xfrm>
+            <a:prstGeom prst="rect">
+              <a:avLst/>
+            </a:prstGeom>
+            <a:grpFill/>
+            <a:ln>
+              <a:noFill/>
+            </a:ln>
+          </p:spPr>
+          <p:style>
+            <a:lnRef idx="2">
+              <a:schemeClr val="accent1">
+                <a:shade val="50000"/>
+              </a:schemeClr>
+            </a:lnRef>
+            <a:fillRef idx="1">
+              <a:schemeClr val="accent1"/>
+            </a:fillRef>
+            <a:effectRef idx="0">
+              <a:schemeClr val="accent1"/>
+            </a:effectRef>
+            <a:fontRef idx="minor">
+              <a:schemeClr val="lt1"/>
+            </a:fontRef>
+          </p:style>
+          <p:txBody>
+            <a:bodyPr rtlCol="0" anchor="ctr"/>
+            <a:lstStyle/>
+            <a:p>
+              <a:pPr algn="ctr"/>
+              <a:endParaRPr lang="en-US"/>
+            </a:p>
+          </p:txBody>
+        </p:sp>
+        <p:sp>
+          <p:nvSpPr>
+            <p:cNvPr id="12" name="Rectangle 11">
+              <a:extLst>
+                <a:ext uri="{FF2B5EF4-FFF2-40B4-BE49-F238E27FC236}">
+                  <a16:creationId xmlns:a16="http://schemas.microsoft.com/office/drawing/2014/main" id="{743ECCAF-29C5-4537-947C-7EA1292463DB}"/>
+                </a:ext>
+                <a:ext uri="{C183D7F6-B498-43B3-948B-1728B52AA6E4}">
+                  <adec:decorative xmlns:adec="http://schemas.microsoft.com/office/drawing/2017/decorative" val="1"/>
+                </a:ext>
+              </a:extLst>
+            </p:cNvPr>
+            <p:cNvSpPr/>
+            <p:nvPr>
+              <p:extLst>
+                <p:ext uri="{386F3935-93C4-4BCD-93E2-E3B085C9AB24}">
+                  <p16:designElem xmlns:p16="http://schemas.microsoft.com/office/powerpoint/2015/main" val="1"/>
+                </p:ext>
+              </p:extLst>
+            </p:nvPr>
+          </p:nvSpPr>
+          <p:spPr>
+            <a:xfrm>
+              <a:off x="4715626" y="308034"/>
+              <a:ext cx="566743" cy="3428999"/>
+            </a:xfrm>
+            <a:prstGeom prst="rect">
+              <a:avLst/>
+            </a:prstGeom>
+            <a:grpFill/>
+            <a:ln>
+              <a:noFill/>
+            </a:ln>
+          </p:spPr>
+          <p:style>
+            <a:lnRef idx="2">
+              <a:schemeClr val="accent1">
+                <a:shade val="50000"/>
+              </a:schemeClr>
+            </a:lnRef>
+            <a:fillRef idx="1">
+              <a:schemeClr val="accent1"/>
+            </a:fillRef>
+            <a:effectRef idx="0">
+              <a:schemeClr val="accent1"/>
+            </a:effectRef>
+            <a:fontRef idx="minor">
+              <a:schemeClr val="lt1"/>
+            </a:fontRef>
+          </p:style>
+          <p:txBody>
+            <a:bodyPr rtlCol="0" anchor="ctr"/>
+            <a:lstStyle/>
+            <a:p>
+              <a:pPr algn="ctr"/>
+              <a:endParaRPr lang="en-US"/>
+            </a:p>
+          </p:txBody>
+        </p:sp>
+        <p:sp>
+          <p:nvSpPr>
+            <p:cNvPr id="13" name="Rectangle 12">
+              <a:extLst>
+                <a:ext uri="{FF2B5EF4-FFF2-40B4-BE49-F238E27FC236}">
+                  <a16:creationId xmlns:a16="http://schemas.microsoft.com/office/drawing/2014/main" id="{ED49787B-8DE6-4467-AD0A-8DECC6E0C2D6}"/>
+                </a:ext>
+                <a:ext uri="{C183D7F6-B498-43B3-948B-1728B52AA6E4}">
+                  <adec:decorative xmlns:adec="http://schemas.microsoft.com/office/drawing/2017/decorative" val="1"/>
+                </a:ext>
+              </a:extLst>
+            </p:cNvPr>
+            <p:cNvSpPr/>
+            <p:nvPr>
+              <p:extLst>
+                <p:ext uri="{386F3935-93C4-4BCD-93E2-E3B085C9AB24}">
+                  <p16:designElem xmlns:p16="http://schemas.microsoft.com/office/powerpoint/2015/main" val="1"/>
+                </p:ext>
+              </p:extLst>
+            </p:nvPr>
+          </p:nvSpPr>
+          <p:spPr>
+            <a:xfrm>
+              <a:off x="5490650" y="308034"/>
+              <a:ext cx="566743" cy="3428999"/>
+            </a:xfrm>
+            <a:prstGeom prst="rect">
+              <a:avLst/>
+            </a:prstGeom>
+            <a:grpFill/>
+            <a:ln>
+              <a:noFill/>
+            </a:ln>
+          </p:spPr>
+          <p:style>
+            <a:lnRef idx="2">
+              <a:schemeClr val="accent1">
+                <a:shade val="50000"/>
+              </a:schemeClr>
+            </a:lnRef>
+            <a:fillRef idx="1">
+              <a:schemeClr val="accent1"/>
+            </a:fillRef>
+            <a:effectRef idx="0">
+              <a:schemeClr val="accent1"/>
+            </a:effectRef>
+            <a:fontRef idx="minor">
+              <a:schemeClr val="lt1"/>
+            </a:fontRef>
+          </p:style>
+          <p:txBody>
+            <a:bodyPr rtlCol="0" anchor="ctr"/>
+            <a:lstStyle/>
+            <a:p>
+              <a:pPr algn="ctr"/>
+              <a:endParaRPr lang="en-US"/>
+            </a:p>
+          </p:txBody>
+        </p:sp>
+      </p:grpSp>
+      <p:sp>
+        <p:nvSpPr>
+          <p:cNvPr id="15" name="Rectangle 14">
+            <a:extLst>
+              <a:ext uri="{FF2B5EF4-FFF2-40B4-BE49-F238E27FC236}">
+                <a16:creationId xmlns:a16="http://schemas.microsoft.com/office/drawing/2014/main" id="{D5B0017B-2ECA-49AF-B397-DC140825DF8D}"/>
+              </a:ext>
+              <a:ext uri="{C183D7F6-B498-43B3-948B-1728B52AA6E4}">
+                <adec:decorative xmlns:adec="http://schemas.microsoft.com/office/drawing/2017/decorative" val="1"/>
+              </a:ext>
+            </a:extLst>
+          </p:cNvPr>
+          <p:cNvSpPr>
+            <a:spLocks noGrp="1" noRot="1" noChangeAspect="1" noMove="1" noResize="1" noEditPoints="1" noAdjustHandles="1" noChangeArrowheads="1" noChangeShapeType="1" noTextEdit="1"/>
+          </p:cNvSpPr>
+          <p:nvPr>
+            <p:extLst>
+              <p:ext uri="{386F3935-93C4-4BCD-93E2-E3B085C9AB24}">
+                <p16:designElem xmlns:p16="http://schemas.microsoft.com/office/powerpoint/2015/main" val="1"/>
+              </p:ext>
+            </p:extLst>
+          </p:nvPr>
+        </p:nvSpPr>
+        <p:spPr>
+          <a:xfrm>
+            <a:off x="640079" y="613954"/>
+            <a:ext cx="10907487" cy="1894116"/>
+          </a:xfrm>
+          <a:prstGeom prst="rect">
+            <a:avLst/>
+          </a:prstGeom>
+          <a:solidFill>
+            <a:schemeClr val="bg1"/>
+          </a:solidFill>
+          <a:ln>
+            <a:noFill/>
+          </a:ln>
+          <a:effectLst>
+            <a:outerShdw blurRad="139700" dist="127000" dir="5400000" algn="t" rotWithShape="0">
+              <a:prstClr val="black">
+                <a:alpha val="15000"/>
+              </a:prstClr>
+            </a:outerShdw>
+          </a:effectLst>
+        </p:spPr>
+        <p:style>
+          <a:lnRef idx="2">
+            <a:schemeClr val="accent1">
+              <a:shade val="50000"/>
+            </a:schemeClr>
+          </a:lnRef>
+          <a:fillRef idx="1">
+            <a:schemeClr val="accent1"/>
+          </a:fillRef>
+          <a:effectRef idx="0">
+            <a:schemeClr val="accent1"/>
+          </a:effectRef>
+          <a:fontRef idx="minor">
+            <a:schemeClr val="lt1"/>
+          </a:fontRef>
+        </p:style>
+        <p:txBody>
+          <a:bodyPr rtlCol="0" anchor="ctr"/>
+          <a:lstStyle/>
+          <a:p>
+            <a:pPr algn="ctr"/>
+            <a:endParaRPr lang="en-US"/>
+          </a:p>
+        </p:txBody>
+      </p:sp>
+      <p:sp>
+        <p:nvSpPr>
+          <p:cNvPr id="2" name="Title 1">
+            <a:extLst>
+              <a:ext uri="{FF2B5EF4-FFF2-40B4-BE49-F238E27FC236}">
+                <a16:creationId xmlns:a16="http://schemas.microsoft.com/office/drawing/2014/main" id="{957E34D6-E95F-ED1E-0712-50C134C32248}"/>
+              </a:ext>
+            </a:extLst>
+          </p:cNvPr>
+          <p:cNvSpPr>
+            <a:spLocks noGrp="1"/>
+          </p:cNvSpPr>
+          <p:nvPr>
+            <p:ph type="title"/>
+          </p:nvPr>
+        </p:nvSpPr>
+        <p:spPr>
+          <a:xfrm>
+            <a:off x="1043631" y="809898"/>
+            <a:ext cx="9942716" cy="1554480"/>
+          </a:xfrm>
+        </p:spPr>
+        <p:txBody>
+          <a:bodyPr anchor="ctr">
+            <a:normAutofit/>
+          </a:bodyPr>
+          <a:lstStyle/>
+          <a:p>
+            <a:r>
               <a:rPr lang="en-US" sz="4800" dirty="0">
                 <a:ea typeface="+mj-lt"/>
                 <a:cs typeface="+mj-lt"/>
@@ -9789,7 +10772,7 @@
 </p:sld>
 </file>
 
-<file path=ppt/slides/slide11.xml><?xml version="1.0" encoding="utf-8"?>
+<file path=ppt/slides/slide13.xml><?xml version="1.0" encoding="utf-8"?>
 <p:sld xmlns:a="http://schemas.openxmlformats.org/drawingml/2006/main" xmlns:r="http://schemas.openxmlformats.org/officeDocument/2006/relationships" xmlns:p="http://schemas.openxmlformats.org/presentationml/2006/main">
   <p:cSld>
     <p:bg>
@@ -10460,7 +11443,7 @@
 </p:sld>
 </file>
 
-<file path=ppt/slides/slide12.xml><?xml version="1.0" encoding="utf-8"?>
+<file path=ppt/slides/slide14.xml><?xml version="1.0" encoding="utf-8"?>
 <p:sld xmlns:a="http://schemas.openxmlformats.org/drawingml/2006/main" xmlns:r="http://schemas.openxmlformats.org/officeDocument/2006/relationships" xmlns:p="http://schemas.openxmlformats.org/presentationml/2006/main">
   <p:cSld>
     <p:bg>
@@ -11002,7 +11985,7 @@
 </p:sld>
 </file>
 
-<file path=ppt/slides/slide13.xml><?xml version="1.0" encoding="utf-8"?>
+<file path=ppt/slides/slide15.xml><?xml version="1.0" encoding="utf-8"?>
 <p:sld xmlns:a="http://schemas.openxmlformats.org/drawingml/2006/main" xmlns:r="http://schemas.openxmlformats.org/officeDocument/2006/relationships" xmlns:p="http://schemas.openxmlformats.org/presentationml/2006/main">
   <p:cSld>
     <p:bg>
@@ -11555,7 +12538,7 @@
 </p:sld>
 </file>
 
-<file path=ppt/slides/slide14.xml><?xml version="1.0" encoding="utf-8"?>
+<file path=ppt/slides/slide16.xml><?xml version="1.0" encoding="utf-8"?>
 <p:sld xmlns:a="http://schemas.openxmlformats.org/drawingml/2006/main" xmlns:r="http://schemas.openxmlformats.org/officeDocument/2006/relationships" xmlns:p="http://schemas.openxmlformats.org/presentationml/2006/main">
   <p:cSld>
     <p:spTree>
@@ -12059,7 +13042,7 @@
 </p:sld>
 </file>
 
-<file path=ppt/slides/slide15.xml><?xml version="1.0" encoding="utf-8"?>
+<file path=ppt/slides/slide17.xml><?xml version="1.0" encoding="utf-8"?>
 <p:sld xmlns:a="http://schemas.openxmlformats.org/drawingml/2006/main" xmlns:r="http://schemas.openxmlformats.org/officeDocument/2006/relationships" xmlns:p="http://schemas.openxmlformats.org/presentationml/2006/main">
   <p:cSld>
     <p:spTree>
@@ -12559,7 +13542,343 @@
 </p:sld>
 </file>
 
-<file path=ppt/slides/slide16.xml><?xml version="1.0" encoding="utf-8"?>
+<file path=ppt/slides/slide18.xml><?xml version="1.0" encoding="utf-8"?>
+<p:sld xmlns:a="http://schemas.openxmlformats.org/drawingml/2006/main" xmlns:r="http://schemas.openxmlformats.org/officeDocument/2006/relationships" xmlns:p="http://schemas.openxmlformats.org/presentationml/2006/main">
+  <p:cSld>
+    <p:bg>
+      <p:bgPr>
+        <a:solidFill>
+          <a:schemeClr val="bg1"/>
+        </a:solidFill>
+        <a:effectLst/>
+      </p:bgPr>
+    </p:bg>
+    <p:spTree>
+      <p:nvGrpSpPr>
+        <p:cNvPr id="1" name=""/>
+        <p:cNvGrpSpPr/>
+        <p:nvPr/>
+      </p:nvGrpSpPr>
+      <p:grpSpPr>
+        <a:xfrm>
+          <a:off x="0" y="0"/>
+          <a:ext cx="0" cy="0"/>
+          <a:chOff x="0" y="0"/>
+          <a:chExt cx="0" cy="0"/>
+        </a:xfrm>
+      </p:grpSpPr>
+      <p:sp useBgFill="1">
+        <p:nvSpPr>
+          <p:cNvPr id="7" name="Rectangle 6">
+            <a:extLst>
+              <a:ext uri="{FF2B5EF4-FFF2-40B4-BE49-F238E27FC236}">
+                <a16:creationId xmlns:a16="http://schemas.microsoft.com/office/drawing/2014/main" id="{AB3C2A63-5F24-4EEB-9DED-E7FE1295F5B4}"/>
+              </a:ext>
+              <a:ext uri="{C183D7F6-B498-43B3-948B-1728B52AA6E4}">
+                <adec:decorative xmlns:adec="http://schemas.microsoft.com/office/drawing/2017/decorative" val="1"/>
+              </a:ext>
+            </a:extLst>
+          </p:cNvPr>
+          <p:cNvSpPr>
+            <a:spLocks noGrp="1" noRot="1" noChangeAspect="1" noMove="1" noResize="1" noEditPoints="1" noAdjustHandles="1" noChangeArrowheads="1" noChangeShapeType="1" noTextEdit="1"/>
+          </p:cNvSpPr>
+          <p:nvPr>
+            <p:extLst>
+              <p:ext uri="{386F3935-93C4-4BCD-93E2-E3B085C9AB24}">
+                <p16:designElem xmlns:p16="http://schemas.microsoft.com/office/powerpoint/2015/main" val="1"/>
+              </p:ext>
+            </p:extLst>
+          </p:nvPr>
+        </p:nvSpPr>
+        <p:spPr>
+          <a:xfrm>
+            <a:off x="0" y="0"/>
+            <a:ext cx="12191999" cy="6857365"/>
+          </a:xfrm>
+          <a:prstGeom prst="rect">
+            <a:avLst/>
+          </a:prstGeom>
+          <a:ln>
+            <a:noFill/>
+          </a:ln>
+        </p:spPr>
+        <p:style>
+          <a:lnRef idx="2">
+            <a:schemeClr val="accent1">
+              <a:shade val="50000"/>
+            </a:schemeClr>
+          </a:lnRef>
+          <a:fillRef idx="1">
+            <a:schemeClr val="accent1"/>
+          </a:fillRef>
+          <a:effectRef idx="0">
+            <a:schemeClr val="accent1"/>
+          </a:effectRef>
+          <a:fontRef idx="minor">
+            <a:schemeClr val="lt1"/>
+          </a:fontRef>
+        </p:style>
+        <p:txBody>
+          <a:bodyPr rtlCol="0" anchor="ctr"/>
+          <a:lstStyle/>
+          <a:p>
+            <a:pPr algn="ctr"/>
+            <a:endParaRPr lang="en-US"/>
+          </a:p>
+        </p:txBody>
+      </p:sp>
+      <p:sp>
+        <p:nvSpPr>
+          <p:cNvPr id="9" name="Rectangle 8">
+            <a:extLst>
+              <a:ext uri="{FF2B5EF4-FFF2-40B4-BE49-F238E27FC236}">
+                <a16:creationId xmlns:a16="http://schemas.microsoft.com/office/drawing/2014/main" id="{2CEF98E4-3709-4952-8F42-2305CCE34FA3}"/>
+              </a:ext>
+              <a:ext uri="{C183D7F6-B498-43B3-948B-1728B52AA6E4}">
+                <adec:decorative xmlns:adec="http://schemas.microsoft.com/office/drawing/2017/decorative" val="1"/>
+              </a:ext>
+            </a:extLst>
+          </p:cNvPr>
+          <p:cNvSpPr>
+            <a:spLocks noGrp="1" noRot="1" noChangeAspect="1" noMove="1" noResize="1" noEditPoints="1" noAdjustHandles="1" noChangeArrowheads="1" noChangeShapeType="1" noTextEdit="1"/>
+          </p:cNvSpPr>
+          <p:nvPr>
+            <p:extLst>
+              <p:ext uri="{386F3935-93C4-4BCD-93E2-E3B085C9AB24}">
+                <p16:designElem xmlns:p16="http://schemas.microsoft.com/office/powerpoint/2015/main" val="1"/>
+              </p:ext>
+            </p:extLst>
+          </p:nvPr>
+        </p:nvSpPr>
+        <p:spPr>
+          <a:xfrm rot="16200000">
+            <a:off x="3296186" y="-689446"/>
+            <a:ext cx="1715478" cy="8307847"/>
+          </a:xfrm>
+          <a:prstGeom prst="rect">
+            <a:avLst/>
+          </a:prstGeom>
+          <a:solidFill>
+            <a:schemeClr val="accent4"/>
+          </a:solidFill>
+          <a:ln>
+            <a:noFill/>
+          </a:ln>
+        </p:spPr>
+        <p:style>
+          <a:lnRef idx="2">
+            <a:schemeClr val="accent1">
+              <a:shade val="50000"/>
+            </a:schemeClr>
+          </a:lnRef>
+          <a:fillRef idx="1">
+            <a:schemeClr val="accent1"/>
+          </a:fillRef>
+          <a:effectRef idx="0">
+            <a:schemeClr val="accent1"/>
+          </a:effectRef>
+          <a:fontRef idx="minor">
+            <a:schemeClr val="lt1"/>
+          </a:fontRef>
+        </p:style>
+        <p:txBody>
+          <a:bodyPr rtlCol="0" anchor="ctr"/>
+          <a:lstStyle/>
+          <a:p>
+            <a:pPr algn="ctr"/>
+            <a:endParaRPr lang="en-US"/>
+          </a:p>
+        </p:txBody>
+      </p:sp>
+      <p:sp>
+        <p:nvSpPr>
+          <p:cNvPr id="11" name="Rectangle 10">
+            <a:extLst>
+              <a:ext uri="{FF2B5EF4-FFF2-40B4-BE49-F238E27FC236}">
+                <a16:creationId xmlns:a16="http://schemas.microsoft.com/office/drawing/2014/main" id="{F10BCCF5-D685-47FF-B675-647EAEB72C8E}"/>
+              </a:ext>
+              <a:ext uri="{C183D7F6-B498-43B3-948B-1728B52AA6E4}">
+                <adec:decorative xmlns:adec="http://schemas.microsoft.com/office/drawing/2017/decorative" val="1"/>
+              </a:ext>
+            </a:extLst>
+          </p:cNvPr>
+          <p:cNvSpPr>
+            <a:spLocks noGrp="1" noRot="1" noChangeAspect="1" noMove="1" noResize="1" noEditPoints="1" noAdjustHandles="1" noChangeArrowheads="1" noChangeShapeType="1" noTextEdit="1"/>
+          </p:cNvSpPr>
+          <p:nvPr>
+            <p:extLst>
+              <p:ext uri="{386F3935-93C4-4BCD-93E2-E3B085C9AB24}">
+                <p16:designElem xmlns:p16="http://schemas.microsoft.com/office/powerpoint/2015/main" val="1"/>
+              </p:ext>
+            </p:extLst>
+          </p:nvPr>
+        </p:nvSpPr>
+        <p:spPr>
+          <a:xfrm>
+            <a:off x="447632" y="857786"/>
+            <a:ext cx="7661510" cy="5208932"/>
+          </a:xfrm>
+          <a:prstGeom prst="rect">
+            <a:avLst/>
+          </a:prstGeom>
+          <a:solidFill>
+            <a:schemeClr val="bg1"/>
+          </a:solidFill>
+          <a:ln>
+            <a:noFill/>
+          </a:ln>
+          <a:effectLst>
+            <a:outerShdw blurRad="139700" dist="127000" dir="5400000" algn="t" rotWithShape="0">
+              <a:prstClr val="black">
+                <a:alpha val="15000"/>
+              </a:prstClr>
+            </a:outerShdw>
+          </a:effectLst>
+        </p:spPr>
+        <p:style>
+          <a:lnRef idx="2">
+            <a:schemeClr val="accent1">
+              <a:shade val="50000"/>
+            </a:schemeClr>
+          </a:lnRef>
+          <a:fillRef idx="1">
+            <a:schemeClr val="accent1"/>
+          </a:fillRef>
+          <a:effectRef idx="0">
+            <a:schemeClr val="accent1"/>
+          </a:effectRef>
+          <a:fontRef idx="minor">
+            <a:schemeClr val="lt1"/>
+          </a:fontRef>
+        </p:style>
+        <p:txBody>
+          <a:bodyPr rtlCol="0" anchor="ctr"/>
+          <a:lstStyle/>
+          <a:p>
+            <a:pPr algn="ctr"/>
+            <a:endParaRPr lang="en-US"/>
+          </a:p>
+        </p:txBody>
+      </p:sp>
+      <p:sp>
+        <p:nvSpPr>
+          <p:cNvPr id="2" name="Title 1">
+            <a:extLst>
+              <a:ext uri="{FF2B5EF4-FFF2-40B4-BE49-F238E27FC236}">
+                <a16:creationId xmlns:a16="http://schemas.microsoft.com/office/drawing/2014/main" id="{E3FDB9EC-327A-C141-BB8E-3CE44B2C5E84}"/>
+              </a:ext>
+            </a:extLst>
+          </p:cNvPr>
+          <p:cNvSpPr>
+            <a:spLocks noGrp="1"/>
+          </p:cNvSpPr>
+          <p:nvPr>
+            <p:ph type="title"/>
+          </p:nvPr>
+        </p:nvSpPr>
+        <p:spPr>
+          <a:xfrm>
+            <a:off x="939337" y="1471351"/>
+            <a:ext cx="6724997" cy="4016621"/>
+          </a:xfrm>
+        </p:spPr>
+        <p:txBody>
+          <a:bodyPr vert="horz" lIns="91440" tIns="45720" rIns="91440" bIns="45720" rtlCol="0" anchor="ctr">
+            <a:normAutofit/>
+          </a:bodyPr>
+          <a:lstStyle/>
+          <a:p>
+            <a:r>
+              <a:rPr lang="en-US" sz="6600" kern="1200">
+                <a:solidFill>
+                  <a:schemeClr val="tx1"/>
+                </a:solidFill>
+                <a:latin typeface="+mj-lt"/>
+                <a:ea typeface="+mj-ea"/>
+                <a:cs typeface="+mj-cs"/>
+              </a:rPr>
+              <a:t>                         Implementation</a:t>
+            </a:r>
+          </a:p>
+        </p:txBody>
+      </p:sp>
+      <p:sp>
+        <p:nvSpPr>
+          <p:cNvPr id="13" name="Rectangle 12">
+            <a:extLst>
+              <a:ext uri="{FF2B5EF4-FFF2-40B4-BE49-F238E27FC236}">
+                <a16:creationId xmlns:a16="http://schemas.microsoft.com/office/drawing/2014/main" id="{02F429C4-ABC9-46FC-818A-B5429CDE4A96}"/>
+              </a:ext>
+              <a:ext uri="{C183D7F6-B498-43B3-948B-1728B52AA6E4}">
+                <adec:decorative xmlns:adec="http://schemas.microsoft.com/office/drawing/2017/decorative" val="1"/>
+              </a:ext>
+            </a:extLst>
+          </p:cNvPr>
+          <p:cNvSpPr>
+            <a:spLocks noGrp="1" noRot="1" noChangeAspect="1" noMove="1" noResize="1" noEditPoints="1" noAdjustHandles="1" noChangeArrowheads="1" noChangeShapeType="1" noTextEdit="1"/>
+          </p:cNvSpPr>
+          <p:nvPr>
+            <p:extLst>
+              <p:ext uri="{386F3935-93C4-4BCD-93E2-E3B085C9AB24}">
+                <p16:designElem xmlns:p16="http://schemas.microsoft.com/office/powerpoint/2015/main" val="1"/>
+              </p:ext>
+            </p:extLst>
+          </p:nvPr>
+        </p:nvSpPr>
+        <p:spPr>
+          <a:xfrm rot="5400000">
+            <a:off x="7674872" y="3392097"/>
+            <a:ext cx="1719072" cy="152382"/>
+          </a:xfrm>
+          <a:prstGeom prst="rect">
+            <a:avLst/>
+          </a:prstGeom>
+          <a:solidFill>
+            <a:schemeClr val="accent4"/>
+          </a:solidFill>
+          <a:ln>
+            <a:noFill/>
+          </a:ln>
+        </p:spPr>
+        <p:style>
+          <a:lnRef idx="2">
+            <a:schemeClr val="accent1">
+              <a:shade val="50000"/>
+            </a:schemeClr>
+          </a:lnRef>
+          <a:fillRef idx="1">
+            <a:schemeClr val="accent1"/>
+          </a:fillRef>
+          <a:effectRef idx="0">
+            <a:schemeClr val="accent1"/>
+          </a:effectRef>
+          <a:fontRef idx="minor">
+            <a:schemeClr val="lt1"/>
+          </a:fontRef>
+        </p:style>
+        <p:txBody>
+          <a:bodyPr rtlCol="0" anchor="ctr"/>
+          <a:lstStyle/>
+          <a:p>
+            <a:pPr algn="ctr"/>
+            <a:endParaRPr lang="en-US"/>
+          </a:p>
+        </p:txBody>
+      </p:sp>
+    </p:spTree>
+    <p:extLst>
+      <p:ext uri="{BB962C8B-B14F-4D97-AF65-F5344CB8AC3E}">
+        <p14:creationId xmlns:p14="http://schemas.microsoft.com/office/powerpoint/2010/main" val="1333729179"/>
+      </p:ext>
+    </p:extLst>
+  </p:cSld>
+  <p:clrMapOvr>
+    <a:masterClrMapping/>
+  </p:clrMapOvr>
+</p:sld>
+</file>
+
+<file path=ppt/slides/slide19.xml><?xml version="1.0" encoding="utf-8"?>
 <p:sld xmlns:a="http://schemas.openxmlformats.org/drawingml/2006/main" xmlns:r="http://schemas.openxmlformats.org/officeDocument/2006/relationships" xmlns:p="http://schemas.openxmlformats.org/presentationml/2006/main">
   <p:cSld>
     <p:bg>
@@ -12931,7 +14250,7 @@
           <p:cNvPr id="2" name="Title 1">
             <a:extLst>
               <a:ext uri="{FF2B5EF4-FFF2-40B4-BE49-F238E27FC236}">
-                <a16:creationId xmlns:a16="http://schemas.microsoft.com/office/drawing/2014/main" id="{94DB9F40-DA0C-79C6-EA38-A6E49F97D9FA}"/>
+                <a16:creationId xmlns:a16="http://schemas.microsoft.com/office/drawing/2014/main" id="{E9578398-A6E9-1432-D295-EA9E48D6F432}"/>
               </a:ext>
             </a:extLst>
           </p:cNvPr>
@@ -12956,7 +14275,7 @@
           <a:p>
             <a:r>
               <a:rPr lang="en-US" sz="4800"/>
-              <a:t>Incremental Optimization</a:t>
+              <a:t>SmeltRT</a:t>
             </a:r>
           </a:p>
         </p:txBody>
@@ -12966,7 +14285,7 @@
           <p:cNvPr id="3" name="Content Placeholder 2">
             <a:extLst>
               <a:ext uri="{FF2B5EF4-FFF2-40B4-BE49-F238E27FC236}">
-                <a16:creationId xmlns:a16="http://schemas.microsoft.com/office/drawing/2014/main" id="{2604E61B-E1C3-7523-9317-64A808441A9B}"/>
+                <a16:creationId xmlns:a16="http://schemas.microsoft.com/office/drawing/2014/main" id="{CAA9EBA8-50D8-30CA-9C8F-B11AEFDBB04D}"/>
               </a:ext>
             </a:extLst>
           </p:cNvPr>
@@ -12979,7 +14298,7 @@
         </p:nvSpPr>
         <p:spPr>
           <a:xfrm>
-            <a:off x="919065" y="2943692"/>
+            <a:off x="1045028" y="3017522"/>
             <a:ext cx="9941319" cy="3124658"/>
           </a:xfrm>
         </p:spPr>
@@ -12990,200 +14309,51 @@
           <a:lstStyle/>
           <a:p>
             <a:r>
-              <a:rPr lang="en-US" sz="2000" dirty="0"/>
-              <a:t>Reordering sends according to most expensive subtree</a:t>
-            </a:r>
-          </a:p>
-          <a:p>
-            <a:r>
-              <a:rPr lang="en-US" sz="2000" dirty="0"/>
-              <a:t>Shuffling</a:t>
-            </a:r>
-          </a:p>
-          <a:p>
-            <a:pPr lvl="1">
-              <a:buFont typeface="Courier New" panose="02070309020205020404" pitchFamily="49" charset="0"/>
-              <a:buChar char="o"/>
+              <a:rPr lang="en-US" sz="2400" dirty="0"/>
+              <a:t>The Smelt runtime (</a:t>
+            </a:r>
+            <a:r>
+              <a:rPr lang="en-US" sz="2400" dirty="0" err="1"/>
+              <a:t>SmeltRT</a:t>
+            </a:r>
+            <a:r>
+              <a:rPr lang="en-US" sz="2400" dirty="0"/>
+              <a:t>) is available as a open source C++ library.</a:t>
+            </a:r>
+            <a:endParaRPr lang="en-US" sz="2400" dirty="0">
+              <a:cs typeface="Calibri"/>
+            </a:endParaRPr>
+          </a:p>
+          <a:p>
+            <a:r>
+              <a:rPr lang="en-US" sz="2400" dirty="0"/>
+              <a:t>Easy to implement machine optimized higher level protocols</a:t>
+            </a:r>
+            <a:endParaRPr lang="en-US" sz="2400" dirty="0">
+              <a:cs typeface="Calibri"/>
+            </a:endParaRPr>
+          </a:p>
+          <a:p>
+            <a:r>
+              <a:rPr lang="en-US" sz="2400" dirty="0"/>
+              <a:t>Available at </a:t>
+            </a:r>
+          </a:p>
+          <a:p>
+            <a:pPr marL="457200" lvl="1" indent="0">
+              <a:buNone/>
             </a:pPr>
             <a:r>
-              <a:rPr lang="en-US" sz="1500" dirty="0"/>
-              <a:t> </a:t>
-            </a:r>
-            <a:r>
-              <a:rPr lang="en-US" sz="1800" dirty="0"/>
-              <a:t>Some threads already terminate the broadcast and become idle</a:t>
-            </a:r>
-          </a:p>
-          <a:p>
-            <a:pPr lvl="1">
-              <a:buFont typeface="Courier New" panose="02070309020205020404" pitchFamily="49" charset="0"/>
-              <a:buChar char="o"/>
-            </a:pPr>
-            <a:r>
-              <a:rPr lang="en-US" sz="1800" dirty="0"/>
-              <a:t>Adding extra cross-NUMA links from these threads can reduce global latency</a:t>
-            </a:r>
-          </a:p>
-          <a:p>
-            <a:pPr lvl="1">
-              <a:buFont typeface="Courier New" panose="02070309020205020404" pitchFamily="49" charset="0"/>
-              <a:buChar char="o"/>
-            </a:pPr>
-            <a:r>
-              <a:rPr lang="en-US" sz="1800" dirty="0"/>
-              <a:t>v</a:t>
-            </a:r>
-            <a:r>
-              <a:rPr lang="en-US" sz="1800" baseline="-25000" dirty="0"/>
-              <a:t>i</a:t>
-            </a:r>
-            <a:r>
-              <a:rPr lang="en-US" sz="1800" dirty="0"/>
-              <a:t> is a thread that has terminated and </a:t>
-            </a:r>
-            <a:r>
-              <a:rPr lang="en-US" sz="1800" dirty="0" err="1"/>
-              <a:t>v</a:t>
-            </a:r>
-            <a:r>
-              <a:rPr lang="en-US" sz="1800" baseline="-25000" dirty="0" err="1"/>
-              <a:t>j</a:t>
-            </a:r>
-            <a:r>
-              <a:rPr lang="en-US" sz="1800" dirty="0"/>
-              <a:t> is an inactive thread in another node</a:t>
-            </a:r>
-          </a:p>
-          <a:p>
-            <a:pPr lvl="1">
-              <a:buFont typeface="Courier New" panose="02070309020205020404" pitchFamily="49" charset="0"/>
-              <a:buChar char="o"/>
-            </a:pPr>
-            <a:r>
-              <a:rPr lang="en-US" sz="1800" dirty="0" err="1"/>
-              <a:t>t</a:t>
-            </a:r>
-            <a:r>
-              <a:rPr lang="en-US" sz="1800" baseline="-25000" dirty="0" err="1"/>
-              <a:t>slack</a:t>
-            </a:r>
-            <a:r>
-              <a:rPr lang="en-US" sz="1800" dirty="0"/>
-              <a:t>  is the time taken after v’s termination for v to become active </a:t>
-            </a:r>
-          </a:p>
-          <a:p>
-            <a:pPr lvl="1">
-              <a:buFont typeface="Courier New" panose="02070309020205020404" pitchFamily="49" charset="0"/>
-              <a:buChar char="o"/>
-            </a:pPr>
-            <a:r>
-              <a:rPr lang="en-US" sz="1800" dirty="0" err="1"/>
-              <a:t>T</a:t>
-            </a:r>
-            <a:r>
-              <a:rPr lang="en-US" sz="1800" baseline="-25000" dirty="0" err="1"/>
-              <a:t>send</a:t>
-            </a:r>
-            <a:r>
-              <a:rPr lang="en-US" sz="1800" dirty="0"/>
-              <a:t>  +  </a:t>
-            </a:r>
-            <a:r>
-              <a:rPr lang="en-US" sz="1800" dirty="0" err="1"/>
-              <a:t>t</a:t>
-            </a:r>
-            <a:r>
-              <a:rPr lang="en-US" sz="1800" baseline="-25000" dirty="0" err="1"/>
-              <a:t>receive</a:t>
-            </a:r>
-            <a:r>
-              <a:rPr lang="en-US" sz="1800" dirty="0"/>
-              <a:t>  is the cost of cross-NUMA link between v</a:t>
-            </a:r>
-            <a:r>
-              <a:rPr lang="en-US" sz="1800" baseline="-25000" dirty="0"/>
-              <a:t>i</a:t>
-            </a:r>
-            <a:r>
-              <a:rPr lang="en-US" sz="1800" dirty="0"/>
-              <a:t> and </a:t>
-            </a:r>
-            <a:r>
-              <a:rPr lang="en-US" sz="1800" dirty="0" err="1"/>
-              <a:t>v</a:t>
-            </a:r>
-            <a:r>
-              <a:rPr lang="en-US" sz="1800" baseline="-25000" dirty="0" err="1"/>
-              <a:t>j</a:t>
-            </a:r>
-            <a:endParaRPr lang="en-US" sz="1800" baseline="-25000" dirty="0"/>
-          </a:p>
-          <a:p>
-            <a:pPr lvl="1">
-              <a:buFont typeface="Courier New" panose="02070309020205020404" pitchFamily="49" charset="0"/>
-              <a:buChar char="o"/>
-            </a:pPr>
-            <a:r>
-              <a:rPr lang="en-US" sz="1800" dirty="0"/>
-              <a:t>If </a:t>
-            </a:r>
-            <a:r>
-              <a:rPr lang="en-US" sz="1800" dirty="0" err="1"/>
-              <a:t>t</a:t>
-            </a:r>
-            <a:r>
-              <a:rPr lang="en-US" sz="1800" baseline="-25000" dirty="0" err="1"/>
-              <a:t>send</a:t>
-            </a:r>
-            <a:r>
-              <a:rPr lang="en-US" sz="1800" dirty="0"/>
-              <a:t> + </a:t>
-            </a:r>
-            <a:r>
-              <a:rPr lang="en-US" sz="1800" dirty="0" err="1"/>
-              <a:t>t</a:t>
-            </a:r>
-            <a:r>
-              <a:rPr lang="en-US" sz="1800" baseline="-25000" dirty="0" err="1"/>
-              <a:t>receive</a:t>
-            </a:r>
-            <a:r>
-              <a:rPr lang="en-US" sz="1800" dirty="0"/>
-              <a:t> &lt; </a:t>
-            </a:r>
-            <a:r>
-              <a:rPr lang="en-US" sz="1800" dirty="0" err="1"/>
-              <a:t>t</a:t>
-            </a:r>
-            <a:r>
-              <a:rPr lang="en-US" sz="1800" baseline="-25000" dirty="0" err="1"/>
-              <a:t>slack</a:t>
-            </a:r>
-            <a:r>
-              <a:rPr lang="en-US" sz="1800" dirty="0"/>
-              <a:t> cross-NUMA link is added between v</a:t>
-            </a:r>
-            <a:r>
-              <a:rPr lang="en-US" sz="1800" baseline="-25000" dirty="0"/>
-              <a:t>i</a:t>
-            </a:r>
-            <a:r>
-              <a:rPr lang="en-US" sz="1800" dirty="0"/>
-              <a:t> and </a:t>
-            </a:r>
-            <a:r>
-              <a:rPr lang="en-US" sz="1800" dirty="0" err="1"/>
-              <a:t>v</a:t>
-            </a:r>
-            <a:r>
-              <a:rPr lang="en-US" sz="1800" baseline="-25000" dirty="0" err="1"/>
-              <a:t>j</a:t>
-            </a:r>
-            <a:r>
-              <a:rPr lang="en-US" sz="1800" dirty="0"/>
-              <a:t> </a:t>
-            </a:r>
+              <a:rPr lang="en-US" sz="2000" dirty="0">
+                <a:ea typeface="+mn-lt"/>
+                <a:cs typeface="+mn-lt"/>
+              </a:rPr>
+              <a:t>https://github.com/libsmelt/libsmelt</a:t>
+            </a:r>
+            <a:endParaRPr lang="en-US" dirty="0"/>
+          </a:p>
+          <a:p>
+            <a:endParaRPr lang="en-US" sz="2400" dirty="0"/>
           </a:p>
         </p:txBody>
       </p:sp>
@@ -13242,7 +14412,7 @@
     </p:spTree>
     <p:extLst>
       <p:ext uri="{BB962C8B-B14F-4D97-AF65-F5344CB8AC3E}">
-        <p14:creationId xmlns:p14="http://schemas.microsoft.com/office/powerpoint/2010/main" val="194044379"/>
+        <p14:creationId xmlns:p14="http://schemas.microsoft.com/office/powerpoint/2010/main" val="2295906941"/>
       </p:ext>
     </p:extLst>
   </p:cSld>
@@ -13252,7 +14422,7 @@
 </p:sld>
 </file>
 
-<file path=ppt/slides/slide17.xml><?xml version="1.0" encoding="utf-8"?>
+<file path=ppt/slides/slide2.xml><?xml version="1.0" encoding="utf-8"?>
 <p:sld xmlns:a="http://schemas.openxmlformats.org/drawingml/2006/main" xmlns:r="http://schemas.openxmlformats.org/officeDocument/2006/relationships" xmlns:p="http://schemas.openxmlformats.org/presentationml/2006/main">
   <p:cSld>
     <p:bg>
@@ -13279,10 +14449,10 @@
       </p:grpSpPr>
       <p:sp useBgFill="1">
         <p:nvSpPr>
-          <p:cNvPr id="7" name="Rectangle 6">
+          <p:cNvPr id="25" name="Rectangle 24">
             <a:extLst>
               <a:ext uri="{FF2B5EF4-FFF2-40B4-BE49-F238E27FC236}">
-                <a16:creationId xmlns:a16="http://schemas.microsoft.com/office/drawing/2014/main" id="{AB3C2A63-5F24-4EEB-9DED-E7FE1295F5B4}"/>
+                <a16:creationId xmlns:a16="http://schemas.microsoft.com/office/drawing/2014/main" id="{DBF61EA3-B236-439E-9C0B-340980D56BEE}"/>
               </a:ext>
               <a:ext uri="{C183D7F6-B498-43B3-948B-1728B52AA6E4}">
                 <adec:decorative xmlns:adec="http://schemas.microsoft.com/office/drawing/2017/decorative" val="1"/>
@@ -13339,19 +14509,62 @@
       </p:sp>
       <p:sp>
         <p:nvSpPr>
-          <p:cNvPr id="9" name="Rectangle 8">
+          <p:cNvPr id="2" name="Title 1">
             <a:extLst>
               <a:ext uri="{FF2B5EF4-FFF2-40B4-BE49-F238E27FC236}">
-                <a16:creationId xmlns:a16="http://schemas.microsoft.com/office/drawing/2014/main" id="{2CEF98E4-3709-4952-8F42-2305CCE34FA3}"/>
-              </a:ext>
-              <a:ext uri="{C183D7F6-B498-43B3-948B-1728B52AA6E4}">
-                <adec:decorative xmlns:adec="http://schemas.microsoft.com/office/drawing/2017/decorative" val="1"/>
+                <a16:creationId xmlns:a16="http://schemas.microsoft.com/office/drawing/2014/main" id="{E6D58C53-6CAD-1D6D-FFC6-99629936415A}"/>
               </a:ext>
             </a:extLst>
           </p:cNvPr>
           <p:cNvSpPr>
-            <a:spLocks noGrp="1" noRot="1" noChangeAspect="1" noMove="1" noResize="1" noEditPoints="1" noAdjustHandles="1" noChangeArrowheads="1" noChangeShapeType="1" noTextEdit="1"/>
+            <a:spLocks noGrp="1"/>
           </p:cNvSpPr>
+          <p:nvPr>
+            <p:ph type="ctrTitle"/>
+          </p:nvPr>
+        </p:nvSpPr>
+        <p:spPr>
+          <a:xfrm>
+            <a:off x="808638" y="386930"/>
+            <a:ext cx="9236700" cy="1188950"/>
+          </a:xfrm>
+        </p:spPr>
+        <p:txBody>
+          <a:bodyPr vert="horz" lIns="91440" tIns="45720" rIns="91440" bIns="45720" rtlCol="0" anchor="b">
+            <a:normAutofit/>
+          </a:bodyPr>
+          <a:lstStyle/>
+          <a:p>
+            <a:pPr algn="l"/>
+            <a:r>
+              <a:rPr lang="en-US" sz="5400" kern="1200">
+                <a:solidFill>
+                  <a:schemeClr val="tx1"/>
+                </a:solidFill>
+                <a:latin typeface="+mj-lt"/>
+                <a:ea typeface="+mj-ea"/>
+                <a:cs typeface="+mj-cs"/>
+              </a:rPr>
+              <a:t>Problems addressed</a:t>
+            </a:r>
+          </a:p>
+        </p:txBody>
+      </p:sp>
+      <p:grpSp>
+        <p:nvGrpSpPr>
+          <p:cNvPr id="27" name="Group 26">
+            <a:extLst>
+              <a:ext uri="{FF2B5EF4-FFF2-40B4-BE49-F238E27FC236}">
+                <a16:creationId xmlns:a16="http://schemas.microsoft.com/office/drawing/2014/main" id="{28FAF094-D087-493F-8DF9-A486C2D6BBAA}"/>
+              </a:ext>
+              <a:ext uri="{C183D7F6-B498-43B3-948B-1728B52AA6E4}">
+                <adec:decorative xmlns:adec="http://schemas.microsoft.com/office/drawing/2017/decorative" val="1"/>
+              </a:ext>
+            </a:extLst>
+          </p:cNvPr>
+          <p:cNvGrpSpPr>
+            <a:grpSpLocks noGrp="1" noUngrp="1" noRot="1" noChangeAspect="1" noMove="1" noResize="1"/>
+          </p:cNvGrpSpPr>
           <p:nvPr>
             <p:extLst>
               <p:ext uri="{386F3935-93C4-4BCD-93E2-E3B085C9AB24}">
@@ -13359,53 +14572,144 @@
               </p:ext>
             </p:extLst>
           </p:nvPr>
-        </p:nvSpPr>
-        <p:spPr>
-          <a:xfrm rot="16200000">
-            <a:off x="3296186" y="-689446"/>
-            <a:ext cx="1715478" cy="8307847"/>
+        </p:nvGrpSpPr>
+        <p:grpSpPr>
+          <a:xfrm>
+            <a:off x="-2" y="1998368"/>
+            <a:ext cx="11695083" cy="782176"/>
+            <a:chOff x="-2" y="1998368"/>
+            <a:chExt cx="11695083" cy="782176"/>
           </a:xfrm>
-          <a:prstGeom prst="rect">
-            <a:avLst/>
-          </a:prstGeom>
-          <a:solidFill>
-            <a:schemeClr val="accent4"/>
-          </a:solidFill>
-          <a:ln>
-            <a:noFill/>
-          </a:ln>
-        </p:spPr>
-        <p:style>
-          <a:lnRef idx="2">
-            <a:schemeClr val="accent1">
-              <a:shade val="50000"/>
-            </a:schemeClr>
-          </a:lnRef>
-          <a:fillRef idx="1">
-            <a:schemeClr val="accent1"/>
-          </a:fillRef>
-          <a:effectRef idx="0">
-            <a:schemeClr val="accent1"/>
-          </a:effectRef>
-          <a:fontRef idx="minor">
-            <a:schemeClr val="lt1"/>
-          </a:fontRef>
-        </p:style>
-        <p:txBody>
-          <a:bodyPr rtlCol="0" anchor="ctr"/>
-          <a:lstStyle/>
-          <a:p>
-            <a:pPr algn="ctr"/>
-            <a:endParaRPr lang="en-US"/>
-          </a:p>
-        </p:txBody>
-      </p:sp>
+        </p:grpSpPr>
+        <p:sp>
+          <p:nvSpPr>
+            <p:cNvPr id="28" name="Rectangle 27">
+              <a:extLst>
+                <a:ext uri="{FF2B5EF4-FFF2-40B4-BE49-F238E27FC236}">
+                  <a16:creationId xmlns:a16="http://schemas.microsoft.com/office/drawing/2014/main" id="{8D7C88D8-5509-4514-925A-9CE148E5CBD6}"/>
+                </a:ext>
+                <a:ext uri="{C183D7F6-B498-43B3-948B-1728B52AA6E4}">
+                  <adec:decorative xmlns:adec="http://schemas.microsoft.com/office/drawing/2017/decorative" val="1"/>
+                </a:ext>
+              </a:extLst>
+            </p:cNvPr>
+            <p:cNvSpPr/>
+            <p:nvPr>
+              <p:extLst>
+                <p:ext uri="{386F3935-93C4-4BCD-93E2-E3B085C9AB24}">
+                  <p16:designElem xmlns:p16="http://schemas.microsoft.com/office/powerpoint/2015/main" val="1"/>
+                </p:ext>
+              </p:extLst>
+            </p:nvPr>
+          </p:nvSpPr>
+          <p:spPr>
+            <a:xfrm rot="5400000">
+              <a:off x="11228040" y="2313027"/>
+              <a:ext cx="781700" cy="152382"/>
+            </a:xfrm>
+            <a:prstGeom prst="rect">
+              <a:avLst/>
+            </a:prstGeom>
+            <a:solidFill>
+              <a:schemeClr val="accent4"/>
+            </a:solidFill>
+            <a:ln>
+              <a:noFill/>
+            </a:ln>
+          </p:spPr>
+          <p:style>
+            <a:lnRef idx="2">
+              <a:schemeClr val="accent1">
+                <a:shade val="50000"/>
+              </a:schemeClr>
+            </a:lnRef>
+            <a:fillRef idx="1">
+              <a:schemeClr val="accent1"/>
+            </a:fillRef>
+            <a:effectRef idx="0">
+              <a:schemeClr val="accent1"/>
+            </a:effectRef>
+            <a:fontRef idx="minor">
+              <a:schemeClr val="lt1"/>
+            </a:fontRef>
+          </p:style>
+          <p:txBody>
+            <a:bodyPr rtlCol="0" anchor="ctr"/>
+            <a:lstStyle/>
+            <a:p>
+              <a:pPr algn="ctr"/>
+              <a:endParaRPr lang="en-US"/>
+            </a:p>
+          </p:txBody>
+        </p:sp>
+        <p:sp>
+          <p:nvSpPr>
+            <p:cNvPr id="29" name="Rectangle 28">
+              <a:extLst>
+                <a:ext uri="{FF2B5EF4-FFF2-40B4-BE49-F238E27FC236}">
+                  <a16:creationId xmlns:a16="http://schemas.microsoft.com/office/drawing/2014/main" id="{7275593D-F75E-4426-AE3E-2CDEFD228D25}"/>
+                </a:ext>
+                <a:ext uri="{C183D7F6-B498-43B3-948B-1728B52AA6E4}">
+                  <adec:decorative xmlns:adec="http://schemas.microsoft.com/office/drawing/2017/decorative" val="1"/>
+                </a:ext>
+              </a:extLst>
+            </p:cNvPr>
+            <p:cNvSpPr/>
+            <p:nvPr>
+              <p:extLst>
+                <p:ext uri="{386F3935-93C4-4BCD-93E2-E3B085C9AB24}">
+                  <p16:designElem xmlns:p16="http://schemas.microsoft.com/office/powerpoint/2015/main" val="1"/>
+                </p:ext>
+              </p:extLst>
+            </p:nvPr>
+          </p:nvSpPr>
+          <p:spPr>
+            <a:xfrm flipH="1" flipV="1">
+              <a:off x="-2" y="1998845"/>
+              <a:ext cx="11454595" cy="781699"/>
+            </a:xfrm>
+            <a:prstGeom prst="rect">
+              <a:avLst/>
+            </a:prstGeom>
+            <a:solidFill>
+              <a:schemeClr val="accent4"/>
+            </a:solidFill>
+            <a:ln>
+              <a:noFill/>
+            </a:ln>
+          </p:spPr>
+          <p:style>
+            <a:lnRef idx="2">
+              <a:schemeClr val="accent1">
+                <a:shade val="50000"/>
+              </a:schemeClr>
+            </a:lnRef>
+            <a:fillRef idx="1">
+              <a:schemeClr val="accent1"/>
+            </a:fillRef>
+            <a:effectRef idx="0">
+              <a:schemeClr val="accent1"/>
+            </a:effectRef>
+            <a:fontRef idx="minor">
+              <a:schemeClr val="lt1"/>
+            </a:fontRef>
+          </p:style>
+          <p:txBody>
+            <a:bodyPr rtlCol="0" anchor="ctr"/>
+            <a:lstStyle/>
+            <a:p>
+              <a:pPr algn="ctr"/>
+              <a:endParaRPr lang="en-US"/>
+            </a:p>
+          </p:txBody>
+        </p:sp>
+      </p:grpSp>
       <p:sp>
         <p:nvSpPr>
-          <p:cNvPr id="11" name="Rectangle 10">
+          <p:cNvPr id="31" name="Rectangle 30">
             <a:extLst>
               <a:ext uri="{FF2B5EF4-FFF2-40B4-BE49-F238E27FC236}">
-                <a16:creationId xmlns:a16="http://schemas.microsoft.com/office/drawing/2014/main" id="{F10BCCF5-D685-47FF-B675-647EAEB72C8E}"/>
+                <a16:creationId xmlns:a16="http://schemas.microsoft.com/office/drawing/2014/main" id="{E659831F-0D9A-4C63-9EBB-8435B85A440F}"/>
               </a:ext>
               <a:ext uri="{C183D7F6-B498-43B3-948B-1728B52AA6E4}">
                 <adec:decorative xmlns:adec="http://schemas.microsoft.com/office/drawing/2017/decorative" val="1"/>
@@ -13425,8 +14729,8 @@
         </p:nvSpPr>
         <p:spPr>
           <a:xfrm>
-            <a:off x="447632" y="857786"/>
-            <a:ext cx="7661510" cy="5208932"/>
+            <a:off x="0" y="2203079"/>
+            <a:ext cx="11383362" cy="4147845"/>
           </a:xfrm>
           <a:prstGeom prst="rect">
             <a:avLst/>
@@ -13472,10 +14776,10 @@
       </p:sp>
       <p:sp>
         <p:nvSpPr>
-          <p:cNvPr id="2" name="Title 1">
+          <p:cNvPr id="3" name="Subtitle 2">
             <a:extLst>
               <a:ext uri="{FF2B5EF4-FFF2-40B4-BE49-F238E27FC236}">
-                <a16:creationId xmlns:a16="http://schemas.microsoft.com/office/drawing/2014/main" id="{E3FDB9EC-327A-C141-BB8E-3CE44B2C5E84}"/>
+                <a16:creationId xmlns:a16="http://schemas.microsoft.com/office/drawing/2014/main" id="{453D6033-1054-8DA3-0D0A-F69D79C34A5C}"/>
               </a:ext>
             </a:extLst>
           </p:cNvPr>
@@ -13483,13 +14787,13 @@
             <a:spLocks noGrp="1"/>
           </p:cNvSpPr>
           <p:nvPr>
-            <p:ph type="title"/>
+            <p:ph type="subTitle" idx="1"/>
           </p:nvPr>
         </p:nvSpPr>
         <p:spPr>
           <a:xfrm>
-            <a:off x="939337" y="1471351"/>
-            <a:ext cx="6724997" cy="4016621"/>
+            <a:off x="793660" y="2599509"/>
+            <a:ext cx="10143668" cy="3435531"/>
           </a:xfrm>
         </p:spPr>
         <p:txBody>
@@ -13498,87 +14802,51 @@
           </a:bodyPr>
           <a:lstStyle/>
           <a:p>
-            <a:r>
-              <a:rPr lang="en-US" sz="6600" kern="1200">
-                <a:solidFill>
-                  <a:schemeClr val="tx1"/>
-                </a:solidFill>
-                <a:latin typeface="+mj-lt"/>
-                <a:ea typeface="+mj-ea"/>
-                <a:cs typeface="+mj-cs"/>
-              </a:rPr>
-              <a:t>                         Implementation</a:t>
-            </a:r>
-          </a:p>
-        </p:txBody>
-      </p:sp>
-      <p:sp>
-        <p:nvSpPr>
-          <p:cNvPr id="13" name="Rectangle 12">
-            <a:extLst>
-              <a:ext uri="{FF2B5EF4-FFF2-40B4-BE49-F238E27FC236}">
-                <a16:creationId xmlns:a16="http://schemas.microsoft.com/office/drawing/2014/main" id="{02F429C4-ABC9-46FC-818A-B5429CDE4A96}"/>
-              </a:ext>
-              <a:ext uri="{C183D7F6-B498-43B3-948B-1728B52AA6E4}">
-                <adec:decorative xmlns:adec="http://schemas.microsoft.com/office/drawing/2017/decorative" val="1"/>
-              </a:ext>
-            </a:extLst>
-          </p:cNvPr>
-          <p:cNvSpPr>
-            <a:spLocks noGrp="1" noRot="1" noChangeAspect="1" noMove="1" noResize="1" noEditPoints="1" noAdjustHandles="1" noChangeArrowheads="1" noChangeShapeType="1" noTextEdit="1"/>
-          </p:cNvSpPr>
-          <p:nvPr>
-            <p:extLst>
-              <p:ext uri="{386F3935-93C4-4BCD-93E2-E3B085C9AB24}">
-                <p16:designElem xmlns:p16="http://schemas.microsoft.com/office/powerpoint/2015/main" val="1"/>
-              </p:ext>
-            </p:extLst>
-          </p:nvPr>
-        </p:nvSpPr>
-        <p:spPr>
-          <a:xfrm rot="5400000">
-            <a:off x="7674872" y="3392097"/>
-            <a:ext cx="1719072" cy="152382"/>
-          </a:xfrm>
-          <a:prstGeom prst="rect">
-            <a:avLst/>
-          </a:prstGeom>
-          <a:solidFill>
-            <a:schemeClr val="accent4"/>
-          </a:solidFill>
-          <a:ln>
-            <a:noFill/>
-          </a:ln>
-        </p:spPr>
-        <p:style>
-          <a:lnRef idx="2">
-            <a:schemeClr val="accent1">
-              <a:shade val="50000"/>
-            </a:schemeClr>
-          </a:lnRef>
-          <a:fillRef idx="1">
-            <a:schemeClr val="accent1"/>
-          </a:fillRef>
-          <a:effectRef idx="0">
-            <a:schemeClr val="accent1"/>
-          </a:effectRef>
-          <a:fontRef idx="minor">
-            <a:schemeClr val="lt1"/>
-          </a:fontRef>
-        </p:style>
-        <p:txBody>
-          <a:bodyPr rtlCol="0" anchor="ctr"/>
-          <a:lstStyle/>
-          <a:p>
-            <a:pPr algn="ctr"/>
-            <a:endParaRPr lang="en-US"/>
+            <a:pPr marL="342900" indent="-228600" algn="l">
+              <a:buFont typeface="Arial" panose="020B0604020202020204" pitchFamily="34" charset="0"/>
+              <a:buChar char="•"/>
+            </a:pPr>
+            <a:r>
+              <a:rPr lang="en-US" dirty="0"/>
+              <a:t>This paper addressed the problem of efficiently communicating between cores on modem multi-cores machines.</a:t>
+            </a:r>
+          </a:p>
+          <a:p>
+            <a:pPr marL="342900" indent="-228600" algn="l">
+              <a:buFont typeface="Arial" panose="020B0604020202020204" pitchFamily="34" charset="0"/>
+              <a:buChar char="•"/>
+            </a:pPr>
+            <a:r>
+              <a:rPr lang="en-US" dirty="0"/>
+              <a:t>The performance of parallel programs on multicore machines are mostly hardware dependent.</a:t>
+            </a:r>
+          </a:p>
+          <a:p>
+            <a:pPr marL="342900" indent="-228600" algn="l">
+              <a:buFont typeface="Arial" panose="020B0604020202020204" pitchFamily="34" charset="0"/>
+              <a:buChar char="•"/>
+            </a:pPr>
+            <a:r>
+              <a:rPr lang="en-US" dirty="0"/>
+              <a:t>Important to address because parallel programming with message-passing used widely.</a:t>
+            </a:r>
+          </a:p>
+          <a:p>
+            <a:pPr marL="342900" indent="-228600" algn="l">
+              <a:buFont typeface="Arial" panose="020B0604020202020204" pitchFamily="34" charset="0"/>
+              <a:buChar char="•"/>
+            </a:pPr>
+            <a:r>
+              <a:rPr lang="en-US" dirty="0"/>
+              <a:t>Different machines show radically different optimal layouts.</a:t>
+            </a:r>
           </a:p>
         </p:txBody>
       </p:sp>
     </p:spTree>
     <p:extLst>
       <p:ext uri="{BB962C8B-B14F-4D97-AF65-F5344CB8AC3E}">
-        <p14:creationId xmlns:p14="http://schemas.microsoft.com/office/powerpoint/2010/main" val="1333729179"/>
+        <p14:creationId xmlns:p14="http://schemas.microsoft.com/office/powerpoint/2010/main" val="1938892313"/>
       </p:ext>
     </p:extLst>
   </p:cSld>
@@ -13588,7 +14856,7 @@
 </p:sld>
 </file>
 
-<file path=ppt/slides/slide18.xml><?xml version="1.0" encoding="utf-8"?>
+<file path=ppt/slides/slide20.xml><?xml version="1.0" encoding="utf-8"?>
 <p:sld xmlns:a="http://schemas.openxmlformats.org/drawingml/2006/main" xmlns:r="http://schemas.openxmlformats.org/officeDocument/2006/relationships" xmlns:p="http://schemas.openxmlformats.org/presentationml/2006/main">
   <p:cSld>
     <p:bg>
@@ -13960,7 +15228,7 @@
           <p:cNvPr id="2" name="Title 1">
             <a:extLst>
               <a:ext uri="{FF2B5EF4-FFF2-40B4-BE49-F238E27FC236}">
-                <a16:creationId xmlns:a16="http://schemas.microsoft.com/office/drawing/2014/main" id="{E9578398-A6E9-1432-D295-EA9E48D6F432}"/>
+                <a16:creationId xmlns:a16="http://schemas.microsoft.com/office/drawing/2014/main" id="{DEF6B177-98A0-2AE0-9A45-AD0F43F61511}"/>
               </a:ext>
             </a:extLst>
           </p:cNvPr>
@@ -13984,8 +15252,8 @@
           <a:lstStyle/>
           <a:p>
             <a:r>
-              <a:rPr lang="en-US" sz="4800"/>
-              <a:t>SmeltRT</a:t>
+              <a:rPr lang="en-US" sz="4800" dirty="0"/>
+              <a:t>Layers</a:t>
             </a:r>
           </a:p>
         </p:txBody>
@@ -13995,7 +15263,7 @@
           <p:cNvPr id="3" name="Content Placeholder 2">
             <a:extLst>
               <a:ext uri="{FF2B5EF4-FFF2-40B4-BE49-F238E27FC236}">
-                <a16:creationId xmlns:a16="http://schemas.microsoft.com/office/drawing/2014/main" id="{CAA9EBA8-50D8-30CA-9C8F-B11AEFDBB04D}"/>
+                <a16:creationId xmlns:a16="http://schemas.microsoft.com/office/drawing/2014/main" id="{F24EA795-6423-2C3A-479D-E4C352E7C410}"/>
               </a:ext>
             </a:extLst>
           </p:cNvPr>
@@ -14018,52 +15286,68 @@
           </a:bodyPr>
           <a:lstStyle/>
           <a:p>
+            <a:pPr marL="0" indent="0">
+              <a:buNone/>
+            </a:pPr>
+            <a:r>
+              <a:rPr lang="en-US" dirty="0"/>
+              <a:t>Structured in two layers </a:t>
+            </a:r>
+          </a:p>
+          <a:p>
+            <a:pPr marL="0" indent="0">
+              <a:buNone/>
+            </a:pPr>
+            <a:endParaRPr lang="en-US" sz="1600" dirty="0"/>
+          </a:p>
+          <a:p>
+            <a:pPr marL="514350" indent="-514350">
+              <a:buFont typeface="+mj-lt"/>
+              <a:buAutoNum type="arabicPeriod"/>
+            </a:pPr>
+            <a:r>
+              <a:rPr lang="en-US" sz="2400" b="1" dirty="0"/>
+              <a:t>Transport layer </a:t>
+            </a:r>
+            <a:endParaRPr lang="en-US" sz="2400" b="1" dirty="0">
+              <a:cs typeface="Calibri"/>
+            </a:endParaRPr>
+          </a:p>
+          <a:p>
+            <a:pPr marL="0" indent="0">
+              <a:buNone/>
+            </a:pPr>
             <a:r>
               <a:rPr lang="en-US" sz="2400" dirty="0"/>
-              <a:t>The Smelt runtime (</a:t>
-            </a:r>
-            <a:r>
-              <a:rPr lang="en-US" sz="2400" dirty="0" err="1"/>
-              <a:t>SmeltRT</a:t>
-            </a:r>
-            <a:r>
-              <a:rPr lang="en-US" sz="2400" dirty="0"/>
-              <a:t>) is available as a open source C++ library.</a:t>
+              <a:t>       Provide send/receive functionality       </a:t>
             </a:r>
             <a:endParaRPr lang="en-US" sz="2400" dirty="0">
               <a:cs typeface="Calibri"/>
             </a:endParaRPr>
           </a:p>
           <a:p>
+            <a:pPr marL="514350" indent="-514350">
+              <a:buAutoNum type="arabicPeriod" startAt="2"/>
+            </a:pPr>
+            <a:r>
+              <a:rPr lang="en-US" sz="2400" b="1" dirty="0"/>
+              <a:t>Collective layer</a:t>
+            </a:r>
+            <a:endParaRPr lang="en-US" sz="2400" b="1" dirty="0">
+              <a:cs typeface="Calibri"/>
+            </a:endParaRPr>
+          </a:p>
+          <a:p>
+            <a:pPr marL="0" indent="0">
+              <a:buNone/>
+            </a:pPr>
             <a:r>
               <a:rPr lang="en-US" sz="2400" dirty="0"/>
-              <a:t>Easy to implement machine optimized higher level protocols</a:t>
+              <a:t>       Supports group communication like broadcast and reduce</a:t>
             </a:r>
             <a:endParaRPr lang="en-US" sz="2400" dirty="0">
               <a:cs typeface="Calibri"/>
             </a:endParaRPr>
-          </a:p>
-          <a:p>
-            <a:r>
-              <a:rPr lang="en-US" sz="2400" dirty="0"/>
-              <a:t>Available at </a:t>
-            </a:r>
-          </a:p>
-          <a:p>
-            <a:pPr marL="457200" lvl="1" indent="0">
-              <a:buNone/>
-            </a:pPr>
-            <a:r>
-              <a:rPr lang="en-US" sz="2000" dirty="0">
-                <a:ea typeface="+mn-lt"/>
-                <a:cs typeface="+mn-lt"/>
-              </a:rPr>
-              <a:t>https://github.com/libsmelt/libsmelt</a:t>
-            </a:r>
-            <a:endParaRPr lang="en-US" dirty="0"/>
-          </a:p>
-          <a:p>
-            <a:endParaRPr lang="en-US" sz="2400" dirty="0"/>
           </a:p>
         </p:txBody>
       </p:sp>
@@ -14122,7 +15406,7 @@
     </p:spTree>
     <p:extLst>
       <p:ext uri="{BB962C8B-B14F-4D97-AF65-F5344CB8AC3E}">
-        <p14:creationId xmlns:p14="http://schemas.microsoft.com/office/powerpoint/2010/main" val="2295906941"/>
+        <p14:creationId xmlns:p14="http://schemas.microsoft.com/office/powerpoint/2010/main" val="558741524"/>
       </p:ext>
     </p:extLst>
   </p:cSld>
@@ -14132,7 +15416,7 @@
 </p:sld>
 </file>
 
-<file path=ppt/slides/slide19.xml><?xml version="1.0" encoding="utf-8"?>
+<file path=ppt/slides/slide21.xml><?xml version="1.0" encoding="utf-8"?>
 <p:sld xmlns:a="http://schemas.openxmlformats.org/drawingml/2006/main" xmlns:r="http://schemas.openxmlformats.org/officeDocument/2006/relationships" xmlns:p="http://schemas.openxmlformats.org/presentationml/2006/main">
   <p:cSld>
     <p:bg>
@@ -14504,7 +15788,7 @@
           <p:cNvPr id="2" name="Title 1">
             <a:extLst>
               <a:ext uri="{FF2B5EF4-FFF2-40B4-BE49-F238E27FC236}">
-                <a16:creationId xmlns:a16="http://schemas.microsoft.com/office/drawing/2014/main" id="{DEF6B177-98A0-2AE0-9A45-AD0F43F61511}"/>
+                <a16:creationId xmlns:a16="http://schemas.microsoft.com/office/drawing/2014/main" id="{D6B02604-4FD1-FFB1-FB6F-DC580E0463C0}"/>
               </a:ext>
             </a:extLst>
           </p:cNvPr>
@@ -14528,8 +15812,8 @@
           <a:lstStyle/>
           <a:p>
             <a:r>
-              <a:rPr lang="en-US" sz="4800" dirty="0"/>
-              <a:t>Layers</a:t>
+              <a:rPr lang="en-US" sz="4800"/>
+              <a:t>Transport layer</a:t>
             </a:r>
           </a:p>
         </p:txBody>
@@ -14539,7 +15823,7 @@
           <p:cNvPr id="3" name="Content Placeholder 2">
             <a:extLst>
               <a:ext uri="{FF2B5EF4-FFF2-40B4-BE49-F238E27FC236}">
-                <a16:creationId xmlns:a16="http://schemas.microsoft.com/office/drawing/2014/main" id="{F24EA795-6423-2C3A-479D-E4C352E7C410}"/>
+                <a16:creationId xmlns:a16="http://schemas.microsoft.com/office/drawing/2014/main" id="{7EC2AE42-33F0-B06F-4331-28ED0A4DE670}"/>
               </a:ext>
             </a:extLst>
           </p:cNvPr>
@@ -14562,68 +15846,30 @@
           </a:bodyPr>
           <a:lstStyle/>
           <a:p>
-            <a:pPr marL="0" indent="0">
-              <a:buNone/>
-            </a:pPr>
-            <a:r>
-              <a:rPr lang="en-US" dirty="0"/>
-              <a:t>Structured in two layers </a:t>
-            </a:r>
-          </a:p>
-          <a:p>
-            <a:pPr marL="0" indent="0">
-              <a:buNone/>
-            </a:pPr>
-            <a:endParaRPr lang="en-US" sz="1600" dirty="0"/>
-          </a:p>
-          <a:p>
-            <a:pPr marL="514350" indent="-514350">
-              <a:buFont typeface="+mj-lt"/>
-              <a:buAutoNum type="arabicPeriod"/>
-            </a:pPr>
-            <a:r>
-              <a:rPr lang="en-US" sz="2400" b="1" dirty="0"/>
-              <a:t>Transport layer </a:t>
-            </a:r>
-            <a:endParaRPr lang="en-US" sz="2400" b="1" dirty="0">
-              <a:cs typeface="Calibri"/>
-            </a:endParaRPr>
-          </a:p>
-          <a:p>
-            <a:pPr marL="0" indent="0">
-              <a:buNone/>
-            </a:pPr>
-            <a:r>
-              <a:rPr lang="en-US" sz="2400" dirty="0"/>
-              <a:t>       Provide send/receive functionality       </a:t>
-            </a:r>
-            <a:endParaRPr lang="en-US" sz="2400" dirty="0">
-              <a:cs typeface="Calibri"/>
-            </a:endParaRPr>
-          </a:p>
-          <a:p>
-            <a:pPr marL="514350" indent="-514350">
-              <a:buAutoNum type="arabicPeriod" startAt="2"/>
-            </a:pPr>
-            <a:r>
-              <a:rPr lang="en-US" sz="2400" b="1" dirty="0"/>
-              <a:t>Collective layer</a:t>
-            </a:r>
-            <a:endParaRPr lang="en-US" sz="2400" b="1" dirty="0">
-              <a:cs typeface="Calibri"/>
-            </a:endParaRPr>
-          </a:p>
-          <a:p>
-            <a:pPr marL="0" indent="0">
-              <a:buNone/>
-            </a:pPr>
-            <a:r>
-              <a:rPr lang="en-US" sz="2400" dirty="0"/>
-              <a:t>       Supports group communication like broadcast and reduce</a:t>
-            </a:r>
-            <a:endParaRPr lang="en-US" sz="2400" dirty="0">
-              <a:cs typeface="Calibri"/>
-            </a:endParaRPr>
+            <a:r>
+              <a:rPr lang="en-US" sz="3200" dirty="0"/>
+              <a:t>Point to point message passing </a:t>
+            </a:r>
+          </a:p>
+          <a:p>
+            <a:r>
+              <a:rPr lang="en-US" sz="3200" dirty="0"/>
+              <a:t>Responsible for send() , receive() and OS independent controls</a:t>
+            </a:r>
+          </a:p>
+          <a:p>
+            <a:r>
+              <a:rPr lang="en-US" sz="3200" dirty="0"/>
+              <a:t>Uses bi-directional </a:t>
+            </a:r>
+            <a:r>
+              <a:rPr lang="en-US" sz="3200" dirty="0" err="1"/>
+              <a:t>queuepair</a:t>
+            </a:r>
+            <a:r>
+              <a:rPr lang="en-US" sz="3200" dirty="0"/>
+              <a:t> for message passing.</a:t>
+            </a:r>
           </a:p>
         </p:txBody>
       </p:sp>
@@ -14682,7 +15928,7 @@
     </p:spTree>
     <p:extLst>
       <p:ext uri="{BB962C8B-B14F-4D97-AF65-F5344CB8AC3E}">
-        <p14:creationId xmlns:p14="http://schemas.microsoft.com/office/powerpoint/2010/main" val="558741524"/>
+        <p14:creationId xmlns:p14="http://schemas.microsoft.com/office/powerpoint/2010/main" val="2404648924"/>
       </p:ext>
     </p:extLst>
   </p:cSld>
@@ -14692,441 +15938,7 @@
 </p:sld>
 </file>
 
-<file path=ppt/slides/slide2.xml><?xml version="1.0" encoding="utf-8"?>
-<p:sld xmlns:a="http://schemas.openxmlformats.org/drawingml/2006/main" xmlns:r="http://schemas.openxmlformats.org/officeDocument/2006/relationships" xmlns:p="http://schemas.openxmlformats.org/presentationml/2006/main">
-  <p:cSld>
-    <p:bg>
-      <p:bgPr>
-        <a:solidFill>
-          <a:schemeClr val="bg1"/>
-        </a:solidFill>
-        <a:effectLst/>
-      </p:bgPr>
-    </p:bg>
-    <p:spTree>
-      <p:nvGrpSpPr>
-        <p:cNvPr id="1" name=""/>
-        <p:cNvGrpSpPr/>
-        <p:nvPr/>
-      </p:nvGrpSpPr>
-      <p:grpSpPr>
-        <a:xfrm>
-          <a:off x="0" y="0"/>
-          <a:ext cx="0" cy="0"/>
-          <a:chOff x="0" y="0"/>
-          <a:chExt cx="0" cy="0"/>
-        </a:xfrm>
-      </p:grpSpPr>
-      <p:sp useBgFill="1">
-        <p:nvSpPr>
-          <p:cNvPr id="25" name="Rectangle 24">
-            <a:extLst>
-              <a:ext uri="{FF2B5EF4-FFF2-40B4-BE49-F238E27FC236}">
-                <a16:creationId xmlns:a16="http://schemas.microsoft.com/office/drawing/2014/main" id="{DBF61EA3-B236-439E-9C0B-340980D56BEE}"/>
-              </a:ext>
-              <a:ext uri="{C183D7F6-B498-43B3-948B-1728B52AA6E4}">
-                <adec:decorative xmlns:adec="http://schemas.microsoft.com/office/drawing/2017/decorative" val="1"/>
-              </a:ext>
-            </a:extLst>
-          </p:cNvPr>
-          <p:cNvSpPr>
-            <a:spLocks noGrp="1" noRot="1" noChangeAspect="1" noMove="1" noResize="1" noEditPoints="1" noAdjustHandles="1" noChangeArrowheads="1" noChangeShapeType="1" noTextEdit="1"/>
-          </p:cNvSpPr>
-          <p:nvPr>
-            <p:extLst>
-              <p:ext uri="{386F3935-93C4-4BCD-93E2-E3B085C9AB24}">
-                <p16:designElem xmlns:p16="http://schemas.microsoft.com/office/powerpoint/2015/main" val="1"/>
-              </p:ext>
-            </p:extLst>
-          </p:nvPr>
-        </p:nvSpPr>
-        <p:spPr>
-          <a:xfrm>
-            <a:off x="0" y="0"/>
-            <a:ext cx="12191999" cy="6857365"/>
-          </a:xfrm>
-          <a:prstGeom prst="rect">
-            <a:avLst/>
-          </a:prstGeom>
-          <a:ln>
-            <a:noFill/>
-          </a:ln>
-        </p:spPr>
-        <p:style>
-          <a:lnRef idx="2">
-            <a:schemeClr val="accent1">
-              <a:shade val="50000"/>
-            </a:schemeClr>
-          </a:lnRef>
-          <a:fillRef idx="1">
-            <a:schemeClr val="accent1"/>
-          </a:fillRef>
-          <a:effectRef idx="0">
-            <a:schemeClr val="accent1"/>
-          </a:effectRef>
-          <a:fontRef idx="minor">
-            <a:schemeClr val="lt1"/>
-          </a:fontRef>
-        </p:style>
-        <p:txBody>
-          <a:bodyPr rtlCol="0" anchor="ctr"/>
-          <a:lstStyle/>
-          <a:p>
-            <a:pPr algn="ctr"/>
-            <a:endParaRPr lang="en-US"/>
-          </a:p>
-        </p:txBody>
-      </p:sp>
-      <p:sp>
-        <p:nvSpPr>
-          <p:cNvPr id="2" name="Title 1">
-            <a:extLst>
-              <a:ext uri="{FF2B5EF4-FFF2-40B4-BE49-F238E27FC236}">
-                <a16:creationId xmlns:a16="http://schemas.microsoft.com/office/drawing/2014/main" id="{E6D58C53-6CAD-1D6D-FFC6-99629936415A}"/>
-              </a:ext>
-            </a:extLst>
-          </p:cNvPr>
-          <p:cNvSpPr>
-            <a:spLocks noGrp="1"/>
-          </p:cNvSpPr>
-          <p:nvPr>
-            <p:ph type="ctrTitle"/>
-          </p:nvPr>
-        </p:nvSpPr>
-        <p:spPr>
-          <a:xfrm>
-            <a:off x="808638" y="386930"/>
-            <a:ext cx="9236700" cy="1188950"/>
-          </a:xfrm>
-        </p:spPr>
-        <p:txBody>
-          <a:bodyPr vert="horz" lIns="91440" tIns="45720" rIns="91440" bIns="45720" rtlCol="0" anchor="b">
-            <a:normAutofit/>
-          </a:bodyPr>
-          <a:lstStyle/>
-          <a:p>
-            <a:pPr algn="l"/>
-            <a:r>
-              <a:rPr lang="en-US" sz="5400" kern="1200">
-                <a:solidFill>
-                  <a:schemeClr val="tx1"/>
-                </a:solidFill>
-                <a:latin typeface="+mj-lt"/>
-                <a:ea typeface="+mj-ea"/>
-                <a:cs typeface="+mj-cs"/>
-              </a:rPr>
-              <a:t>Problems addressed</a:t>
-            </a:r>
-          </a:p>
-        </p:txBody>
-      </p:sp>
-      <p:grpSp>
-        <p:nvGrpSpPr>
-          <p:cNvPr id="27" name="Group 26">
-            <a:extLst>
-              <a:ext uri="{FF2B5EF4-FFF2-40B4-BE49-F238E27FC236}">
-                <a16:creationId xmlns:a16="http://schemas.microsoft.com/office/drawing/2014/main" id="{28FAF094-D087-493F-8DF9-A486C2D6BBAA}"/>
-              </a:ext>
-              <a:ext uri="{C183D7F6-B498-43B3-948B-1728B52AA6E4}">
-                <adec:decorative xmlns:adec="http://schemas.microsoft.com/office/drawing/2017/decorative" val="1"/>
-              </a:ext>
-            </a:extLst>
-          </p:cNvPr>
-          <p:cNvGrpSpPr>
-            <a:grpSpLocks noGrp="1" noUngrp="1" noRot="1" noChangeAspect="1" noMove="1" noResize="1"/>
-          </p:cNvGrpSpPr>
-          <p:nvPr>
-            <p:extLst>
-              <p:ext uri="{386F3935-93C4-4BCD-93E2-E3B085C9AB24}">
-                <p16:designElem xmlns:p16="http://schemas.microsoft.com/office/powerpoint/2015/main" val="1"/>
-              </p:ext>
-            </p:extLst>
-          </p:nvPr>
-        </p:nvGrpSpPr>
-        <p:grpSpPr>
-          <a:xfrm>
-            <a:off x="-2" y="1998368"/>
-            <a:ext cx="11695083" cy="782176"/>
-            <a:chOff x="-2" y="1998368"/>
-            <a:chExt cx="11695083" cy="782176"/>
-          </a:xfrm>
-        </p:grpSpPr>
-        <p:sp>
-          <p:nvSpPr>
-            <p:cNvPr id="28" name="Rectangle 27">
-              <a:extLst>
-                <a:ext uri="{FF2B5EF4-FFF2-40B4-BE49-F238E27FC236}">
-                  <a16:creationId xmlns:a16="http://schemas.microsoft.com/office/drawing/2014/main" id="{8D7C88D8-5509-4514-925A-9CE148E5CBD6}"/>
-                </a:ext>
-                <a:ext uri="{C183D7F6-B498-43B3-948B-1728B52AA6E4}">
-                  <adec:decorative xmlns:adec="http://schemas.microsoft.com/office/drawing/2017/decorative" val="1"/>
-                </a:ext>
-              </a:extLst>
-            </p:cNvPr>
-            <p:cNvSpPr/>
-            <p:nvPr>
-              <p:extLst>
-                <p:ext uri="{386F3935-93C4-4BCD-93E2-E3B085C9AB24}">
-                  <p16:designElem xmlns:p16="http://schemas.microsoft.com/office/powerpoint/2015/main" val="1"/>
-                </p:ext>
-              </p:extLst>
-            </p:nvPr>
-          </p:nvSpPr>
-          <p:spPr>
-            <a:xfrm rot="5400000">
-              <a:off x="11228040" y="2313027"/>
-              <a:ext cx="781700" cy="152382"/>
-            </a:xfrm>
-            <a:prstGeom prst="rect">
-              <a:avLst/>
-            </a:prstGeom>
-            <a:solidFill>
-              <a:schemeClr val="accent4"/>
-            </a:solidFill>
-            <a:ln>
-              <a:noFill/>
-            </a:ln>
-          </p:spPr>
-          <p:style>
-            <a:lnRef idx="2">
-              <a:schemeClr val="accent1">
-                <a:shade val="50000"/>
-              </a:schemeClr>
-            </a:lnRef>
-            <a:fillRef idx="1">
-              <a:schemeClr val="accent1"/>
-            </a:fillRef>
-            <a:effectRef idx="0">
-              <a:schemeClr val="accent1"/>
-            </a:effectRef>
-            <a:fontRef idx="minor">
-              <a:schemeClr val="lt1"/>
-            </a:fontRef>
-          </p:style>
-          <p:txBody>
-            <a:bodyPr rtlCol="0" anchor="ctr"/>
-            <a:lstStyle/>
-            <a:p>
-              <a:pPr algn="ctr"/>
-              <a:endParaRPr lang="en-US"/>
-            </a:p>
-          </p:txBody>
-        </p:sp>
-        <p:sp>
-          <p:nvSpPr>
-            <p:cNvPr id="29" name="Rectangle 28">
-              <a:extLst>
-                <a:ext uri="{FF2B5EF4-FFF2-40B4-BE49-F238E27FC236}">
-                  <a16:creationId xmlns:a16="http://schemas.microsoft.com/office/drawing/2014/main" id="{7275593D-F75E-4426-AE3E-2CDEFD228D25}"/>
-                </a:ext>
-                <a:ext uri="{C183D7F6-B498-43B3-948B-1728B52AA6E4}">
-                  <adec:decorative xmlns:adec="http://schemas.microsoft.com/office/drawing/2017/decorative" val="1"/>
-                </a:ext>
-              </a:extLst>
-            </p:cNvPr>
-            <p:cNvSpPr/>
-            <p:nvPr>
-              <p:extLst>
-                <p:ext uri="{386F3935-93C4-4BCD-93E2-E3B085C9AB24}">
-                  <p16:designElem xmlns:p16="http://schemas.microsoft.com/office/powerpoint/2015/main" val="1"/>
-                </p:ext>
-              </p:extLst>
-            </p:nvPr>
-          </p:nvSpPr>
-          <p:spPr>
-            <a:xfrm flipH="1" flipV="1">
-              <a:off x="-2" y="1998845"/>
-              <a:ext cx="11454595" cy="781699"/>
-            </a:xfrm>
-            <a:prstGeom prst="rect">
-              <a:avLst/>
-            </a:prstGeom>
-            <a:solidFill>
-              <a:schemeClr val="accent4"/>
-            </a:solidFill>
-            <a:ln>
-              <a:noFill/>
-            </a:ln>
-          </p:spPr>
-          <p:style>
-            <a:lnRef idx="2">
-              <a:schemeClr val="accent1">
-                <a:shade val="50000"/>
-              </a:schemeClr>
-            </a:lnRef>
-            <a:fillRef idx="1">
-              <a:schemeClr val="accent1"/>
-            </a:fillRef>
-            <a:effectRef idx="0">
-              <a:schemeClr val="accent1"/>
-            </a:effectRef>
-            <a:fontRef idx="minor">
-              <a:schemeClr val="lt1"/>
-            </a:fontRef>
-          </p:style>
-          <p:txBody>
-            <a:bodyPr rtlCol="0" anchor="ctr"/>
-            <a:lstStyle/>
-            <a:p>
-              <a:pPr algn="ctr"/>
-              <a:endParaRPr lang="en-US"/>
-            </a:p>
-          </p:txBody>
-        </p:sp>
-      </p:grpSp>
-      <p:sp>
-        <p:nvSpPr>
-          <p:cNvPr id="31" name="Rectangle 30">
-            <a:extLst>
-              <a:ext uri="{FF2B5EF4-FFF2-40B4-BE49-F238E27FC236}">
-                <a16:creationId xmlns:a16="http://schemas.microsoft.com/office/drawing/2014/main" id="{E659831F-0D9A-4C63-9EBB-8435B85A440F}"/>
-              </a:ext>
-              <a:ext uri="{C183D7F6-B498-43B3-948B-1728B52AA6E4}">
-                <adec:decorative xmlns:adec="http://schemas.microsoft.com/office/drawing/2017/decorative" val="1"/>
-              </a:ext>
-            </a:extLst>
-          </p:cNvPr>
-          <p:cNvSpPr>
-            <a:spLocks noGrp="1" noRot="1" noChangeAspect="1" noMove="1" noResize="1" noEditPoints="1" noAdjustHandles="1" noChangeArrowheads="1" noChangeShapeType="1" noTextEdit="1"/>
-          </p:cNvSpPr>
-          <p:nvPr>
-            <p:extLst>
-              <p:ext uri="{386F3935-93C4-4BCD-93E2-E3B085C9AB24}">
-                <p16:designElem xmlns:p16="http://schemas.microsoft.com/office/powerpoint/2015/main" val="1"/>
-              </p:ext>
-            </p:extLst>
-          </p:nvPr>
-        </p:nvSpPr>
-        <p:spPr>
-          <a:xfrm>
-            <a:off x="0" y="2203079"/>
-            <a:ext cx="11383362" cy="4147845"/>
-          </a:xfrm>
-          <a:prstGeom prst="rect">
-            <a:avLst/>
-          </a:prstGeom>
-          <a:solidFill>
-            <a:schemeClr val="bg1"/>
-          </a:solidFill>
-          <a:ln>
-            <a:noFill/>
-          </a:ln>
-          <a:effectLst>
-            <a:outerShdw blurRad="139700" dist="127000" dir="5400000" algn="t" rotWithShape="0">
-              <a:prstClr val="black">
-                <a:alpha val="15000"/>
-              </a:prstClr>
-            </a:outerShdw>
-          </a:effectLst>
-        </p:spPr>
-        <p:style>
-          <a:lnRef idx="2">
-            <a:schemeClr val="accent1">
-              <a:shade val="50000"/>
-            </a:schemeClr>
-          </a:lnRef>
-          <a:fillRef idx="1">
-            <a:schemeClr val="accent1"/>
-          </a:fillRef>
-          <a:effectRef idx="0">
-            <a:schemeClr val="accent1"/>
-          </a:effectRef>
-          <a:fontRef idx="minor">
-            <a:schemeClr val="lt1"/>
-          </a:fontRef>
-        </p:style>
-        <p:txBody>
-          <a:bodyPr rtlCol="0" anchor="ctr"/>
-          <a:lstStyle/>
-          <a:p>
-            <a:pPr algn="ctr"/>
-            <a:endParaRPr lang="en-US"/>
-          </a:p>
-        </p:txBody>
-      </p:sp>
-      <p:sp>
-        <p:nvSpPr>
-          <p:cNvPr id="3" name="Subtitle 2">
-            <a:extLst>
-              <a:ext uri="{FF2B5EF4-FFF2-40B4-BE49-F238E27FC236}">
-                <a16:creationId xmlns:a16="http://schemas.microsoft.com/office/drawing/2014/main" id="{453D6033-1054-8DA3-0D0A-F69D79C34A5C}"/>
-              </a:ext>
-            </a:extLst>
-          </p:cNvPr>
-          <p:cNvSpPr>
-            <a:spLocks noGrp="1"/>
-          </p:cNvSpPr>
-          <p:nvPr>
-            <p:ph type="subTitle" idx="1"/>
-          </p:nvPr>
-        </p:nvSpPr>
-        <p:spPr>
-          <a:xfrm>
-            <a:off x="793660" y="2599509"/>
-            <a:ext cx="10143668" cy="3435531"/>
-          </a:xfrm>
-        </p:spPr>
-        <p:txBody>
-          <a:bodyPr vert="horz" lIns="91440" tIns="45720" rIns="91440" bIns="45720" rtlCol="0" anchor="ctr">
-            <a:normAutofit/>
-          </a:bodyPr>
-          <a:lstStyle/>
-          <a:p>
-            <a:pPr marL="342900" indent="-228600" algn="l">
-              <a:buFont typeface="Arial" panose="020B0604020202020204" pitchFamily="34" charset="0"/>
-              <a:buChar char="•"/>
-            </a:pPr>
-            <a:r>
-              <a:rPr lang="en-US" dirty="0"/>
-              <a:t>This paper addressed the problem of efficiently communicating between cores on modem multi-cores machines.</a:t>
-            </a:r>
-          </a:p>
-          <a:p>
-            <a:pPr marL="342900" indent="-228600" algn="l">
-              <a:buFont typeface="Arial" panose="020B0604020202020204" pitchFamily="34" charset="0"/>
-              <a:buChar char="•"/>
-            </a:pPr>
-            <a:r>
-              <a:rPr lang="en-US" dirty="0"/>
-              <a:t>The performance of parallel programs on multicore machines are mostly hardware dependent.</a:t>
-            </a:r>
-          </a:p>
-          <a:p>
-            <a:pPr marL="342900" indent="-228600" algn="l">
-              <a:buFont typeface="Arial" panose="020B0604020202020204" pitchFamily="34" charset="0"/>
-              <a:buChar char="•"/>
-            </a:pPr>
-            <a:r>
-              <a:rPr lang="en-US" dirty="0"/>
-              <a:t>Important to address because parallel programming with message-passing used widely.</a:t>
-            </a:r>
-          </a:p>
-          <a:p>
-            <a:pPr marL="342900" indent="-228600" algn="l">
-              <a:buFont typeface="Arial" panose="020B0604020202020204" pitchFamily="34" charset="0"/>
-              <a:buChar char="•"/>
-            </a:pPr>
-            <a:r>
-              <a:rPr lang="en-US" dirty="0"/>
-              <a:t>Different machines show radically different optimal layouts.</a:t>
-            </a:r>
-          </a:p>
-        </p:txBody>
-      </p:sp>
-    </p:spTree>
-    <p:extLst>
-      <p:ext uri="{BB962C8B-B14F-4D97-AF65-F5344CB8AC3E}">
-        <p14:creationId xmlns:p14="http://schemas.microsoft.com/office/powerpoint/2010/main" val="1938892313"/>
-      </p:ext>
-    </p:extLst>
-  </p:cSld>
-  <p:clrMapOvr>
-    <a:masterClrMapping/>
-  </p:clrMapOvr>
-</p:sld>
-</file>
-
-<file path=ppt/slides/slide20.xml><?xml version="1.0" encoding="utf-8"?>
+<file path=ppt/slides/slide22.xml><?xml version="1.0" encoding="utf-8"?>
 <p:sld xmlns:a="http://schemas.openxmlformats.org/drawingml/2006/main" xmlns:r="http://schemas.openxmlformats.org/officeDocument/2006/relationships" xmlns:p="http://schemas.openxmlformats.org/presentationml/2006/main">
   <p:cSld>
     <p:bg>
@@ -15498,528 +16310,6 @@
           <p:cNvPr id="2" name="Title 1">
             <a:extLst>
               <a:ext uri="{FF2B5EF4-FFF2-40B4-BE49-F238E27FC236}">
-                <a16:creationId xmlns:a16="http://schemas.microsoft.com/office/drawing/2014/main" id="{D6B02604-4FD1-FFB1-FB6F-DC580E0463C0}"/>
-              </a:ext>
-            </a:extLst>
-          </p:cNvPr>
-          <p:cNvSpPr>
-            <a:spLocks noGrp="1"/>
-          </p:cNvSpPr>
-          <p:nvPr>
-            <p:ph type="title"/>
-          </p:nvPr>
-        </p:nvSpPr>
-        <p:spPr>
-          <a:xfrm>
-            <a:off x="1043631" y="809898"/>
-            <a:ext cx="9942716" cy="1554480"/>
-          </a:xfrm>
-        </p:spPr>
-        <p:txBody>
-          <a:bodyPr anchor="ctr">
-            <a:normAutofit/>
-          </a:bodyPr>
-          <a:lstStyle/>
-          <a:p>
-            <a:r>
-              <a:rPr lang="en-US" sz="4800"/>
-              <a:t>Transport layer</a:t>
-            </a:r>
-          </a:p>
-        </p:txBody>
-      </p:sp>
-      <p:sp>
-        <p:nvSpPr>
-          <p:cNvPr id="3" name="Content Placeholder 2">
-            <a:extLst>
-              <a:ext uri="{FF2B5EF4-FFF2-40B4-BE49-F238E27FC236}">
-                <a16:creationId xmlns:a16="http://schemas.microsoft.com/office/drawing/2014/main" id="{7EC2AE42-33F0-B06F-4331-28ED0A4DE670}"/>
-              </a:ext>
-            </a:extLst>
-          </p:cNvPr>
-          <p:cNvSpPr>
-            <a:spLocks noGrp="1"/>
-          </p:cNvSpPr>
-          <p:nvPr>
-            <p:ph idx="1"/>
-          </p:nvPr>
-        </p:nvSpPr>
-        <p:spPr>
-          <a:xfrm>
-            <a:off x="1045028" y="3017522"/>
-            <a:ext cx="9941319" cy="3124658"/>
-          </a:xfrm>
-        </p:spPr>
-        <p:txBody>
-          <a:bodyPr anchor="ctr">
-            <a:normAutofit/>
-          </a:bodyPr>
-          <a:lstStyle/>
-          <a:p>
-            <a:r>
-              <a:rPr lang="en-US" sz="3200" dirty="0"/>
-              <a:t>Point to point message passing </a:t>
-            </a:r>
-          </a:p>
-          <a:p>
-            <a:r>
-              <a:rPr lang="en-US" sz="3200" dirty="0"/>
-              <a:t>Responsible for send() , receive() and OS independent controls</a:t>
-            </a:r>
-          </a:p>
-          <a:p>
-            <a:r>
-              <a:rPr lang="en-US" sz="3200" dirty="0"/>
-              <a:t>Uses bi-directional </a:t>
-            </a:r>
-            <a:r>
-              <a:rPr lang="en-US" sz="3200" dirty="0" err="1"/>
-              <a:t>queuepair</a:t>
-            </a:r>
-            <a:r>
-              <a:rPr lang="en-US" sz="3200" dirty="0"/>
-              <a:t> for message passing.</a:t>
-            </a:r>
-          </a:p>
-        </p:txBody>
-      </p:sp>
-      <p:cxnSp>
-        <p:nvCxnSpPr>
-          <p:cNvPr id="17" name="Straight Connector 16">
-            <a:extLst>
-              <a:ext uri="{FF2B5EF4-FFF2-40B4-BE49-F238E27FC236}">
-                <a16:creationId xmlns:a16="http://schemas.microsoft.com/office/drawing/2014/main" id="{6CF1BAF6-AD41-4082-B212-8A1F9A2E8779}"/>
-              </a:ext>
-              <a:ext uri="{C183D7F6-B498-43B3-948B-1728B52AA6E4}">
-                <adec:decorative xmlns:adec="http://schemas.microsoft.com/office/drawing/2017/decorative" val="1"/>
-              </a:ext>
-            </a:extLst>
-          </p:cNvPr>
-          <p:cNvCxnSpPr>
-            <a:cxnSpLocks noGrp="1" noRot="1" noChangeAspect="1" noMove="1" noResize="1" noEditPoints="1" noAdjustHandles="1" noChangeArrowheads="1" noChangeShapeType="1"/>
-          </p:cNvCxnSpPr>
-          <p:nvPr>
-            <p:extLst>
-              <p:ext uri="{386F3935-93C4-4BCD-93E2-E3B085C9AB24}">
-                <p16:designElem xmlns:p16="http://schemas.microsoft.com/office/powerpoint/2015/main" val="1"/>
-              </p:ext>
-            </p:extLst>
-          </p:nvPr>
-        </p:nvCxnSpPr>
-        <p:spPr>
-          <a:xfrm flipH="1">
-            <a:off x="838200" y="6485313"/>
-            <a:ext cx="10515600" cy="0"/>
-          </a:xfrm>
-          <a:prstGeom prst="line">
-            <a:avLst/>
-          </a:prstGeom>
-          <a:ln w="57150">
-            <a:solidFill>
-              <a:schemeClr val="accent4"/>
-            </a:solidFill>
-          </a:ln>
-        </p:spPr>
-        <p:style>
-          <a:lnRef idx="1">
-            <a:schemeClr val="accent1"/>
-          </a:lnRef>
-          <a:fillRef idx="0">
-            <a:schemeClr val="accent1"/>
-          </a:fillRef>
-          <a:effectRef idx="0">
-            <a:schemeClr val="accent1"/>
-          </a:effectRef>
-          <a:fontRef idx="minor">
-            <a:schemeClr val="tx1"/>
-          </a:fontRef>
-        </p:style>
-      </p:cxnSp>
-    </p:spTree>
-    <p:extLst>
-      <p:ext uri="{BB962C8B-B14F-4D97-AF65-F5344CB8AC3E}">
-        <p14:creationId xmlns:p14="http://schemas.microsoft.com/office/powerpoint/2010/main" val="2404648924"/>
-      </p:ext>
-    </p:extLst>
-  </p:cSld>
-  <p:clrMapOvr>
-    <a:masterClrMapping/>
-  </p:clrMapOvr>
-</p:sld>
-</file>
-
-<file path=ppt/slides/slide21.xml><?xml version="1.0" encoding="utf-8"?>
-<p:sld xmlns:a="http://schemas.openxmlformats.org/drawingml/2006/main" xmlns:r="http://schemas.openxmlformats.org/officeDocument/2006/relationships" xmlns:p="http://schemas.openxmlformats.org/presentationml/2006/main">
-  <p:cSld>
-    <p:bg>
-      <p:bgPr>
-        <a:solidFill>
-          <a:schemeClr val="bg1"/>
-        </a:solidFill>
-        <a:effectLst/>
-      </p:bgPr>
-    </p:bg>
-    <p:spTree>
-      <p:nvGrpSpPr>
-        <p:cNvPr id="1" name=""/>
-        <p:cNvGrpSpPr/>
-        <p:nvPr/>
-      </p:nvGrpSpPr>
-      <p:grpSpPr>
-        <a:xfrm>
-          <a:off x="0" y="0"/>
-          <a:ext cx="0" cy="0"/>
-          <a:chOff x="0" y="0"/>
-          <a:chExt cx="0" cy="0"/>
-        </a:xfrm>
-      </p:grpSpPr>
-      <p:sp useBgFill="1">
-        <p:nvSpPr>
-          <p:cNvPr id="8" name="Rectangle 7">
-            <a:extLst>
-              <a:ext uri="{FF2B5EF4-FFF2-40B4-BE49-F238E27FC236}">
-                <a16:creationId xmlns:a16="http://schemas.microsoft.com/office/drawing/2014/main" id="{B6CDA21F-E7AF-4C75-8395-33F58D5B0E45}"/>
-              </a:ext>
-              <a:ext uri="{C183D7F6-B498-43B3-948B-1728B52AA6E4}">
-                <adec:decorative xmlns:adec="http://schemas.microsoft.com/office/drawing/2017/decorative" val="1"/>
-              </a:ext>
-            </a:extLst>
-          </p:cNvPr>
-          <p:cNvSpPr>
-            <a:spLocks noGrp="1" noRot="1" noChangeAspect="1" noMove="1" noResize="1" noEditPoints="1" noAdjustHandles="1" noChangeArrowheads="1" noChangeShapeType="1" noTextEdit="1"/>
-          </p:cNvSpPr>
-          <p:nvPr>
-            <p:extLst>
-              <p:ext uri="{386F3935-93C4-4BCD-93E2-E3B085C9AB24}">
-                <p16:designElem xmlns:p16="http://schemas.microsoft.com/office/powerpoint/2015/main" val="1"/>
-              </p:ext>
-            </p:extLst>
-          </p:nvPr>
-        </p:nvSpPr>
-        <p:spPr>
-          <a:xfrm>
-            <a:off x="0" y="0"/>
-            <a:ext cx="12191999" cy="6857365"/>
-          </a:xfrm>
-          <a:prstGeom prst="rect">
-            <a:avLst/>
-          </a:prstGeom>
-          <a:ln>
-            <a:noFill/>
-          </a:ln>
-        </p:spPr>
-        <p:style>
-          <a:lnRef idx="2">
-            <a:schemeClr val="accent1">
-              <a:shade val="50000"/>
-            </a:schemeClr>
-          </a:lnRef>
-          <a:fillRef idx="1">
-            <a:schemeClr val="accent1"/>
-          </a:fillRef>
-          <a:effectRef idx="0">
-            <a:schemeClr val="accent1"/>
-          </a:effectRef>
-          <a:fontRef idx="minor">
-            <a:schemeClr val="lt1"/>
-          </a:fontRef>
-        </p:style>
-        <p:txBody>
-          <a:bodyPr rtlCol="0" anchor="ctr"/>
-          <a:lstStyle/>
-          <a:p>
-            <a:pPr algn="ctr"/>
-            <a:endParaRPr lang="en-US"/>
-          </a:p>
-        </p:txBody>
-      </p:sp>
-      <p:grpSp>
-        <p:nvGrpSpPr>
-          <p:cNvPr id="10" name="Group 9">
-            <a:extLst>
-              <a:ext uri="{FF2B5EF4-FFF2-40B4-BE49-F238E27FC236}">
-                <a16:creationId xmlns:a16="http://schemas.microsoft.com/office/drawing/2014/main" id="{AE1C45F0-260A-458C-96ED-C1F6D2151219}"/>
-              </a:ext>
-              <a:ext uri="{C183D7F6-B498-43B3-948B-1728B52AA6E4}">
-                <adec:decorative xmlns:adec="http://schemas.microsoft.com/office/drawing/2017/decorative" val="1"/>
-              </a:ext>
-            </a:extLst>
-          </p:cNvPr>
-          <p:cNvGrpSpPr>
-            <a:grpSpLocks noGrp="1" noUngrp="1" noRot="1" noChangeAspect="1" noMove="1" noResize="1"/>
-          </p:cNvGrpSpPr>
-          <p:nvPr>
-            <p:extLst>
-              <p:ext uri="{386F3935-93C4-4BCD-93E2-E3B085C9AB24}">
-                <p16:designElem xmlns:p16="http://schemas.microsoft.com/office/powerpoint/2015/main" val="1"/>
-              </p:ext>
-            </p:extLst>
-          </p:nvPr>
-        </p:nvGrpSpPr>
-        <p:grpSpPr>
-          <a:xfrm>
-            <a:off x="4" y="1216597"/>
-            <a:ext cx="731521" cy="673460"/>
-            <a:chOff x="3940602" y="308034"/>
-            <a:chExt cx="2116791" cy="3428999"/>
-          </a:xfrm>
-          <a:solidFill>
-            <a:schemeClr val="accent4"/>
-          </a:solidFill>
-        </p:grpSpPr>
-        <p:sp>
-          <p:nvSpPr>
-            <p:cNvPr id="11" name="Rectangle 10">
-              <a:extLst>
-                <a:ext uri="{FF2B5EF4-FFF2-40B4-BE49-F238E27FC236}">
-                  <a16:creationId xmlns:a16="http://schemas.microsoft.com/office/drawing/2014/main" id="{A6604B49-AD5C-4590-B051-06C8222ECD99}"/>
-                </a:ext>
-                <a:ext uri="{C183D7F6-B498-43B3-948B-1728B52AA6E4}">
-                  <adec:decorative xmlns:adec="http://schemas.microsoft.com/office/drawing/2017/decorative" val="1"/>
-                </a:ext>
-              </a:extLst>
-            </p:cNvPr>
-            <p:cNvSpPr/>
-            <p:nvPr>
-              <p:extLst>
-                <p:ext uri="{386F3935-93C4-4BCD-93E2-E3B085C9AB24}">
-                  <p16:designElem xmlns:p16="http://schemas.microsoft.com/office/powerpoint/2015/main" val="1"/>
-                </p:ext>
-              </p:extLst>
-            </p:nvPr>
-          </p:nvSpPr>
-          <p:spPr>
-            <a:xfrm>
-              <a:off x="3940602" y="308034"/>
-              <a:ext cx="566743" cy="3428999"/>
-            </a:xfrm>
-            <a:prstGeom prst="rect">
-              <a:avLst/>
-            </a:prstGeom>
-            <a:grpFill/>
-            <a:ln>
-              <a:noFill/>
-            </a:ln>
-          </p:spPr>
-          <p:style>
-            <a:lnRef idx="2">
-              <a:schemeClr val="accent1">
-                <a:shade val="50000"/>
-              </a:schemeClr>
-            </a:lnRef>
-            <a:fillRef idx="1">
-              <a:schemeClr val="accent1"/>
-            </a:fillRef>
-            <a:effectRef idx="0">
-              <a:schemeClr val="accent1"/>
-            </a:effectRef>
-            <a:fontRef idx="minor">
-              <a:schemeClr val="lt1"/>
-            </a:fontRef>
-          </p:style>
-          <p:txBody>
-            <a:bodyPr rtlCol="0" anchor="ctr"/>
-            <a:lstStyle/>
-            <a:p>
-              <a:pPr algn="ctr"/>
-              <a:endParaRPr lang="en-US"/>
-            </a:p>
-          </p:txBody>
-        </p:sp>
-        <p:sp>
-          <p:nvSpPr>
-            <p:cNvPr id="12" name="Rectangle 11">
-              <a:extLst>
-                <a:ext uri="{FF2B5EF4-FFF2-40B4-BE49-F238E27FC236}">
-                  <a16:creationId xmlns:a16="http://schemas.microsoft.com/office/drawing/2014/main" id="{743ECCAF-29C5-4537-947C-7EA1292463DB}"/>
-                </a:ext>
-                <a:ext uri="{C183D7F6-B498-43B3-948B-1728B52AA6E4}">
-                  <adec:decorative xmlns:adec="http://schemas.microsoft.com/office/drawing/2017/decorative" val="1"/>
-                </a:ext>
-              </a:extLst>
-            </p:cNvPr>
-            <p:cNvSpPr/>
-            <p:nvPr>
-              <p:extLst>
-                <p:ext uri="{386F3935-93C4-4BCD-93E2-E3B085C9AB24}">
-                  <p16:designElem xmlns:p16="http://schemas.microsoft.com/office/powerpoint/2015/main" val="1"/>
-                </p:ext>
-              </p:extLst>
-            </p:nvPr>
-          </p:nvSpPr>
-          <p:spPr>
-            <a:xfrm>
-              <a:off x="4715626" y="308034"/>
-              <a:ext cx="566743" cy="3428999"/>
-            </a:xfrm>
-            <a:prstGeom prst="rect">
-              <a:avLst/>
-            </a:prstGeom>
-            <a:grpFill/>
-            <a:ln>
-              <a:noFill/>
-            </a:ln>
-          </p:spPr>
-          <p:style>
-            <a:lnRef idx="2">
-              <a:schemeClr val="accent1">
-                <a:shade val="50000"/>
-              </a:schemeClr>
-            </a:lnRef>
-            <a:fillRef idx="1">
-              <a:schemeClr val="accent1"/>
-            </a:fillRef>
-            <a:effectRef idx="0">
-              <a:schemeClr val="accent1"/>
-            </a:effectRef>
-            <a:fontRef idx="minor">
-              <a:schemeClr val="lt1"/>
-            </a:fontRef>
-          </p:style>
-          <p:txBody>
-            <a:bodyPr rtlCol="0" anchor="ctr"/>
-            <a:lstStyle/>
-            <a:p>
-              <a:pPr algn="ctr"/>
-              <a:endParaRPr lang="en-US"/>
-            </a:p>
-          </p:txBody>
-        </p:sp>
-        <p:sp>
-          <p:nvSpPr>
-            <p:cNvPr id="13" name="Rectangle 12">
-              <a:extLst>
-                <a:ext uri="{FF2B5EF4-FFF2-40B4-BE49-F238E27FC236}">
-                  <a16:creationId xmlns:a16="http://schemas.microsoft.com/office/drawing/2014/main" id="{ED49787B-8DE6-4467-AD0A-8DECC6E0C2D6}"/>
-                </a:ext>
-                <a:ext uri="{C183D7F6-B498-43B3-948B-1728B52AA6E4}">
-                  <adec:decorative xmlns:adec="http://schemas.microsoft.com/office/drawing/2017/decorative" val="1"/>
-                </a:ext>
-              </a:extLst>
-            </p:cNvPr>
-            <p:cNvSpPr/>
-            <p:nvPr>
-              <p:extLst>
-                <p:ext uri="{386F3935-93C4-4BCD-93E2-E3B085C9AB24}">
-                  <p16:designElem xmlns:p16="http://schemas.microsoft.com/office/powerpoint/2015/main" val="1"/>
-                </p:ext>
-              </p:extLst>
-            </p:nvPr>
-          </p:nvSpPr>
-          <p:spPr>
-            <a:xfrm>
-              <a:off x="5490650" y="308034"/>
-              <a:ext cx="566743" cy="3428999"/>
-            </a:xfrm>
-            <a:prstGeom prst="rect">
-              <a:avLst/>
-            </a:prstGeom>
-            <a:grpFill/>
-            <a:ln>
-              <a:noFill/>
-            </a:ln>
-          </p:spPr>
-          <p:style>
-            <a:lnRef idx="2">
-              <a:schemeClr val="accent1">
-                <a:shade val="50000"/>
-              </a:schemeClr>
-            </a:lnRef>
-            <a:fillRef idx="1">
-              <a:schemeClr val="accent1"/>
-            </a:fillRef>
-            <a:effectRef idx="0">
-              <a:schemeClr val="accent1"/>
-            </a:effectRef>
-            <a:fontRef idx="minor">
-              <a:schemeClr val="lt1"/>
-            </a:fontRef>
-          </p:style>
-          <p:txBody>
-            <a:bodyPr rtlCol="0" anchor="ctr"/>
-            <a:lstStyle/>
-            <a:p>
-              <a:pPr algn="ctr"/>
-              <a:endParaRPr lang="en-US"/>
-            </a:p>
-          </p:txBody>
-        </p:sp>
-      </p:grpSp>
-      <p:sp>
-        <p:nvSpPr>
-          <p:cNvPr id="15" name="Rectangle 14">
-            <a:extLst>
-              <a:ext uri="{FF2B5EF4-FFF2-40B4-BE49-F238E27FC236}">
-                <a16:creationId xmlns:a16="http://schemas.microsoft.com/office/drawing/2014/main" id="{D5B0017B-2ECA-49AF-B397-DC140825DF8D}"/>
-              </a:ext>
-              <a:ext uri="{C183D7F6-B498-43B3-948B-1728B52AA6E4}">
-                <adec:decorative xmlns:adec="http://schemas.microsoft.com/office/drawing/2017/decorative" val="1"/>
-              </a:ext>
-            </a:extLst>
-          </p:cNvPr>
-          <p:cNvSpPr>
-            <a:spLocks noGrp="1" noRot="1" noChangeAspect="1" noMove="1" noResize="1" noEditPoints="1" noAdjustHandles="1" noChangeArrowheads="1" noChangeShapeType="1" noTextEdit="1"/>
-          </p:cNvSpPr>
-          <p:nvPr>
-            <p:extLst>
-              <p:ext uri="{386F3935-93C4-4BCD-93E2-E3B085C9AB24}">
-                <p16:designElem xmlns:p16="http://schemas.microsoft.com/office/powerpoint/2015/main" val="1"/>
-              </p:ext>
-            </p:extLst>
-          </p:nvPr>
-        </p:nvSpPr>
-        <p:spPr>
-          <a:xfrm>
-            <a:off x="640079" y="613954"/>
-            <a:ext cx="10907487" cy="1894116"/>
-          </a:xfrm>
-          <a:prstGeom prst="rect">
-            <a:avLst/>
-          </a:prstGeom>
-          <a:solidFill>
-            <a:schemeClr val="bg1"/>
-          </a:solidFill>
-          <a:ln>
-            <a:noFill/>
-          </a:ln>
-          <a:effectLst>
-            <a:outerShdw blurRad="139700" dist="127000" dir="5400000" algn="t" rotWithShape="0">
-              <a:prstClr val="black">
-                <a:alpha val="15000"/>
-              </a:prstClr>
-            </a:outerShdw>
-          </a:effectLst>
-        </p:spPr>
-        <p:style>
-          <a:lnRef idx="2">
-            <a:schemeClr val="accent1">
-              <a:shade val="50000"/>
-            </a:schemeClr>
-          </a:lnRef>
-          <a:fillRef idx="1">
-            <a:schemeClr val="accent1"/>
-          </a:fillRef>
-          <a:effectRef idx="0">
-            <a:schemeClr val="accent1"/>
-          </a:effectRef>
-          <a:fontRef idx="minor">
-            <a:schemeClr val="lt1"/>
-          </a:fontRef>
-        </p:style>
-        <p:txBody>
-          <a:bodyPr rtlCol="0" anchor="ctr"/>
-          <a:lstStyle/>
-          <a:p>
-            <a:pPr algn="ctr"/>
-            <a:endParaRPr lang="en-US"/>
-          </a:p>
-        </p:txBody>
-      </p:sp>
-      <p:sp>
-        <p:nvSpPr>
-          <p:cNvPr id="2" name="Title 1">
-            <a:extLst>
-              <a:ext uri="{FF2B5EF4-FFF2-40B4-BE49-F238E27FC236}">
                 <a16:creationId xmlns:a16="http://schemas.microsoft.com/office/drawing/2014/main" id="{BC7E7D27-2363-75EE-04EF-65D143B3644A}"/>
               </a:ext>
             </a:extLst>
@@ -16232,7 +16522,7 @@
 </p:sld>
 </file>
 
-<file path=ppt/slides/slide22.xml><?xml version="1.0" encoding="utf-8"?>
+<file path=ppt/slides/slide23.xml><?xml version="1.0" encoding="utf-8"?>
 <p:sld xmlns:a="http://schemas.openxmlformats.org/drawingml/2006/main" xmlns:r="http://schemas.openxmlformats.org/officeDocument/2006/relationships" xmlns:p="http://schemas.openxmlformats.org/presentationml/2006/main">
   <p:cSld>
     <p:bg>
@@ -16742,7 +17032,7 @@
 </p:sld>
 </file>
 
-<file path=ppt/slides/slide23.xml><?xml version="1.0" encoding="utf-8"?>
+<file path=ppt/slides/slide24.xml><?xml version="1.0" encoding="utf-8"?>
 <p:sld xmlns:a="http://schemas.openxmlformats.org/drawingml/2006/main" xmlns:r="http://schemas.openxmlformats.org/officeDocument/2006/relationships" xmlns:p="http://schemas.openxmlformats.org/presentationml/2006/main">
   <p:cSld>
     <p:bg>
@@ -17253,119 +17543,6 @@
     <p:extLst>
       <p:ext uri="{BB962C8B-B14F-4D97-AF65-F5344CB8AC3E}">
         <p14:creationId xmlns:p14="http://schemas.microsoft.com/office/powerpoint/2010/main" val="1153135977"/>
-      </p:ext>
-    </p:extLst>
-  </p:cSld>
-  <p:clrMapOvr>
-    <a:masterClrMapping/>
-  </p:clrMapOvr>
-</p:sld>
-</file>
-
-<file path=ppt/slides/slide24.xml><?xml version="1.0" encoding="utf-8"?>
-<p:sld xmlns:a="http://schemas.openxmlformats.org/drawingml/2006/main" xmlns:r="http://schemas.openxmlformats.org/officeDocument/2006/relationships" xmlns:p="http://schemas.openxmlformats.org/presentationml/2006/main">
-  <p:cSld>
-    <p:spTree>
-      <p:nvGrpSpPr>
-        <p:cNvPr id="1" name=""/>
-        <p:cNvGrpSpPr/>
-        <p:nvPr/>
-      </p:nvGrpSpPr>
-      <p:grpSpPr>
-        <a:xfrm>
-          <a:off x="0" y="0"/>
-          <a:ext cx="0" cy="0"/>
-          <a:chOff x="0" y="0"/>
-          <a:chExt cx="0" cy="0"/>
-        </a:xfrm>
-      </p:grpSpPr>
-      <p:sp>
-        <p:nvSpPr>
-          <p:cNvPr id="3" name="Content Placeholder 2">
-            <a:extLst>
-              <a:ext uri="{FF2B5EF4-FFF2-40B4-BE49-F238E27FC236}">
-                <a16:creationId xmlns:a16="http://schemas.microsoft.com/office/drawing/2014/main" id="{AD967C2E-D61B-9F04-1BAC-9AF70E58486D}"/>
-              </a:ext>
-            </a:extLst>
-          </p:cNvPr>
-          <p:cNvSpPr>
-            <a:spLocks noGrp="1"/>
-          </p:cNvSpPr>
-          <p:nvPr>
-            <p:ph idx="1"/>
-          </p:nvPr>
-        </p:nvSpPr>
-        <p:spPr>
-          <a:xfrm>
-            <a:off x="838200" y="701832"/>
-            <a:ext cx="10515600" cy="5522933"/>
-          </a:xfrm>
-        </p:spPr>
-        <p:txBody>
-          <a:bodyPr>
-            <a:normAutofit lnSpcReduction="10000"/>
-          </a:bodyPr>
-          <a:lstStyle/>
-          <a:p>
-            <a:pPr marL="0" indent="0">
-              <a:buNone/>
-            </a:pPr>
-            <a:r>
-              <a:rPr lang="en-US" b="1" dirty="0"/>
-              <a:t>Topology:</a:t>
-            </a:r>
-          </a:p>
-          <a:p>
-            <a:r>
-              <a:rPr lang="en-US" dirty="0"/>
-              <a:t>It is the communication structure for collective operation.</a:t>
-            </a:r>
-          </a:p>
-          <a:p>
-            <a:r>
-              <a:rPr lang="en-US" dirty="0"/>
-              <a:t>It defines which participants are part of the communication group(multicast)</a:t>
-            </a:r>
-          </a:p>
-          <a:p>
-            <a:r>
-              <a:rPr lang="en-US" dirty="0"/>
-              <a:t>Each topology has a root node where all broadcasts are initiated and all reductions end.</a:t>
-            </a:r>
-          </a:p>
-          <a:p>
-            <a:pPr marL="0" indent="0">
-              <a:buNone/>
-            </a:pPr>
-            <a:endParaRPr lang="en-US" dirty="0"/>
-          </a:p>
-          <a:p>
-            <a:pPr marL="0" indent="0">
-              <a:buNone/>
-            </a:pPr>
-            <a:r>
-              <a:rPr lang="en-US" b="1" dirty="0"/>
-              <a:t>Contexts</a:t>
-            </a:r>
-          </a:p>
-          <a:p>
-            <a:r>
-              <a:rPr lang="en-US" dirty="0"/>
-              <a:t>The context identifies the location in the tree of the calling thread and defines the operations being executed</a:t>
-            </a:r>
-          </a:p>
-          <a:p>
-            <a:r>
-              <a:rPr lang="en-US" dirty="0"/>
-              <a:t>Smelt takes topology as input and creates the required transport links which are encapsulated in a context.</a:t>
-            </a:r>
-          </a:p>
-        </p:txBody>
-      </p:sp>
-    </p:spTree>
-    <p:extLst>
-      <p:ext uri="{BB962C8B-B14F-4D97-AF65-F5344CB8AC3E}">
-        <p14:creationId xmlns:p14="http://schemas.microsoft.com/office/powerpoint/2010/main" val="3104190062"/>
       </p:ext>
     </p:extLst>
   </p:cSld>
@@ -19790,7 +19967,7 @@
           <p:cNvPr id="2" name="Title 1">
             <a:extLst>
               <a:ext uri="{FF2B5EF4-FFF2-40B4-BE49-F238E27FC236}">
-                <a16:creationId xmlns:a16="http://schemas.microsoft.com/office/drawing/2014/main" id="{959C6CA2-421C-32DC-365A-58A6114CB41E}"/>
+                <a16:creationId xmlns:a16="http://schemas.microsoft.com/office/drawing/2014/main" id="{2A864833-B942-B7F2-EC03-A08C51C54F71}"/>
               </a:ext>
             </a:extLst>
           </p:cNvPr>
@@ -19815,70 +19992,40 @@
           <a:p>
             <a:r>
               <a:rPr lang="en-US" sz="4800"/>
-              <a:t>Observations	</a:t>
+              <a:t>Comparison with best other topologies</a:t>
             </a:r>
           </a:p>
         </p:txBody>
       </p:sp>
-      <p:sp>
-        <p:nvSpPr>
-          <p:cNvPr id="3" name="Content Placeholder 2">
+      <p:pic>
+        <p:nvPicPr>
+          <p:cNvPr id="4" name="Picture 4" descr="Text&#10;&#10;Description automatically generated">
             <a:extLst>
               <a:ext uri="{FF2B5EF4-FFF2-40B4-BE49-F238E27FC236}">
-                <a16:creationId xmlns:a16="http://schemas.microsoft.com/office/drawing/2014/main" id="{1B2422E3-39AC-1162-A622-589671344594}"/>
+                <a16:creationId xmlns:a16="http://schemas.microsoft.com/office/drawing/2014/main" id="{2BF0022C-FD60-70B0-D024-32EFDB09C947}"/>
               </a:ext>
             </a:extLst>
           </p:cNvPr>
-          <p:cNvSpPr>
-            <a:spLocks noGrp="1"/>
-          </p:cNvSpPr>
+          <p:cNvPicPr>
+            <a:picLocks noGrp="1" noChangeAspect="1"/>
+          </p:cNvPicPr>
           <p:nvPr>
             <p:ph idx="1"/>
           </p:nvPr>
-        </p:nvSpPr>
+        </p:nvPicPr>
+        <p:blipFill>
+          <a:blip r:embed="rId2"/>
+          <a:stretch>
+            <a:fillRect/>
+          </a:stretch>
+        </p:blipFill>
         <p:spPr>
           <a:xfrm>
-            <a:off x="1045028" y="3017522"/>
-            <a:ext cx="9941319" cy="3124658"/>
+            <a:off x="2702361" y="2862991"/>
+            <a:ext cx="6621325" cy="3593581"/>
           </a:xfrm>
         </p:spPr>
-        <p:txBody>
-          <a:bodyPr anchor="ctr">
-            <a:normAutofit/>
-          </a:bodyPr>
-          <a:lstStyle/>
-          <a:p>
-            <a:r>
-              <a:rPr lang="en-US" sz="2400" dirty="0"/>
-              <a:t>Best static topology depends upon the machine, No clear winner.</a:t>
-            </a:r>
-          </a:p>
-          <a:p>
-            <a:r>
-              <a:rPr lang="en-US" sz="2400" dirty="0"/>
-              <a:t>Sequential sending results in significant slow down.</a:t>
-            </a:r>
-          </a:p>
-          <a:p>
-            <a:r>
-              <a:rPr lang="en-US" sz="2400" dirty="0"/>
-              <a:t>Hardware oblivious trees suffer from cross-NUMA links.</a:t>
-            </a:r>
-          </a:p>
-          <a:p>
-            <a:r>
-              <a:rPr lang="en-US" sz="2400" dirty="0"/>
-              <a:t>Cluster topology relies on machine’s hierarchy</a:t>
-            </a:r>
-          </a:p>
-          <a:p>
-            <a:r>
-              <a:rPr lang="en-US" sz="2400" dirty="0"/>
-              <a:t>MST does not exploit machine’s parallelism.</a:t>
-            </a:r>
-          </a:p>
-        </p:txBody>
-      </p:sp>
+      </p:pic>
       <p:cxnSp>
         <p:nvCxnSpPr>
           <p:cNvPr id="17" name="Straight Connector 16">
@@ -19934,7 +20081,7 @@
     </p:spTree>
     <p:extLst>
       <p:ext uri="{BB962C8B-B14F-4D97-AF65-F5344CB8AC3E}">
-        <p14:creationId xmlns:p14="http://schemas.microsoft.com/office/powerpoint/2010/main" val="932742329"/>
+        <p14:creationId xmlns:p14="http://schemas.microsoft.com/office/powerpoint/2010/main" val="3285166578"/>
       </p:ext>
     </p:extLst>
   </p:cSld>
@@ -20733,7 +20880,7 @@
           <p:cNvPr id="2" name="Title 1">
             <a:extLst>
               <a:ext uri="{FF2B5EF4-FFF2-40B4-BE49-F238E27FC236}">
-                <a16:creationId xmlns:a16="http://schemas.microsoft.com/office/drawing/2014/main" id="{2A864833-B942-B7F2-EC03-A08C51C54F71}"/>
+                <a16:creationId xmlns:a16="http://schemas.microsoft.com/office/drawing/2014/main" id="{050DDE9D-48C8-E67E-2F9E-BA18B25E84B3}"/>
               </a:ext>
             </a:extLst>
           </p:cNvPr>
@@ -20758,17 +20905,17 @@
           <a:p>
             <a:r>
               <a:rPr lang="en-US" sz="4800"/>
-              <a:t>Comparison with best other topologies</a:t>
+              <a:t>Multicast topologies</a:t>
             </a:r>
           </a:p>
         </p:txBody>
       </p:sp>
       <p:pic>
         <p:nvPicPr>
-          <p:cNvPr id="4" name="Picture 4" descr="Text&#10;&#10;Description automatically generated">
+          <p:cNvPr id="4" name="Picture 4" descr="Chart&#10;&#10;Description automatically generated">
             <a:extLst>
               <a:ext uri="{FF2B5EF4-FFF2-40B4-BE49-F238E27FC236}">
-                <a16:creationId xmlns:a16="http://schemas.microsoft.com/office/drawing/2014/main" id="{2BF0022C-FD60-70B0-D024-32EFDB09C947}"/>
+                <a16:creationId xmlns:a16="http://schemas.microsoft.com/office/drawing/2014/main" id="{87AE5C13-5F3C-C0AE-A712-43B471505806}"/>
               </a:ext>
             </a:extLst>
           </p:cNvPr>
@@ -20787,8 +20934,8 @@
         </p:blipFill>
         <p:spPr>
           <a:xfrm>
-            <a:off x="2702361" y="2862991"/>
-            <a:ext cx="6621325" cy="3593581"/>
+            <a:off x="1564980" y="2777732"/>
+            <a:ext cx="8906743" cy="3444378"/>
           </a:xfrm>
         </p:spPr>
       </p:pic>
@@ -20847,7 +20994,7 @@
     </p:spTree>
     <p:extLst>
       <p:ext uri="{BB962C8B-B14F-4D97-AF65-F5344CB8AC3E}">
-        <p14:creationId xmlns:p14="http://schemas.microsoft.com/office/powerpoint/2010/main" val="3285166578"/>
+        <p14:creationId xmlns:p14="http://schemas.microsoft.com/office/powerpoint/2010/main" val="336090008"/>
       </p:ext>
     </p:extLst>
   </p:cSld>
@@ -21229,1030 +21376,6 @@
           <p:cNvPr id="2" name="Title 1">
             <a:extLst>
               <a:ext uri="{FF2B5EF4-FFF2-40B4-BE49-F238E27FC236}">
-                <a16:creationId xmlns:a16="http://schemas.microsoft.com/office/drawing/2014/main" id="{050DDE9D-48C8-E67E-2F9E-BA18B25E84B3}"/>
-              </a:ext>
-            </a:extLst>
-          </p:cNvPr>
-          <p:cNvSpPr>
-            <a:spLocks noGrp="1"/>
-          </p:cNvSpPr>
-          <p:nvPr>
-            <p:ph type="title"/>
-          </p:nvPr>
-        </p:nvSpPr>
-        <p:spPr>
-          <a:xfrm>
-            <a:off x="1043631" y="809898"/>
-            <a:ext cx="9942716" cy="1554480"/>
-          </a:xfrm>
-        </p:spPr>
-        <p:txBody>
-          <a:bodyPr anchor="ctr">
-            <a:normAutofit/>
-          </a:bodyPr>
-          <a:lstStyle/>
-          <a:p>
-            <a:r>
-              <a:rPr lang="en-US" sz="4800"/>
-              <a:t>Multicast topologies</a:t>
-            </a:r>
-          </a:p>
-        </p:txBody>
-      </p:sp>
-      <p:pic>
-        <p:nvPicPr>
-          <p:cNvPr id="4" name="Picture 4" descr="Chart&#10;&#10;Description automatically generated">
-            <a:extLst>
-              <a:ext uri="{FF2B5EF4-FFF2-40B4-BE49-F238E27FC236}">
-                <a16:creationId xmlns:a16="http://schemas.microsoft.com/office/drawing/2014/main" id="{87AE5C13-5F3C-C0AE-A712-43B471505806}"/>
-              </a:ext>
-            </a:extLst>
-          </p:cNvPr>
-          <p:cNvPicPr>
-            <a:picLocks noGrp="1" noChangeAspect="1"/>
-          </p:cNvPicPr>
-          <p:nvPr>
-            <p:ph idx="1"/>
-          </p:nvPr>
-        </p:nvPicPr>
-        <p:blipFill>
-          <a:blip r:embed="rId2"/>
-          <a:stretch>
-            <a:fillRect/>
-          </a:stretch>
-        </p:blipFill>
-        <p:spPr>
-          <a:xfrm>
-            <a:off x="1564980" y="2777732"/>
-            <a:ext cx="8906743" cy="3444378"/>
-          </a:xfrm>
-        </p:spPr>
-      </p:pic>
-      <p:cxnSp>
-        <p:nvCxnSpPr>
-          <p:cNvPr id="17" name="Straight Connector 16">
-            <a:extLst>
-              <a:ext uri="{FF2B5EF4-FFF2-40B4-BE49-F238E27FC236}">
-                <a16:creationId xmlns:a16="http://schemas.microsoft.com/office/drawing/2014/main" id="{6CF1BAF6-AD41-4082-B212-8A1F9A2E8779}"/>
-              </a:ext>
-              <a:ext uri="{C183D7F6-B498-43B3-948B-1728B52AA6E4}">
-                <adec:decorative xmlns:adec="http://schemas.microsoft.com/office/drawing/2017/decorative" val="1"/>
-              </a:ext>
-            </a:extLst>
-          </p:cNvPr>
-          <p:cNvCxnSpPr>
-            <a:cxnSpLocks noGrp="1" noRot="1" noChangeAspect="1" noMove="1" noResize="1" noEditPoints="1" noAdjustHandles="1" noChangeArrowheads="1" noChangeShapeType="1"/>
-          </p:cNvCxnSpPr>
-          <p:nvPr>
-            <p:extLst>
-              <p:ext uri="{386F3935-93C4-4BCD-93E2-E3B085C9AB24}">
-                <p16:designElem xmlns:p16="http://schemas.microsoft.com/office/powerpoint/2015/main" val="1"/>
-              </p:ext>
-            </p:extLst>
-          </p:nvPr>
-        </p:nvCxnSpPr>
-        <p:spPr>
-          <a:xfrm flipH="1">
-            <a:off x="838200" y="6485313"/>
-            <a:ext cx="10515600" cy="0"/>
-          </a:xfrm>
-          <a:prstGeom prst="line">
-            <a:avLst/>
-          </a:prstGeom>
-          <a:ln w="57150">
-            <a:solidFill>
-              <a:schemeClr val="accent4"/>
-            </a:solidFill>
-          </a:ln>
-        </p:spPr>
-        <p:style>
-          <a:lnRef idx="1">
-            <a:schemeClr val="accent1"/>
-          </a:lnRef>
-          <a:fillRef idx="0">
-            <a:schemeClr val="accent1"/>
-          </a:fillRef>
-          <a:effectRef idx="0">
-            <a:schemeClr val="accent1"/>
-          </a:effectRef>
-          <a:fontRef idx="minor">
-            <a:schemeClr val="tx1"/>
-          </a:fontRef>
-        </p:style>
-      </p:cxnSp>
-    </p:spTree>
-    <p:extLst>
-      <p:ext uri="{BB962C8B-B14F-4D97-AF65-F5344CB8AC3E}">
-        <p14:creationId xmlns:p14="http://schemas.microsoft.com/office/powerpoint/2010/main" val="336090008"/>
-      </p:ext>
-    </p:extLst>
-  </p:cSld>
-  <p:clrMapOvr>
-    <a:masterClrMapping/>
-  </p:clrMapOvr>
-</p:sld>
-</file>
-
-<file path=ppt/slides/slide32.xml><?xml version="1.0" encoding="utf-8"?>
-<p:sld xmlns:a="http://schemas.openxmlformats.org/drawingml/2006/main" xmlns:r="http://schemas.openxmlformats.org/officeDocument/2006/relationships" xmlns:p="http://schemas.openxmlformats.org/presentationml/2006/main">
-  <p:cSld>
-    <p:bg>
-      <p:bgPr>
-        <a:solidFill>
-          <a:schemeClr val="bg1"/>
-        </a:solidFill>
-        <a:effectLst/>
-      </p:bgPr>
-    </p:bg>
-    <p:spTree>
-      <p:nvGrpSpPr>
-        <p:cNvPr id="1" name=""/>
-        <p:cNvGrpSpPr/>
-        <p:nvPr/>
-      </p:nvGrpSpPr>
-      <p:grpSpPr>
-        <a:xfrm>
-          <a:off x="0" y="0"/>
-          <a:ext cx="0" cy="0"/>
-          <a:chOff x="0" y="0"/>
-          <a:chExt cx="0" cy="0"/>
-        </a:xfrm>
-      </p:grpSpPr>
-      <p:sp useBgFill="1">
-        <p:nvSpPr>
-          <p:cNvPr id="8" name="Rectangle 7">
-            <a:extLst>
-              <a:ext uri="{FF2B5EF4-FFF2-40B4-BE49-F238E27FC236}">
-                <a16:creationId xmlns:a16="http://schemas.microsoft.com/office/drawing/2014/main" id="{B6CDA21F-E7AF-4C75-8395-33F58D5B0E45}"/>
-              </a:ext>
-              <a:ext uri="{C183D7F6-B498-43B3-948B-1728B52AA6E4}">
-                <adec:decorative xmlns:adec="http://schemas.microsoft.com/office/drawing/2017/decorative" val="1"/>
-              </a:ext>
-            </a:extLst>
-          </p:cNvPr>
-          <p:cNvSpPr>
-            <a:spLocks noGrp="1" noRot="1" noChangeAspect="1" noMove="1" noResize="1" noEditPoints="1" noAdjustHandles="1" noChangeArrowheads="1" noChangeShapeType="1" noTextEdit="1"/>
-          </p:cNvSpPr>
-          <p:nvPr>
-            <p:extLst>
-              <p:ext uri="{386F3935-93C4-4BCD-93E2-E3B085C9AB24}">
-                <p16:designElem xmlns:p16="http://schemas.microsoft.com/office/powerpoint/2015/main" val="1"/>
-              </p:ext>
-            </p:extLst>
-          </p:nvPr>
-        </p:nvSpPr>
-        <p:spPr>
-          <a:xfrm>
-            <a:off x="0" y="0"/>
-            <a:ext cx="12191999" cy="6857365"/>
-          </a:xfrm>
-          <a:prstGeom prst="rect">
-            <a:avLst/>
-          </a:prstGeom>
-          <a:ln>
-            <a:noFill/>
-          </a:ln>
-        </p:spPr>
-        <p:style>
-          <a:lnRef idx="2">
-            <a:schemeClr val="accent1">
-              <a:shade val="50000"/>
-            </a:schemeClr>
-          </a:lnRef>
-          <a:fillRef idx="1">
-            <a:schemeClr val="accent1"/>
-          </a:fillRef>
-          <a:effectRef idx="0">
-            <a:schemeClr val="accent1"/>
-          </a:effectRef>
-          <a:fontRef idx="minor">
-            <a:schemeClr val="lt1"/>
-          </a:fontRef>
-        </p:style>
-        <p:txBody>
-          <a:bodyPr rtlCol="0" anchor="ctr"/>
-          <a:lstStyle/>
-          <a:p>
-            <a:pPr algn="ctr"/>
-            <a:endParaRPr lang="en-US"/>
-          </a:p>
-        </p:txBody>
-      </p:sp>
-      <p:grpSp>
-        <p:nvGrpSpPr>
-          <p:cNvPr id="10" name="Group 9">
-            <a:extLst>
-              <a:ext uri="{FF2B5EF4-FFF2-40B4-BE49-F238E27FC236}">
-                <a16:creationId xmlns:a16="http://schemas.microsoft.com/office/drawing/2014/main" id="{AE1C45F0-260A-458C-96ED-C1F6D2151219}"/>
-              </a:ext>
-              <a:ext uri="{C183D7F6-B498-43B3-948B-1728B52AA6E4}">
-                <adec:decorative xmlns:adec="http://schemas.microsoft.com/office/drawing/2017/decorative" val="1"/>
-              </a:ext>
-            </a:extLst>
-          </p:cNvPr>
-          <p:cNvGrpSpPr>
-            <a:grpSpLocks noGrp="1" noUngrp="1" noRot="1" noChangeAspect="1" noMove="1" noResize="1"/>
-          </p:cNvGrpSpPr>
-          <p:nvPr>
-            <p:extLst>
-              <p:ext uri="{386F3935-93C4-4BCD-93E2-E3B085C9AB24}">
-                <p16:designElem xmlns:p16="http://schemas.microsoft.com/office/powerpoint/2015/main" val="1"/>
-              </p:ext>
-            </p:extLst>
-          </p:nvPr>
-        </p:nvGrpSpPr>
-        <p:grpSpPr>
-          <a:xfrm>
-            <a:off x="4" y="1216597"/>
-            <a:ext cx="731521" cy="673460"/>
-            <a:chOff x="3940602" y="308034"/>
-            <a:chExt cx="2116791" cy="3428999"/>
-          </a:xfrm>
-          <a:solidFill>
-            <a:schemeClr val="accent4"/>
-          </a:solidFill>
-        </p:grpSpPr>
-        <p:sp>
-          <p:nvSpPr>
-            <p:cNvPr id="11" name="Rectangle 10">
-              <a:extLst>
-                <a:ext uri="{FF2B5EF4-FFF2-40B4-BE49-F238E27FC236}">
-                  <a16:creationId xmlns:a16="http://schemas.microsoft.com/office/drawing/2014/main" id="{A6604B49-AD5C-4590-B051-06C8222ECD99}"/>
-                </a:ext>
-                <a:ext uri="{C183D7F6-B498-43B3-948B-1728B52AA6E4}">
-                  <adec:decorative xmlns:adec="http://schemas.microsoft.com/office/drawing/2017/decorative" val="1"/>
-                </a:ext>
-              </a:extLst>
-            </p:cNvPr>
-            <p:cNvSpPr/>
-            <p:nvPr>
-              <p:extLst>
-                <p:ext uri="{386F3935-93C4-4BCD-93E2-E3B085C9AB24}">
-                  <p16:designElem xmlns:p16="http://schemas.microsoft.com/office/powerpoint/2015/main" val="1"/>
-                </p:ext>
-              </p:extLst>
-            </p:nvPr>
-          </p:nvSpPr>
-          <p:spPr>
-            <a:xfrm>
-              <a:off x="3940602" y="308034"/>
-              <a:ext cx="566743" cy="3428999"/>
-            </a:xfrm>
-            <a:prstGeom prst="rect">
-              <a:avLst/>
-            </a:prstGeom>
-            <a:grpFill/>
-            <a:ln>
-              <a:noFill/>
-            </a:ln>
-          </p:spPr>
-          <p:style>
-            <a:lnRef idx="2">
-              <a:schemeClr val="accent1">
-                <a:shade val="50000"/>
-              </a:schemeClr>
-            </a:lnRef>
-            <a:fillRef idx="1">
-              <a:schemeClr val="accent1"/>
-            </a:fillRef>
-            <a:effectRef idx="0">
-              <a:schemeClr val="accent1"/>
-            </a:effectRef>
-            <a:fontRef idx="minor">
-              <a:schemeClr val="lt1"/>
-            </a:fontRef>
-          </p:style>
-          <p:txBody>
-            <a:bodyPr rtlCol="0" anchor="ctr"/>
-            <a:lstStyle/>
-            <a:p>
-              <a:pPr algn="ctr"/>
-              <a:endParaRPr lang="en-US"/>
-            </a:p>
-          </p:txBody>
-        </p:sp>
-        <p:sp>
-          <p:nvSpPr>
-            <p:cNvPr id="12" name="Rectangle 11">
-              <a:extLst>
-                <a:ext uri="{FF2B5EF4-FFF2-40B4-BE49-F238E27FC236}">
-                  <a16:creationId xmlns:a16="http://schemas.microsoft.com/office/drawing/2014/main" id="{743ECCAF-29C5-4537-947C-7EA1292463DB}"/>
-                </a:ext>
-                <a:ext uri="{C183D7F6-B498-43B3-948B-1728B52AA6E4}">
-                  <adec:decorative xmlns:adec="http://schemas.microsoft.com/office/drawing/2017/decorative" val="1"/>
-                </a:ext>
-              </a:extLst>
-            </p:cNvPr>
-            <p:cNvSpPr/>
-            <p:nvPr>
-              <p:extLst>
-                <p:ext uri="{386F3935-93C4-4BCD-93E2-E3B085C9AB24}">
-                  <p16:designElem xmlns:p16="http://schemas.microsoft.com/office/powerpoint/2015/main" val="1"/>
-                </p:ext>
-              </p:extLst>
-            </p:nvPr>
-          </p:nvSpPr>
-          <p:spPr>
-            <a:xfrm>
-              <a:off x="4715626" y="308034"/>
-              <a:ext cx="566743" cy="3428999"/>
-            </a:xfrm>
-            <a:prstGeom prst="rect">
-              <a:avLst/>
-            </a:prstGeom>
-            <a:grpFill/>
-            <a:ln>
-              <a:noFill/>
-            </a:ln>
-          </p:spPr>
-          <p:style>
-            <a:lnRef idx="2">
-              <a:schemeClr val="accent1">
-                <a:shade val="50000"/>
-              </a:schemeClr>
-            </a:lnRef>
-            <a:fillRef idx="1">
-              <a:schemeClr val="accent1"/>
-            </a:fillRef>
-            <a:effectRef idx="0">
-              <a:schemeClr val="accent1"/>
-            </a:effectRef>
-            <a:fontRef idx="minor">
-              <a:schemeClr val="lt1"/>
-            </a:fontRef>
-          </p:style>
-          <p:txBody>
-            <a:bodyPr rtlCol="0" anchor="ctr"/>
-            <a:lstStyle/>
-            <a:p>
-              <a:pPr algn="ctr"/>
-              <a:endParaRPr lang="en-US"/>
-            </a:p>
-          </p:txBody>
-        </p:sp>
-        <p:sp>
-          <p:nvSpPr>
-            <p:cNvPr id="13" name="Rectangle 12">
-              <a:extLst>
-                <a:ext uri="{FF2B5EF4-FFF2-40B4-BE49-F238E27FC236}">
-                  <a16:creationId xmlns:a16="http://schemas.microsoft.com/office/drawing/2014/main" id="{ED49787B-8DE6-4467-AD0A-8DECC6E0C2D6}"/>
-                </a:ext>
-                <a:ext uri="{C183D7F6-B498-43B3-948B-1728B52AA6E4}">
-                  <adec:decorative xmlns:adec="http://schemas.microsoft.com/office/drawing/2017/decorative" val="1"/>
-                </a:ext>
-              </a:extLst>
-            </p:cNvPr>
-            <p:cNvSpPr/>
-            <p:nvPr>
-              <p:extLst>
-                <p:ext uri="{386F3935-93C4-4BCD-93E2-E3B085C9AB24}">
-                  <p16:designElem xmlns:p16="http://schemas.microsoft.com/office/powerpoint/2015/main" val="1"/>
-                </p:ext>
-              </p:extLst>
-            </p:nvPr>
-          </p:nvSpPr>
-          <p:spPr>
-            <a:xfrm>
-              <a:off x="5490650" y="308034"/>
-              <a:ext cx="566743" cy="3428999"/>
-            </a:xfrm>
-            <a:prstGeom prst="rect">
-              <a:avLst/>
-            </a:prstGeom>
-            <a:grpFill/>
-            <a:ln>
-              <a:noFill/>
-            </a:ln>
-          </p:spPr>
-          <p:style>
-            <a:lnRef idx="2">
-              <a:schemeClr val="accent1">
-                <a:shade val="50000"/>
-              </a:schemeClr>
-            </a:lnRef>
-            <a:fillRef idx="1">
-              <a:schemeClr val="accent1"/>
-            </a:fillRef>
-            <a:effectRef idx="0">
-              <a:schemeClr val="accent1"/>
-            </a:effectRef>
-            <a:fontRef idx="minor">
-              <a:schemeClr val="lt1"/>
-            </a:fontRef>
-          </p:style>
-          <p:txBody>
-            <a:bodyPr rtlCol="0" anchor="ctr"/>
-            <a:lstStyle/>
-            <a:p>
-              <a:pPr algn="ctr"/>
-              <a:endParaRPr lang="en-US"/>
-            </a:p>
-          </p:txBody>
-        </p:sp>
-      </p:grpSp>
-      <p:sp>
-        <p:nvSpPr>
-          <p:cNvPr id="15" name="Rectangle 14">
-            <a:extLst>
-              <a:ext uri="{FF2B5EF4-FFF2-40B4-BE49-F238E27FC236}">
-                <a16:creationId xmlns:a16="http://schemas.microsoft.com/office/drawing/2014/main" id="{D5B0017B-2ECA-49AF-B397-DC140825DF8D}"/>
-              </a:ext>
-              <a:ext uri="{C183D7F6-B498-43B3-948B-1728B52AA6E4}">
-                <adec:decorative xmlns:adec="http://schemas.microsoft.com/office/drawing/2017/decorative" val="1"/>
-              </a:ext>
-            </a:extLst>
-          </p:cNvPr>
-          <p:cNvSpPr>
-            <a:spLocks noGrp="1" noRot="1" noChangeAspect="1" noMove="1" noResize="1" noEditPoints="1" noAdjustHandles="1" noChangeArrowheads="1" noChangeShapeType="1" noTextEdit="1"/>
-          </p:cNvSpPr>
-          <p:nvPr>
-            <p:extLst>
-              <p:ext uri="{386F3935-93C4-4BCD-93E2-E3B085C9AB24}">
-                <p16:designElem xmlns:p16="http://schemas.microsoft.com/office/powerpoint/2015/main" val="1"/>
-              </p:ext>
-            </p:extLst>
-          </p:nvPr>
-        </p:nvSpPr>
-        <p:spPr>
-          <a:xfrm>
-            <a:off x="640079" y="613954"/>
-            <a:ext cx="10907487" cy="1894116"/>
-          </a:xfrm>
-          <a:prstGeom prst="rect">
-            <a:avLst/>
-          </a:prstGeom>
-          <a:solidFill>
-            <a:schemeClr val="bg1"/>
-          </a:solidFill>
-          <a:ln>
-            <a:noFill/>
-          </a:ln>
-          <a:effectLst>
-            <a:outerShdw blurRad="139700" dist="127000" dir="5400000" algn="t" rotWithShape="0">
-              <a:prstClr val="black">
-                <a:alpha val="15000"/>
-              </a:prstClr>
-            </a:outerShdw>
-          </a:effectLst>
-        </p:spPr>
-        <p:style>
-          <a:lnRef idx="2">
-            <a:schemeClr val="accent1">
-              <a:shade val="50000"/>
-            </a:schemeClr>
-          </a:lnRef>
-          <a:fillRef idx="1">
-            <a:schemeClr val="accent1"/>
-          </a:fillRef>
-          <a:effectRef idx="0">
-            <a:schemeClr val="accent1"/>
-          </a:effectRef>
-          <a:fontRef idx="minor">
-            <a:schemeClr val="lt1"/>
-          </a:fontRef>
-        </p:style>
-        <p:txBody>
-          <a:bodyPr rtlCol="0" anchor="ctr"/>
-          <a:lstStyle/>
-          <a:p>
-            <a:pPr algn="ctr"/>
-            <a:endParaRPr lang="en-US"/>
-          </a:p>
-        </p:txBody>
-      </p:sp>
-      <p:sp>
-        <p:nvSpPr>
-          <p:cNvPr id="2" name="Title 1">
-            <a:extLst>
-              <a:ext uri="{FF2B5EF4-FFF2-40B4-BE49-F238E27FC236}">
-                <a16:creationId xmlns:a16="http://schemas.microsoft.com/office/drawing/2014/main" id="{7CAA21ED-DBDC-FCA1-8E00-8471782FD48C}"/>
-              </a:ext>
-            </a:extLst>
-          </p:cNvPr>
-          <p:cNvSpPr>
-            <a:spLocks noGrp="1"/>
-          </p:cNvSpPr>
-          <p:nvPr>
-            <p:ph type="title"/>
-          </p:nvPr>
-        </p:nvSpPr>
-        <p:spPr>
-          <a:xfrm>
-            <a:off x="1043631" y="809898"/>
-            <a:ext cx="9942716" cy="1554480"/>
-          </a:xfrm>
-        </p:spPr>
-        <p:txBody>
-          <a:bodyPr anchor="ctr">
-            <a:normAutofit/>
-          </a:bodyPr>
-          <a:lstStyle/>
-          <a:p>
-            <a:r>
-              <a:rPr lang="en-US" sz="4800"/>
-              <a:t>Observations</a:t>
-            </a:r>
-          </a:p>
-        </p:txBody>
-      </p:sp>
-      <p:sp>
-        <p:nvSpPr>
-          <p:cNvPr id="3" name="Content Placeholder 2">
-            <a:extLst>
-              <a:ext uri="{FF2B5EF4-FFF2-40B4-BE49-F238E27FC236}">
-                <a16:creationId xmlns:a16="http://schemas.microsoft.com/office/drawing/2014/main" id="{58FF8904-DDDD-C69E-A9BF-D99F54B794C5}"/>
-              </a:ext>
-            </a:extLst>
-          </p:cNvPr>
-          <p:cNvSpPr>
-            <a:spLocks noGrp="1"/>
-          </p:cNvSpPr>
-          <p:nvPr>
-            <p:ph idx="1"/>
-          </p:nvPr>
-        </p:nvSpPr>
-        <p:spPr>
-          <a:xfrm>
-            <a:off x="1045028" y="3017522"/>
-            <a:ext cx="9941319" cy="3124658"/>
-          </a:xfrm>
-        </p:spPr>
-        <p:txBody>
-          <a:bodyPr anchor="ctr">
-            <a:normAutofit/>
-          </a:bodyPr>
-          <a:lstStyle/>
-          <a:p>
-            <a:r>
-              <a:rPr lang="en-US" sz="2400" dirty="0"/>
-              <a:t>Low number of cores, updates to replicated data, sequential trees better.</a:t>
-            </a:r>
-          </a:p>
-          <a:p>
-            <a:r>
-              <a:rPr lang="en-US" sz="2400" dirty="0"/>
-              <a:t>Cluster approach starts performing well with increase in number of cores.</a:t>
-            </a:r>
-          </a:p>
-          <a:p>
-            <a:r>
-              <a:rPr lang="en-US" sz="2400" dirty="0"/>
-              <a:t>Hence, performance is also </a:t>
-            </a:r>
-            <a:r>
-              <a:rPr lang="en-US" sz="2400" dirty="0" err="1"/>
-              <a:t>dependant</a:t>
-            </a:r>
-            <a:r>
-              <a:rPr lang="en-US" sz="2400" dirty="0"/>
-              <a:t> on multicast group used.</a:t>
-            </a:r>
-          </a:p>
-          <a:p>
-            <a:r>
-              <a:rPr lang="en-US" sz="2400" dirty="0"/>
-              <a:t>Performance benefit with Smelt is higher in intermediate configurations.</a:t>
-            </a:r>
-          </a:p>
-        </p:txBody>
-      </p:sp>
-      <p:cxnSp>
-        <p:nvCxnSpPr>
-          <p:cNvPr id="17" name="Straight Connector 16">
-            <a:extLst>
-              <a:ext uri="{FF2B5EF4-FFF2-40B4-BE49-F238E27FC236}">
-                <a16:creationId xmlns:a16="http://schemas.microsoft.com/office/drawing/2014/main" id="{6CF1BAF6-AD41-4082-B212-8A1F9A2E8779}"/>
-              </a:ext>
-              <a:ext uri="{C183D7F6-B498-43B3-948B-1728B52AA6E4}">
-                <adec:decorative xmlns:adec="http://schemas.microsoft.com/office/drawing/2017/decorative" val="1"/>
-              </a:ext>
-            </a:extLst>
-          </p:cNvPr>
-          <p:cNvCxnSpPr>
-            <a:cxnSpLocks noGrp="1" noRot="1" noChangeAspect="1" noMove="1" noResize="1" noEditPoints="1" noAdjustHandles="1" noChangeArrowheads="1" noChangeShapeType="1"/>
-          </p:cNvCxnSpPr>
-          <p:nvPr>
-            <p:extLst>
-              <p:ext uri="{386F3935-93C4-4BCD-93E2-E3B085C9AB24}">
-                <p16:designElem xmlns:p16="http://schemas.microsoft.com/office/powerpoint/2015/main" val="1"/>
-              </p:ext>
-            </p:extLst>
-          </p:nvPr>
-        </p:nvCxnSpPr>
-        <p:spPr>
-          <a:xfrm flipH="1">
-            <a:off x="838200" y="6485313"/>
-            <a:ext cx="10515600" cy="0"/>
-          </a:xfrm>
-          <a:prstGeom prst="line">
-            <a:avLst/>
-          </a:prstGeom>
-          <a:ln w="57150">
-            <a:solidFill>
-              <a:schemeClr val="accent4"/>
-            </a:solidFill>
-          </a:ln>
-        </p:spPr>
-        <p:style>
-          <a:lnRef idx="1">
-            <a:schemeClr val="accent1"/>
-          </a:lnRef>
-          <a:fillRef idx="0">
-            <a:schemeClr val="accent1"/>
-          </a:fillRef>
-          <a:effectRef idx="0">
-            <a:schemeClr val="accent1"/>
-          </a:effectRef>
-          <a:fontRef idx="minor">
-            <a:schemeClr val="tx1"/>
-          </a:fontRef>
-        </p:style>
-      </p:cxnSp>
-    </p:spTree>
-    <p:extLst>
-      <p:ext uri="{BB962C8B-B14F-4D97-AF65-F5344CB8AC3E}">
-        <p14:creationId xmlns:p14="http://schemas.microsoft.com/office/powerpoint/2010/main" val="1631508035"/>
-      </p:ext>
-    </p:extLst>
-  </p:cSld>
-  <p:clrMapOvr>
-    <a:masterClrMapping/>
-  </p:clrMapOvr>
-</p:sld>
-</file>
-
-<file path=ppt/slides/slide33.xml><?xml version="1.0" encoding="utf-8"?>
-<p:sld xmlns:a="http://schemas.openxmlformats.org/drawingml/2006/main" xmlns:r="http://schemas.openxmlformats.org/officeDocument/2006/relationships" xmlns:p="http://schemas.openxmlformats.org/presentationml/2006/main">
-  <p:cSld>
-    <p:bg>
-      <p:bgPr>
-        <a:solidFill>
-          <a:schemeClr val="bg1"/>
-        </a:solidFill>
-        <a:effectLst/>
-      </p:bgPr>
-    </p:bg>
-    <p:spTree>
-      <p:nvGrpSpPr>
-        <p:cNvPr id="1" name=""/>
-        <p:cNvGrpSpPr/>
-        <p:nvPr/>
-      </p:nvGrpSpPr>
-      <p:grpSpPr>
-        <a:xfrm>
-          <a:off x="0" y="0"/>
-          <a:ext cx="0" cy="0"/>
-          <a:chOff x="0" y="0"/>
-          <a:chExt cx="0" cy="0"/>
-        </a:xfrm>
-      </p:grpSpPr>
-      <p:sp useBgFill="1">
-        <p:nvSpPr>
-          <p:cNvPr id="8" name="Rectangle 7">
-            <a:extLst>
-              <a:ext uri="{FF2B5EF4-FFF2-40B4-BE49-F238E27FC236}">
-                <a16:creationId xmlns:a16="http://schemas.microsoft.com/office/drawing/2014/main" id="{B6CDA21F-E7AF-4C75-8395-33F58D5B0E45}"/>
-              </a:ext>
-              <a:ext uri="{C183D7F6-B498-43B3-948B-1728B52AA6E4}">
-                <adec:decorative xmlns:adec="http://schemas.microsoft.com/office/drawing/2017/decorative" val="1"/>
-              </a:ext>
-            </a:extLst>
-          </p:cNvPr>
-          <p:cNvSpPr>
-            <a:spLocks noGrp="1" noRot="1" noChangeAspect="1" noMove="1" noResize="1" noEditPoints="1" noAdjustHandles="1" noChangeArrowheads="1" noChangeShapeType="1" noTextEdit="1"/>
-          </p:cNvSpPr>
-          <p:nvPr>
-            <p:extLst>
-              <p:ext uri="{386F3935-93C4-4BCD-93E2-E3B085C9AB24}">
-                <p16:designElem xmlns:p16="http://schemas.microsoft.com/office/powerpoint/2015/main" val="1"/>
-              </p:ext>
-            </p:extLst>
-          </p:nvPr>
-        </p:nvSpPr>
-        <p:spPr>
-          <a:xfrm>
-            <a:off x="0" y="0"/>
-            <a:ext cx="12191999" cy="6857365"/>
-          </a:xfrm>
-          <a:prstGeom prst="rect">
-            <a:avLst/>
-          </a:prstGeom>
-          <a:ln>
-            <a:noFill/>
-          </a:ln>
-        </p:spPr>
-        <p:style>
-          <a:lnRef idx="2">
-            <a:schemeClr val="accent1">
-              <a:shade val="50000"/>
-            </a:schemeClr>
-          </a:lnRef>
-          <a:fillRef idx="1">
-            <a:schemeClr val="accent1"/>
-          </a:fillRef>
-          <a:effectRef idx="0">
-            <a:schemeClr val="accent1"/>
-          </a:effectRef>
-          <a:fontRef idx="minor">
-            <a:schemeClr val="lt1"/>
-          </a:fontRef>
-        </p:style>
-        <p:txBody>
-          <a:bodyPr rtlCol="0" anchor="ctr"/>
-          <a:lstStyle/>
-          <a:p>
-            <a:pPr algn="ctr"/>
-            <a:endParaRPr lang="en-US"/>
-          </a:p>
-        </p:txBody>
-      </p:sp>
-      <p:grpSp>
-        <p:nvGrpSpPr>
-          <p:cNvPr id="10" name="Group 9">
-            <a:extLst>
-              <a:ext uri="{FF2B5EF4-FFF2-40B4-BE49-F238E27FC236}">
-                <a16:creationId xmlns:a16="http://schemas.microsoft.com/office/drawing/2014/main" id="{AE1C45F0-260A-458C-96ED-C1F6D2151219}"/>
-              </a:ext>
-              <a:ext uri="{C183D7F6-B498-43B3-948B-1728B52AA6E4}">
-                <adec:decorative xmlns:adec="http://schemas.microsoft.com/office/drawing/2017/decorative" val="1"/>
-              </a:ext>
-            </a:extLst>
-          </p:cNvPr>
-          <p:cNvGrpSpPr>
-            <a:grpSpLocks noGrp="1" noUngrp="1" noRot="1" noChangeAspect="1" noMove="1" noResize="1"/>
-          </p:cNvGrpSpPr>
-          <p:nvPr>
-            <p:extLst>
-              <p:ext uri="{386F3935-93C4-4BCD-93E2-E3B085C9AB24}">
-                <p16:designElem xmlns:p16="http://schemas.microsoft.com/office/powerpoint/2015/main" val="1"/>
-              </p:ext>
-            </p:extLst>
-          </p:nvPr>
-        </p:nvGrpSpPr>
-        <p:grpSpPr>
-          <a:xfrm>
-            <a:off x="4" y="1216597"/>
-            <a:ext cx="731521" cy="673460"/>
-            <a:chOff x="3940602" y="308034"/>
-            <a:chExt cx="2116791" cy="3428999"/>
-          </a:xfrm>
-          <a:solidFill>
-            <a:schemeClr val="accent4"/>
-          </a:solidFill>
-        </p:grpSpPr>
-        <p:sp>
-          <p:nvSpPr>
-            <p:cNvPr id="11" name="Rectangle 10">
-              <a:extLst>
-                <a:ext uri="{FF2B5EF4-FFF2-40B4-BE49-F238E27FC236}">
-                  <a16:creationId xmlns:a16="http://schemas.microsoft.com/office/drawing/2014/main" id="{A6604B49-AD5C-4590-B051-06C8222ECD99}"/>
-                </a:ext>
-                <a:ext uri="{C183D7F6-B498-43B3-948B-1728B52AA6E4}">
-                  <adec:decorative xmlns:adec="http://schemas.microsoft.com/office/drawing/2017/decorative" val="1"/>
-                </a:ext>
-              </a:extLst>
-            </p:cNvPr>
-            <p:cNvSpPr/>
-            <p:nvPr>
-              <p:extLst>
-                <p:ext uri="{386F3935-93C4-4BCD-93E2-E3B085C9AB24}">
-                  <p16:designElem xmlns:p16="http://schemas.microsoft.com/office/powerpoint/2015/main" val="1"/>
-                </p:ext>
-              </p:extLst>
-            </p:nvPr>
-          </p:nvSpPr>
-          <p:spPr>
-            <a:xfrm>
-              <a:off x="3940602" y="308034"/>
-              <a:ext cx="566743" cy="3428999"/>
-            </a:xfrm>
-            <a:prstGeom prst="rect">
-              <a:avLst/>
-            </a:prstGeom>
-            <a:grpFill/>
-            <a:ln>
-              <a:noFill/>
-            </a:ln>
-          </p:spPr>
-          <p:style>
-            <a:lnRef idx="2">
-              <a:schemeClr val="accent1">
-                <a:shade val="50000"/>
-              </a:schemeClr>
-            </a:lnRef>
-            <a:fillRef idx="1">
-              <a:schemeClr val="accent1"/>
-            </a:fillRef>
-            <a:effectRef idx="0">
-              <a:schemeClr val="accent1"/>
-            </a:effectRef>
-            <a:fontRef idx="minor">
-              <a:schemeClr val="lt1"/>
-            </a:fontRef>
-          </p:style>
-          <p:txBody>
-            <a:bodyPr rtlCol="0" anchor="ctr"/>
-            <a:lstStyle/>
-            <a:p>
-              <a:pPr algn="ctr"/>
-              <a:endParaRPr lang="en-US"/>
-            </a:p>
-          </p:txBody>
-        </p:sp>
-        <p:sp>
-          <p:nvSpPr>
-            <p:cNvPr id="12" name="Rectangle 11">
-              <a:extLst>
-                <a:ext uri="{FF2B5EF4-FFF2-40B4-BE49-F238E27FC236}">
-                  <a16:creationId xmlns:a16="http://schemas.microsoft.com/office/drawing/2014/main" id="{743ECCAF-29C5-4537-947C-7EA1292463DB}"/>
-                </a:ext>
-                <a:ext uri="{C183D7F6-B498-43B3-948B-1728B52AA6E4}">
-                  <adec:decorative xmlns:adec="http://schemas.microsoft.com/office/drawing/2017/decorative" val="1"/>
-                </a:ext>
-              </a:extLst>
-            </p:cNvPr>
-            <p:cNvSpPr/>
-            <p:nvPr>
-              <p:extLst>
-                <p:ext uri="{386F3935-93C4-4BCD-93E2-E3B085C9AB24}">
-                  <p16:designElem xmlns:p16="http://schemas.microsoft.com/office/powerpoint/2015/main" val="1"/>
-                </p:ext>
-              </p:extLst>
-            </p:nvPr>
-          </p:nvSpPr>
-          <p:spPr>
-            <a:xfrm>
-              <a:off x="4715626" y="308034"/>
-              <a:ext cx="566743" cy="3428999"/>
-            </a:xfrm>
-            <a:prstGeom prst="rect">
-              <a:avLst/>
-            </a:prstGeom>
-            <a:grpFill/>
-            <a:ln>
-              <a:noFill/>
-            </a:ln>
-          </p:spPr>
-          <p:style>
-            <a:lnRef idx="2">
-              <a:schemeClr val="accent1">
-                <a:shade val="50000"/>
-              </a:schemeClr>
-            </a:lnRef>
-            <a:fillRef idx="1">
-              <a:schemeClr val="accent1"/>
-            </a:fillRef>
-            <a:effectRef idx="0">
-              <a:schemeClr val="accent1"/>
-            </a:effectRef>
-            <a:fontRef idx="minor">
-              <a:schemeClr val="lt1"/>
-            </a:fontRef>
-          </p:style>
-          <p:txBody>
-            <a:bodyPr rtlCol="0" anchor="ctr"/>
-            <a:lstStyle/>
-            <a:p>
-              <a:pPr algn="ctr"/>
-              <a:endParaRPr lang="en-US"/>
-            </a:p>
-          </p:txBody>
-        </p:sp>
-        <p:sp>
-          <p:nvSpPr>
-            <p:cNvPr id="13" name="Rectangle 12">
-              <a:extLst>
-                <a:ext uri="{FF2B5EF4-FFF2-40B4-BE49-F238E27FC236}">
-                  <a16:creationId xmlns:a16="http://schemas.microsoft.com/office/drawing/2014/main" id="{ED49787B-8DE6-4467-AD0A-8DECC6E0C2D6}"/>
-                </a:ext>
-                <a:ext uri="{C183D7F6-B498-43B3-948B-1728B52AA6E4}">
-                  <adec:decorative xmlns:adec="http://schemas.microsoft.com/office/drawing/2017/decorative" val="1"/>
-                </a:ext>
-              </a:extLst>
-            </p:cNvPr>
-            <p:cNvSpPr/>
-            <p:nvPr>
-              <p:extLst>
-                <p:ext uri="{386F3935-93C4-4BCD-93E2-E3B085C9AB24}">
-                  <p16:designElem xmlns:p16="http://schemas.microsoft.com/office/powerpoint/2015/main" val="1"/>
-                </p:ext>
-              </p:extLst>
-            </p:nvPr>
-          </p:nvSpPr>
-          <p:spPr>
-            <a:xfrm>
-              <a:off x="5490650" y="308034"/>
-              <a:ext cx="566743" cy="3428999"/>
-            </a:xfrm>
-            <a:prstGeom prst="rect">
-              <a:avLst/>
-            </a:prstGeom>
-            <a:grpFill/>
-            <a:ln>
-              <a:noFill/>
-            </a:ln>
-          </p:spPr>
-          <p:style>
-            <a:lnRef idx="2">
-              <a:schemeClr val="accent1">
-                <a:shade val="50000"/>
-              </a:schemeClr>
-            </a:lnRef>
-            <a:fillRef idx="1">
-              <a:schemeClr val="accent1"/>
-            </a:fillRef>
-            <a:effectRef idx="0">
-              <a:schemeClr val="accent1"/>
-            </a:effectRef>
-            <a:fontRef idx="minor">
-              <a:schemeClr val="lt1"/>
-            </a:fontRef>
-          </p:style>
-          <p:txBody>
-            <a:bodyPr rtlCol="0" anchor="ctr"/>
-            <a:lstStyle/>
-            <a:p>
-              <a:pPr algn="ctr"/>
-              <a:endParaRPr lang="en-US"/>
-            </a:p>
-          </p:txBody>
-        </p:sp>
-      </p:grpSp>
-      <p:sp>
-        <p:nvSpPr>
-          <p:cNvPr id="15" name="Rectangle 14">
-            <a:extLst>
-              <a:ext uri="{FF2B5EF4-FFF2-40B4-BE49-F238E27FC236}">
-                <a16:creationId xmlns:a16="http://schemas.microsoft.com/office/drawing/2014/main" id="{D5B0017B-2ECA-49AF-B397-DC140825DF8D}"/>
-              </a:ext>
-              <a:ext uri="{C183D7F6-B498-43B3-948B-1728B52AA6E4}">
-                <adec:decorative xmlns:adec="http://schemas.microsoft.com/office/drawing/2017/decorative" val="1"/>
-              </a:ext>
-            </a:extLst>
-          </p:cNvPr>
-          <p:cNvSpPr>
-            <a:spLocks noGrp="1" noRot="1" noChangeAspect="1" noMove="1" noResize="1" noEditPoints="1" noAdjustHandles="1" noChangeArrowheads="1" noChangeShapeType="1" noTextEdit="1"/>
-          </p:cNvSpPr>
-          <p:nvPr>
-            <p:extLst>
-              <p:ext uri="{386F3935-93C4-4BCD-93E2-E3B085C9AB24}">
-                <p16:designElem xmlns:p16="http://schemas.microsoft.com/office/powerpoint/2015/main" val="1"/>
-              </p:ext>
-            </p:extLst>
-          </p:nvPr>
-        </p:nvSpPr>
-        <p:spPr>
-          <a:xfrm>
-            <a:off x="640079" y="613954"/>
-            <a:ext cx="10907487" cy="1894116"/>
-          </a:xfrm>
-          <a:prstGeom prst="rect">
-            <a:avLst/>
-          </a:prstGeom>
-          <a:solidFill>
-            <a:schemeClr val="bg1"/>
-          </a:solidFill>
-          <a:ln>
-            <a:noFill/>
-          </a:ln>
-          <a:effectLst>
-            <a:outerShdw blurRad="139700" dist="127000" dir="5400000" algn="t" rotWithShape="0">
-              <a:prstClr val="black">
-                <a:alpha val="15000"/>
-              </a:prstClr>
-            </a:outerShdw>
-          </a:effectLst>
-        </p:spPr>
-        <p:style>
-          <a:lnRef idx="2">
-            <a:schemeClr val="accent1">
-              <a:shade val="50000"/>
-            </a:schemeClr>
-          </a:lnRef>
-          <a:fillRef idx="1">
-            <a:schemeClr val="accent1"/>
-          </a:fillRef>
-          <a:effectRef idx="0">
-            <a:schemeClr val="accent1"/>
-          </a:effectRef>
-          <a:fontRef idx="minor">
-            <a:schemeClr val="lt1"/>
-          </a:fontRef>
-        </p:style>
-        <p:txBody>
-          <a:bodyPr rtlCol="0" anchor="ctr"/>
-          <a:lstStyle/>
-          <a:p>
-            <a:pPr algn="ctr"/>
-            <a:endParaRPr lang="en-US"/>
-          </a:p>
-        </p:txBody>
-      </p:sp>
-      <p:sp>
-        <p:nvSpPr>
-          <p:cNvPr id="2" name="Title 1">
-            <a:extLst>
-              <a:ext uri="{FF2B5EF4-FFF2-40B4-BE49-F238E27FC236}">
                 <a16:creationId xmlns:a16="http://schemas.microsoft.com/office/drawing/2014/main" id="{2A1B180F-14F8-B78A-A05B-3852F5A5A0CF}"/>
               </a:ext>
             </a:extLst>
@@ -22377,7 +21500,7 @@
 </p:sld>
 </file>
 
-<file path=ppt/slides/slide34.xml><?xml version="1.0" encoding="utf-8"?>
+<file path=ppt/slides/slide32.xml><?xml version="1.0" encoding="utf-8"?>
 <p:sld xmlns:a="http://schemas.openxmlformats.org/drawingml/2006/main" xmlns:r="http://schemas.openxmlformats.org/officeDocument/2006/relationships" xmlns:p="http://schemas.openxmlformats.org/presentationml/2006/main">
   <p:cSld>
     <p:bg>
@@ -22745,7 +21868,7 @@
 </p:sld>
 </file>
 
-<file path=ppt/slides/slide35.xml><?xml version="1.0" encoding="utf-8"?>
+<file path=ppt/slides/slide33.xml><?xml version="1.0" encoding="utf-8"?>
 <p:sld xmlns:a="http://schemas.openxmlformats.org/drawingml/2006/main" xmlns:r="http://schemas.openxmlformats.org/officeDocument/2006/relationships" xmlns:p="http://schemas.openxmlformats.org/presentationml/2006/main">
   <p:cSld>
     <p:bg>
@@ -23160,7 +22283,7 @@
         <p:spPr>
           <a:xfrm>
             <a:off x="630936" y="2807208"/>
-            <a:ext cx="3429000" cy="3410712"/>
+            <a:ext cx="3954252" cy="3410712"/>
           </a:xfrm>
           <a:prstGeom prst="rect">
             <a:avLst/>
@@ -23257,6 +22380,1370 @@
     <p:extLst>
       <p:ext uri="{BB962C8B-B14F-4D97-AF65-F5344CB8AC3E}">
         <p14:creationId xmlns:p14="http://schemas.microsoft.com/office/powerpoint/2010/main" val="916961911"/>
+      </p:ext>
+    </p:extLst>
+  </p:cSld>
+  <p:clrMapOvr>
+    <a:masterClrMapping/>
+  </p:clrMapOvr>
+</p:sld>
+</file>
+
+<file path=ppt/slides/slide34.xml><?xml version="1.0" encoding="utf-8"?>
+<p:sld xmlns:a="http://schemas.openxmlformats.org/drawingml/2006/main" xmlns:r="http://schemas.openxmlformats.org/officeDocument/2006/relationships" xmlns:p="http://schemas.openxmlformats.org/presentationml/2006/main">
+  <p:cSld>
+    <p:bg>
+      <p:bgPr>
+        <a:solidFill>
+          <a:schemeClr val="bg1"/>
+        </a:solidFill>
+        <a:effectLst/>
+      </p:bgPr>
+    </p:bg>
+    <p:spTree>
+      <p:nvGrpSpPr>
+        <p:cNvPr id="1" name=""/>
+        <p:cNvGrpSpPr/>
+        <p:nvPr/>
+      </p:nvGrpSpPr>
+      <p:grpSpPr>
+        <a:xfrm>
+          <a:off x="0" y="0"/>
+          <a:ext cx="0" cy="0"/>
+          <a:chOff x="0" y="0"/>
+          <a:chExt cx="0" cy="0"/>
+        </a:xfrm>
+      </p:grpSpPr>
+      <p:sp useBgFill="1">
+        <p:nvSpPr>
+          <p:cNvPr id="8" name="Rectangle 7">
+            <a:extLst>
+              <a:ext uri="{FF2B5EF4-FFF2-40B4-BE49-F238E27FC236}">
+                <a16:creationId xmlns:a16="http://schemas.microsoft.com/office/drawing/2014/main" id="{B6CDA21F-E7AF-4C75-8395-33F58D5B0E45}"/>
+              </a:ext>
+              <a:ext uri="{C183D7F6-B498-43B3-948B-1728B52AA6E4}">
+                <adec:decorative xmlns:adec="http://schemas.microsoft.com/office/drawing/2017/decorative" val="1"/>
+              </a:ext>
+            </a:extLst>
+          </p:cNvPr>
+          <p:cNvSpPr>
+            <a:spLocks noGrp="1" noRot="1" noChangeAspect="1" noMove="1" noResize="1" noEditPoints="1" noAdjustHandles="1" noChangeArrowheads="1" noChangeShapeType="1" noTextEdit="1"/>
+          </p:cNvSpPr>
+          <p:nvPr>
+            <p:extLst>
+              <p:ext uri="{386F3935-93C4-4BCD-93E2-E3B085C9AB24}">
+                <p16:designElem xmlns:p16="http://schemas.microsoft.com/office/powerpoint/2015/main" val="1"/>
+              </p:ext>
+            </p:extLst>
+          </p:nvPr>
+        </p:nvSpPr>
+        <p:spPr>
+          <a:xfrm>
+            <a:off x="0" y="0"/>
+            <a:ext cx="12191999" cy="6857365"/>
+          </a:xfrm>
+          <a:prstGeom prst="rect">
+            <a:avLst/>
+          </a:prstGeom>
+          <a:ln>
+            <a:noFill/>
+          </a:ln>
+        </p:spPr>
+        <p:style>
+          <a:lnRef idx="2">
+            <a:schemeClr val="accent1">
+              <a:shade val="50000"/>
+            </a:schemeClr>
+          </a:lnRef>
+          <a:fillRef idx="1">
+            <a:schemeClr val="accent1"/>
+          </a:fillRef>
+          <a:effectRef idx="0">
+            <a:schemeClr val="accent1"/>
+          </a:effectRef>
+          <a:fontRef idx="minor">
+            <a:schemeClr val="lt1"/>
+          </a:fontRef>
+        </p:style>
+        <p:txBody>
+          <a:bodyPr rtlCol="0" anchor="ctr"/>
+          <a:lstStyle/>
+          <a:p>
+            <a:pPr marL="0" marR="0" lvl="0" indent="0" algn="ctr" defTabSz="914400" rtl="0" eaLnBrk="1" fontAlgn="auto" latinLnBrk="0" hangingPunct="1">
+              <a:lnSpc>
+                <a:spcPct val="100000"/>
+              </a:lnSpc>
+              <a:spcBef>
+                <a:spcPts val="0"/>
+              </a:spcBef>
+              <a:spcAft>
+                <a:spcPts val="0"/>
+              </a:spcAft>
+              <a:buClrTx/>
+              <a:buSzTx/>
+              <a:buFontTx/>
+              <a:buNone/>
+              <a:tabLst/>
+              <a:defRPr/>
+            </a:pPr>
+            <a:endParaRPr kumimoji="0" lang="en-US" sz="1800" b="0" i="0" u="none" strike="noStrike" kern="1200" cap="none" spc="0" normalizeH="0" baseline="0" noProof="0">
+              <a:ln>
+                <a:noFill/>
+              </a:ln>
+              <a:solidFill>
+                <a:prstClr val="white"/>
+              </a:solidFill>
+              <a:effectLst/>
+              <a:uLnTx/>
+              <a:uFillTx/>
+              <a:latin typeface="Calibri" panose="020F0502020204030204"/>
+              <a:ea typeface="+mn-ea"/>
+              <a:cs typeface="+mn-cs"/>
+            </a:endParaRPr>
+          </a:p>
+        </p:txBody>
+      </p:sp>
+      <p:grpSp>
+        <p:nvGrpSpPr>
+          <p:cNvPr id="10" name="Group 9">
+            <a:extLst>
+              <a:ext uri="{FF2B5EF4-FFF2-40B4-BE49-F238E27FC236}">
+                <a16:creationId xmlns:a16="http://schemas.microsoft.com/office/drawing/2014/main" id="{AE1C45F0-260A-458C-96ED-C1F6D2151219}"/>
+              </a:ext>
+              <a:ext uri="{C183D7F6-B498-43B3-948B-1728B52AA6E4}">
+                <adec:decorative xmlns:adec="http://schemas.microsoft.com/office/drawing/2017/decorative" val="1"/>
+              </a:ext>
+            </a:extLst>
+          </p:cNvPr>
+          <p:cNvGrpSpPr>
+            <a:grpSpLocks noGrp="1" noUngrp="1" noRot="1" noChangeAspect="1" noMove="1" noResize="1"/>
+          </p:cNvGrpSpPr>
+          <p:nvPr>
+            <p:extLst>
+              <p:ext uri="{386F3935-93C4-4BCD-93E2-E3B085C9AB24}">
+                <p16:designElem xmlns:p16="http://schemas.microsoft.com/office/powerpoint/2015/main" val="1"/>
+              </p:ext>
+            </p:extLst>
+          </p:nvPr>
+        </p:nvGrpSpPr>
+        <p:grpSpPr>
+          <a:xfrm>
+            <a:off x="4" y="1216597"/>
+            <a:ext cx="731521" cy="673460"/>
+            <a:chOff x="3940602" y="308034"/>
+            <a:chExt cx="2116791" cy="3428999"/>
+          </a:xfrm>
+          <a:solidFill>
+            <a:schemeClr val="accent4"/>
+          </a:solidFill>
+        </p:grpSpPr>
+        <p:sp>
+          <p:nvSpPr>
+            <p:cNvPr id="11" name="Rectangle 10">
+              <a:extLst>
+                <a:ext uri="{FF2B5EF4-FFF2-40B4-BE49-F238E27FC236}">
+                  <a16:creationId xmlns:a16="http://schemas.microsoft.com/office/drawing/2014/main" id="{A6604B49-AD5C-4590-B051-06C8222ECD99}"/>
+                </a:ext>
+                <a:ext uri="{C183D7F6-B498-43B3-948B-1728B52AA6E4}">
+                  <adec:decorative xmlns:adec="http://schemas.microsoft.com/office/drawing/2017/decorative" val="1"/>
+                </a:ext>
+              </a:extLst>
+            </p:cNvPr>
+            <p:cNvSpPr/>
+            <p:nvPr>
+              <p:extLst>
+                <p:ext uri="{386F3935-93C4-4BCD-93E2-E3B085C9AB24}">
+                  <p16:designElem xmlns:p16="http://schemas.microsoft.com/office/powerpoint/2015/main" val="1"/>
+                </p:ext>
+              </p:extLst>
+            </p:nvPr>
+          </p:nvSpPr>
+          <p:spPr>
+            <a:xfrm>
+              <a:off x="3940602" y="308034"/>
+              <a:ext cx="566743" cy="3428999"/>
+            </a:xfrm>
+            <a:prstGeom prst="rect">
+              <a:avLst/>
+            </a:prstGeom>
+            <a:grpFill/>
+            <a:ln>
+              <a:noFill/>
+            </a:ln>
+          </p:spPr>
+          <p:style>
+            <a:lnRef idx="2">
+              <a:schemeClr val="accent1">
+                <a:shade val="50000"/>
+              </a:schemeClr>
+            </a:lnRef>
+            <a:fillRef idx="1">
+              <a:schemeClr val="accent1"/>
+            </a:fillRef>
+            <a:effectRef idx="0">
+              <a:schemeClr val="accent1"/>
+            </a:effectRef>
+            <a:fontRef idx="minor">
+              <a:schemeClr val="lt1"/>
+            </a:fontRef>
+          </p:style>
+          <p:txBody>
+            <a:bodyPr rtlCol="0" anchor="ctr"/>
+            <a:lstStyle/>
+            <a:p>
+              <a:pPr marL="0" marR="0" lvl="0" indent="0" algn="ctr" defTabSz="914400" rtl="0" eaLnBrk="1" fontAlgn="auto" latinLnBrk="0" hangingPunct="1">
+                <a:lnSpc>
+                  <a:spcPct val="100000"/>
+                </a:lnSpc>
+                <a:spcBef>
+                  <a:spcPts val="0"/>
+                </a:spcBef>
+                <a:spcAft>
+                  <a:spcPts val="0"/>
+                </a:spcAft>
+                <a:buClrTx/>
+                <a:buSzTx/>
+                <a:buFontTx/>
+                <a:buNone/>
+                <a:tabLst/>
+                <a:defRPr/>
+              </a:pPr>
+              <a:endParaRPr kumimoji="0" lang="en-US" sz="1800" b="0" i="0" u="none" strike="noStrike" kern="1200" cap="none" spc="0" normalizeH="0" baseline="0" noProof="0">
+                <a:ln>
+                  <a:noFill/>
+                </a:ln>
+                <a:solidFill>
+                  <a:prstClr val="white"/>
+                </a:solidFill>
+                <a:effectLst/>
+                <a:uLnTx/>
+                <a:uFillTx/>
+                <a:latin typeface="Calibri" panose="020F0502020204030204"/>
+                <a:ea typeface="+mn-ea"/>
+                <a:cs typeface="+mn-cs"/>
+              </a:endParaRPr>
+            </a:p>
+          </p:txBody>
+        </p:sp>
+        <p:sp>
+          <p:nvSpPr>
+            <p:cNvPr id="12" name="Rectangle 11">
+              <a:extLst>
+                <a:ext uri="{FF2B5EF4-FFF2-40B4-BE49-F238E27FC236}">
+                  <a16:creationId xmlns:a16="http://schemas.microsoft.com/office/drawing/2014/main" id="{743ECCAF-29C5-4537-947C-7EA1292463DB}"/>
+                </a:ext>
+                <a:ext uri="{C183D7F6-B498-43B3-948B-1728B52AA6E4}">
+                  <adec:decorative xmlns:adec="http://schemas.microsoft.com/office/drawing/2017/decorative" val="1"/>
+                </a:ext>
+              </a:extLst>
+            </p:cNvPr>
+            <p:cNvSpPr/>
+            <p:nvPr>
+              <p:extLst>
+                <p:ext uri="{386F3935-93C4-4BCD-93E2-E3B085C9AB24}">
+                  <p16:designElem xmlns:p16="http://schemas.microsoft.com/office/powerpoint/2015/main" val="1"/>
+                </p:ext>
+              </p:extLst>
+            </p:nvPr>
+          </p:nvSpPr>
+          <p:spPr>
+            <a:xfrm>
+              <a:off x="4715626" y="308034"/>
+              <a:ext cx="566743" cy="3428999"/>
+            </a:xfrm>
+            <a:prstGeom prst="rect">
+              <a:avLst/>
+            </a:prstGeom>
+            <a:grpFill/>
+            <a:ln>
+              <a:noFill/>
+            </a:ln>
+          </p:spPr>
+          <p:style>
+            <a:lnRef idx="2">
+              <a:schemeClr val="accent1">
+                <a:shade val="50000"/>
+              </a:schemeClr>
+            </a:lnRef>
+            <a:fillRef idx="1">
+              <a:schemeClr val="accent1"/>
+            </a:fillRef>
+            <a:effectRef idx="0">
+              <a:schemeClr val="accent1"/>
+            </a:effectRef>
+            <a:fontRef idx="minor">
+              <a:schemeClr val="lt1"/>
+            </a:fontRef>
+          </p:style>
+          <p:txBody>
+            <a:bodyPr rtlCol="0" anchor="ctr"/>
+            <a:lstStyle/>
+            <a:p>
+              <a:pPr marL="0" marR="0" lvl="0" indent="0" algn="ctr" defTabSz="914400" rtl="0" eaLnBrk="1" fontAlgn="auto" latinLnBrk="0" hangingPunct="1">
+                <a:lnSpc>
+                  <a:spcPct val="100000"/>
+                </a:lnSpc>
+                <a:spcBef>
+                  <a:spcPts val="0"/>
+                </a:spcBef>
+                <a:spcAft>
+                  <a:spcPts val="0"/>
+                </a:spcAft>
+                <a:buClrTx/>
+                <a:buSzTx/>
+                <a:buFontTx/>
+                <a:buNone/>
+                <a:tabLst/>
+                <a:defRPr/>
+              </a:pPr>
+              <a:endParaRPr kumimoji="0" lang="en-US" sz="1800" b="0" i="0" u="none" strike="noStrike" kern="1200" cap="none" spc="0" normalizeH="0" baseline="0" noProof="0">
+                <a:ln>
+                  <a:noFill/>
+                </a:ln>
+                <a:solidFill>
+                  <a:prstClr val="white"/>
+                </a:solidFill>
+                <a:effectLst/>
+                <a:uLnTx/>
+                <a:uFillTx/>
+                <a:latin typeface="Calibri" panose="020F0502020204030204"/>
+                <a:ea typeface="+mn-ea"/>
+                <a:cs typeface="+mn-cs"/>
+              </a:endParaRPr>
+            </a:p>
+          </p:txBody>
+        </p:sp>
+        <p:sp>
+          <p:nvSpPr>
+            <p:cNvPr id="13" name="Rectangle 12">
+              <a:extLst>
+                <a:ext uri="{FF2B5EF4-FFF2-40B4-BE49-F238E27FC236}">
+                  <a16:creationId xmlns:a16="http://schemas.microsoft.com/office/drawing/2014/main" id="{ED49787B-8DE6-4467-AD0A-8DECC6E0C2D6}"/>
+                </a:ext>
+                <a:ext uri="{C183D7F6-B498-43B3-948B-1728B52AA6E4}">
+                  <adec:decorative xmlns:adec="http://schemas.microsoft.com/office/drawing/2017/decorative" val="1"/>
+                </a:ext>
+              </a:extLst>
+            </p:cNvPr>
+            <p:cNvSpPr/>
+            <p:nvPr>
+              <p:extLst>
+                <p:ext uri="{386F3935-93C4-4BCD-93E2-E3B085C9AB24}">
+                  <p16:designElem xmlns:p16="http://schemas.microsoft.com/office/powerpoint/2015/main" val="1"/>
+                </p:ext>
+              </p:extLst>
+            </p:nvPr>
+          </p:nvSpPr>
+          <p:spPr>
+            <a:xfrm>
+              <a:off x="5490650" y="308034"/>
+              <a:ext cx="566743" cy="3428999"/>
+            </a:xfrm>
+            <a:prstGeom prst="rect">
+              <a:avLst/>
+            </a:prstGeom>
+            <a:grpFill/>
+            <a:ln>
+              <a:noFill/>
+            </a:ln>
+          </p:spPr>
+          <p:style>
+            <a:lnRef idx="2">
+              <a:schemeClr val="accent1">
+                <a:shade val="50000"/>
+              </a:schemeClr>
+            </a:lnRef>
+            <a:fillRef idx="1">
+              <a:schemeClr val="accent1"/>
+            </a:fillRef>
+            <a:effectRef idx="0">
+              <a:schemeClr val="accent1"/>
+            </a:effectRef>
+            <a:fontRef idx="minor">
+              <a:schemeClr val="lt1"/>
+            </a:fontRef>
+          </p:style>
+          <p:txBody>
+            <a:bodyPr rtlCol="0" anchor="ctr"/>
+            <a:lstStyle/>
+            <a:p>
+              <a:pPr marL="0" marR="0" lvl="0" indent="0" algn="ctr" defTabSz="914400" rtl="0" eaLnBrk="1" fontAlgn="auto" latinLnBrk="0" hangingPunct="1">
+                <a:lnSpc>
+                  <a:spcPct val="100000"/>
+                </a:lnSpc>
+                <a:spcBef>
+                  <a:spcPts val="0"/>
+                </a:spcBef>
+                <a:spcAft>
+                  <a:spcPts val="0"/>
+                </a:spcAft>
+                <a:buClrTx/>
+                <a:buSzTx/>
+                <a:buFontTx/>
+                <a:buNone/>
+                <a:tabLst/>
+                <a:defRPr/>
+              </a:pPr>
+              <a:endParaRPr kumimoji="0" lang="en-US" sz="1800" b="0" i="0" u="none" strike="noStrike" kern="1200" cap="none" spc="0" normalizeH="0" baseline="0" noProof="0">
+                <a:ln>
+                  <a:noFill/>
+                </a:ln>
+                <a:solidFill>
+                  <a:prstClr val="white"/>
+                </a:solidFill>
+                <a:effectLst/>
+                <a:uLnTx/>
+                <a:uFillTx/>
+                <a:latin typeface="Calibri" panose="020F0502020204030204"/>
+                <a:ea typeface="+mn-ea"/>
+                <a:cs typeface="+mn-cs"/>
+              </a:endParaRPr>
+            </a:p>
+          </p:txBody>
+        </p:sp>
+      </p:grpSp>
+      <p:sp>
+        <p:nvSpPr>
+          <p:cNvPr id="15" name="Rectangle 14">
+            <a:extLst>
+              <a:ext uri="{FF2B5EF4-FFF2-40B4-BE49-F238E27FC236}">
+                <a16:creationId xmlns:a16="http://schemas.microsoft.com/office/drawing/2014/main" id="{D5B0017B-2ECA-49AF-B397-DC140825DF8D}"/>
+              </a:ext>
+              <a:ext uri="{C183D7F6-B498-43B3-948B-1728B52AA6E4}">
+                <adec:decorative xmlns:adec="http://schemas.microsoft.com/office/drawing/2017/decorative" val="1"/>
+              </a:ext>
+            </a:extLst>
+          </p:cNvPr>
+          <p:cNvSpPr>
+            <a:spLocks noGrp="1" noRot="1" noChangeAspect="1" noMove="1" noResize="1" noEditPoints="1" noAdjustHandles="1" noChangeArrowheads="1" noChangeShapeType="1" noTextEdit="1"/>
+          </p:cNvSpPr>
+          <p:nvPr>
+            <p:extLst>
+              <p:ext uri="{386F3935-93C4-4BCD-93E2-E3B085C9AB24}">
+                <p16:designElem xmlns:p16="http://schemas.microsoft.com/office/powerpoint/2015/main" val="1"/>
+              </p:ext>
+            </p:extLst>
+          </p:nvPr>
+        </p:nvSpPr>
+        <p:spPr>
+          <a:xfrm>
+            <a:off x="640079" y="613954"/>
+            <a:ext cx="10907487" cy="1894116"/>
+          </a:xfrm>
+          <a:prstGeom prst="rect">
+            <a:avLst/>
+          </a:prstGeom>
+          <a:solidFill>
+            <a:schemeClr val="bg1"/>
+          </a:solidFill>
+          <a:ln>
+            <a:noFill/>
+          </a:ln>
+          <a:effectLst>
+            <a:outerShdw blurRad="139700" dist="127000" dir="5400000" algn="t" rotWithShape="0">
+              <a:prstClr val="black">
+                <a:alpha val="15000"/>
+              </a:prstClr>
+            </a:outerShdw>
+          </a:effectLst>
+        </p:spPr>
+        <p:style>
+          <a:lnRef idx="2">
+            <a:schemeClr val="accent1">
+              <a:shade val="50000"/>
+            </a:schemeClr>
+          </a:lnRef>
+          <a:fillRef idx="1">
+            <a:schemeClr val="accent1"/>
+          </a:fillRef>
+          <a:effectRef idx="0">
+            <a:schemeClr val="accent1"/>
+          </a:effectRef>
+          <a:fontRef idx="minor">
+            <a:schemeClr val="lt1"/>
+          </a:fontRef>
+        </p:style>
+        <p:txBody>
+          <a:bodyPr rtlCol="0" anchor="ctr"/>
+          <a:lstStyle/>
+          <a:p>
+            <a:pPr marL="0" marR="0" lvl="0" indent="0" algn="ctr" defTabSz="914400" rtl="0" eaLnBrk="1" fontAlgn="auto" latinLnBrk="0" hangingPunct="1">
+              <a:lnSpc>
+                <a:spcPct val="100000"/>
+              </a:lnSpc>
+              <a:spcBef>
+                <a:spcPts val="0"/>
+              </a:spcBef>
+              <a:spcAft>
+                <a:spcPts val="0"/>
+              </a:spcAft>
+              <a:buClrTx/>
+              <a:buSzTx/>
+              <a:buFontTx/>
+              <a:buNone/>
+              <a:tabLst/>
+              <a:defRPr/>
+            </a:pPr>
+            <a:endParaRPr kumimoji="0" lang="en-US" sz="1800" b="0" i="0" u="none" strike="noStrike" kern="1200" cap="none" spc="0" normalizeH="0" baseline="0" noProof="0">
+              <a:ln>
+                <a:noFill/>
+              </a:ln>
+              <a:solidFill>
+                <a:prstClr val="white"/>
+              </a:solidFill>
+              <a:effectLst/>
+              <a:uLnTx/>
+              <a:uFillTx/>
+              <a:latin typeface="Calibri" panose="020F0502020204030204"/>
+              <a:ea typeface="+mn-ea"/>
+              <a:cs typeface="+mn-cs"/>
+            </a:endParaRPr>
+          </a:p>
+        </p:txBody>
+      </p:sp>
+      <p:sp>
+        <p:nvSpPr>
+          <p:cNvPr id="2" name="Title 1">
+            <a:extLst>
+              <a:ext uri="{FF2B5EF4-FFF2-40B4-BE49-F238E27FC236}">
+                <a16:creationId xmlns:a16="http://schemas.microsoft.com/office/drawing/2014/main" id="{7CAA21ED-DBDC-FCA1-8E00-8471782FD48C}"/>
+              </a:ext>
+            </a:extLst>
+          </p:cNvPr>
+          <p:cNvSpPr>
+            <a:spLocks noGrp="1"/>
+          </p:cNvSpPr>
+          <p:nvPr>
+            <p:ph type="title"/>
+          </p:nvPr>
+        </p:nvSpPr>
+        <p:spPr>
+          <a:xfrm>
+            <a:off x="1043631" y="809898"/>
+            <a:ext cx="9942716" cy="1554480"/>
+          </a:xfrm>
+        </p:spPr>
+        <p:txBody>
+          <a:bodyPr anchor="ctr">
+            <a:normAutofit/>
+          </a:bodyPr>
+          <a:lstStyle/>
+          <a:p>
+            <a:r>
+              <a:rPr lang="en-US" sz="4800" dirty="0">
+                <a:solidFill>
+                  <a:srgbClr val="343541"/>
+                </a:solidFill>
+                <a:latin typeface="Söhne"/>
+              </a:rPr>
+              <a:t>C</a:t>
+            </a:r>
+            <a:r>
+              <a:rPr lang="en-US" sz="4800" b="0" i="0" dirty="0">
+                <a:solidFill>
+                  <a:srgbClr val="343541"/>
+                </a:solidFill>
+                <a:effectLst/>
+                <a:latin typeface="Söhne"/>
+              </a:rPr>
+              <a:t>hallenges and limitations?</a:t>
+            </a:r>
+            <a:endParaRPr lang="en-US" sz="4800" dirty="0"/>
+          </a:p>
+        </p:txBody>
+      </p:sp>
+      <p:sp>
+        <p:nvSpPr>
+          <p:cNvPr id="3" name="Content Placeholder 2">
+            <a:extLst>
+              <a:ext uri="{FF2B5EF4-FFF2-40B4-BE49-F238E27FC236}">
+                <a16:creationId xmlns:a16="http://schemas.microsoft.com/office/drawing/2014/main" id="{58FF8904-DDDD-C69E-A9BF-D99F54B794C5}"/>
+              </a:ext>
+            </a:extLst>
+          </p:cNvPr>
+          <p:cNvSpPr>
+            <a:spLocks noGrp="1"/>
+          </p:cNvSpPr>
+          <p:nvPr>
+            <p:ph idx="1"/>
+          </p:nvPr>
+        </p:nvSpPr>
+        <p:spPr>
+          <a:xfrm>
+            <a:off x="1045028" y="3017522"/>
+            <a:ext cx="9941319" cy="3124658"/>
+          </a:xfrm>
+        </p:spPr>
+        <p:txBody>
+          <a:bodyPr anchor="ctr">
+            <a:normAutofit/>
+          </a:bodyPr>
+          <a:lstStyle/>
+          <a:p>
+            <a:r>
+              <a:rPr lang="en-US" sz="2400" b="1" dirty="0"/>
+              <a:t>Complexity</a:t>
+            </a:r>
+            <a:r>
+              <a:rPr lang="en-US" sz="2400" dirty="0"/>
+              <a:t>: Compared to other broadcast algorithms, the MABT method is relatively sophisticated, which could make it challenging to develop and maintain in a practical environment.</a:t>
+            </a:r>
+          </a:p>
+          <a:p>
+            <a:r>
+              <a:rPr lang="en-US" sz="2400" b="1" dirty="0"/>
+              <a:t>Scalability</a:t>
+            </a:r>
+            <a:r>
+              <a:rPr lang="en-US" sz="2400" dirty="0"/>
+              <a:t>: It is unclear how well the MABT algorithm will function in larger.</a:t>
+            </a:r>
+          </a:p>
+          <a:p>
+            <a:r>
+              <a:rPr lang="en-US" sz="2400" b="1" dirty="0"/>
+              <a:t>Resource needs</a:t>
+            </a:r>
+            <a:r>
+              <a:rPr lang="en-US" sz="2400" dirty="0"/>
+              <a:t>: In contexts with limited resources, the MABT algorithm may be difficult to implement due to its high memory and computing resource requirements.</a:t>
+            </a:r>
+          </a:p>
+        </p:txBody>
+      </p:sp>
+      <p:cxnSp>
+        <p:nvCxnSpPr>
+          <p:cNvPr id="17" name="Straight Connector 16">
+            <a:extLst>
+              <a:ext uri="{FF2B5EF4-FFF2-40B4-BE49-F238E27FC236}">
+                <a16:creationId xmlns:a16="http://schemas.microsoft.com/office/drawing/2014/main" id="{6CF1BAF6-AD41-4082-B212-8A1F9A2E8779}"/>
+              </a:ext>
+              <a:ext uri="{C183D7F6-B498-43B3-948B-1728B52AA6E4}">
+                <adec:decorative xmlns:adec="http://schemas.microsoft.com/office/drawing/2017/decorative" val="1"/>
+              </a:ext>
+            </a:extLst>
+          </p:cNvPr>
+          <p:cNvCxnSpPr>
+            <a:cxnSpLocks noGrp="1" noRot="1" noChangeAspect="1" noMove="1" noResize="1" noEditPoints="1" noAdjustHandles="1" noChangeArrowheads="1" noChangeShapeType="1"/>
+          </p:cNvCxnSpPr>
+          <p:nvPr>
+            <p:extLst>
+              <p:ext uri="{386F3935-93C4-4BCD-93E2-E3B085C9AB24}">
+                <p16:designElem xmlns:p16="http://schemas.microsoft.com/office/powerpoint/2015/main" val="1"/>
+              </p:ext>
+            </p:extLst>
+          </p:nvPr>
+        </p:nvCxnSpPr>
+        <p:spPr>
+          <a:xfrm flipH="1">
+            <a:off x="838200" y="6485313"/>
+            <a:ext cx="10515600" cy="0"/>
+          </a:xfrm>
+          <a:prstGeom prst="line">
+            <a:avLst/>
+          </a:prstGeom>
+          <a:ln w="57150">
+            <a:solidFill>
+              <a:schemeClr val="accent4"/>
+            </a:solidFill>
+          </a:ln>
+        </p:spPr>
+        <p:style>
+          <a:lnRef idx="1">
+            <a:schemeClr val="accent1"/>
+          </a:lnRef>
+          <a:fillRef idx="0">
+            <a:schemeClr val="accent1"/>
+          </a:fillRef>
+          <a:effectRef idx="0">
+            <a:schemeClr val="accent1"/>
+          </a:effectRef>
+          <a:fontRef idx="minor">
+            <a:schemeClr val="tx1"/>
+          </a:fontRef>
+        </p:style>
+      </p:cxnSp>
+    </p:spTree>
+    <p:extLst>
+      <p:ext uri="{BB962C8B-B14F-4D97-AF65-F5344CB8AC3E}">
+        <p14:creationId xmlns:p14="http://schemas.microsoft.com/office/powerpoint/2010/main" val="1630718078"/>
+      </p:ext>
+    </p:extLst>
+  </p:cSld>
+  <p:clrMapOvr>
+    <a:masterClrMapping/>
+  </p:clrMapOvr>
+</p:sld>
+</file>
+
+<file path=ppt/slides/slide35.xml><?xml version="1.0" encoding="utf-8"?>
+<p:sld xmlns:a="http://schemas.openxmlformats.org/drawingml/2006/main" xmlns:r="http://schemas.openxmlformats.org/officeDocument/2006/relationships" xmlns:p="http://schemas.openxmlformats.org/presentationml/2006/main">
+  <p:cSld>
+    <p:bg>
+      <p:bgPr>
+        <a:solidFill>
+          <a:schemeClr val="bg1"/>
+        </a:solidFill>
+        <a:effectLst/>
+      </p:bgPr>
+    </p:bg>
+    <p:spTree>
+      <p:nvGrpSpPr>
+        <p:cNvPr id="1" name=""/>
+        <p:cNvGrpSpPr/>
+        <p:nvPr/>
+      </p:nvGrpSpPr>
+      <p:grpSpPr>
+        <a:xfrm>
+          <a:off x="0" y="0"/>
+          <a:ext cx="0" cy="0"/>
+          <a:chOff x="0" y="0"/>
+          <a:chExt cx="0" cy="0"/>
+        </a:xfrm>
+      </p:grpSpPr>
+      <p:sp useBgFill="1">
+        <p:nvSpPr>
+          <p:cNvPr id="8" name="Rectangle 7">
+            <a:extLst>
+              <a:ext uri="{FF2B5EF4-FFF2-40B4-BE49-F238E27FC236}">
+                <a16:creationId xmlns:a16="http://schemas.microsoft.com/office/drawing/2014/main" id="{B6CDA21F-E7AF-4C75-8395-33F58D5B0E45}"/>
+              </a:ext>
+              <a:ext uri="{C183D7F6-B498-43B3-948B-1728B52AA6E4}">
+                <adec:decorative xmlns:adec="http://schemas.microsoft.com/office/drawing/2017/decorative" val="1"/>
+              </a:ext>
+            </a:extLst>
+          </p:cNvPr>
+          <p:cNvSpPr>
+            <a:spLocks noGrp="1" noRot="1" noChangeAspect="1" noMove="1" noResize="1" noEditPoints="1" noAdjustHandles="1" noChangeArrowheads="1" noChangeShapeType="1" noTextEdit="1"/>
+          </p:cNvSpPr>
+          <p:nvPr>
+            <p:extLst>
+              <p:ext uri="{386F3935-93C4-4BCD-93E2-E3B085C9AB24}">
+                <p16:designElem xmlns:p16="http://schemas.microsoft.com/office/powerpoint/2015/main" val="1"/>
+              </p:ext>
+            </p:extLst>
+          </p:nvPr>
+        </p:nvSpPr>
+        <p:spPr>
+          <a:xfrm>
+            <a:off x="0" y="0"/>
+            <a:ext cx="12191999" cy="6857365"/>
+          </a:xfrm>
+          <a:prstGeom prst="rect">
+            <a:avLst/>
+          </a:prstGeom>
+          <a:ln>
+            <a:noFill/>
+          </a:ln>
+        </p:spPr>
+        <p:style>
+          <a:lnRef idx="2">
+            <a:schemeClr val="accent1">
+              <a:shade val="50000"/>
+            </a:schemeClr>
+          </a:lnRef>
+          <a:fillRef idx="1">
+            <a:schemeClr val="accent1"/>
+          </a:fillRef>
+          <a:effectRef idx="0">
+            <a:schemeClr val="accent1"/>
+          </a:effectRef>
+          <a:fontRef idx="minor">
+            <a:schemeClr val="lt1"/>
+          </a:fontRef>
+        </p:style>
+        <p:txBody>
+          <a:bodyPr rtlCol="0" anchor="ctr"/>
+          <a:lstStyle/>
+          <a:p>
+            <a:pPr marL="0" marR="0" lvl="0" indent="0" algn="ctr" defTabSz="914400" rtl="0" eaLnBrk="1" fontAlgn="auto" latinLnBrk="0" hangingPunct="1">
+              <a:lnSpc>
+                <a:spcPct val="100000"/>
+              </a:lnSpc>
+              <a:spcBef>
+                <a:spcPts val="0"/>
+              </a:spcBef>
+              <a:spcAft>
+                <a:spcPts val="0"/>
+              </a:spcAft>
+              <a:buClrTx/>
+              <a:buSzTx/>
+              <a:buFontTx/>
+              <a:buNone/>
+              <a:tabLst/>
+              <a:defRPr/>
+            </a:pPr>
+            <a:endParaRPr kumimoji="0" lang="en-US" sz="1800" b="0" i="0" u="none" strike="noStrike" kern="1200" cap="none" spc="0" normalizeH="0" baseline="0" noProof="0">
+              <a:ln>
+                <a:noFill/>
+              </a:ln>
+              <a:solidFill>
+                <a:prstClr val="white"/>
+              </a:solidFill>
+              <a:effectLst/>
+              <a:uLnTx/>
+              <a:uFillTx/>
+              <a:latin typeface="Calibri" panose="020F0502020204030204"/>
+              <a:ea typeface="+mn-ea"/>
+              <a:cs typeface="+mn-cs"/>
+            </a:endParaRPr>
+          </a:p>
+        </p:txBody>
+      </p:sp>
+      <p:grpSp>
+        <p:nvGrpSpPr>
+          <p:cNvPr id="10" name="Group 9">
+            <a:extLst>
+              <a:ext uri="{FF2B5EF4-FFF2-40B4-BE49-F238E27FC236}">
+                <a16:creationId xmlns:a16="http://schemas.microsoft.com/office/drawing/2014/main" id="{AE1C45F0-260A-458C-96ED-C1F6D2151219}"/>
+              </a:ext>
+              <a:ext uri="{C183D7F6-B498-43B3-948B-1728B52AA6E4}">
+                <adec:decorative xmlns:adec="http://schemas.microsoft.com/office/drawing/2017/decorative" val="1"/>
+              </a:ext>
+            </a:extLst>
+          </p:cNvPr>
+          <p:cNvGrpSpPr>
+            <a:grpSpLocks noGrp="1" noUngrp="1" noRot="1" noChangeAspect="1" noMove="1" noResize="1"/>
+          </p:cNvGrpSpPr>
+          <p:nvPr>
+            <p:extLst>
+              <p:ext uri="{386F3935-93C4-4BCD-93E2-E3B085C9AB24}">
+                <p16:designElem xmlns:p16="http://schemas.microsoft.com/office/powerpoint/2015/main" val="1"/>
+              </p:ext>
+            </p:extLst>
+          </p:nvPr>
+        </p:nvGrpSpPr>
+        <p:grpSpPr>
+          <a:xfrm>
+            <a:off x="4" y="1216597"/>
+            <a:ext cx="731521" cy="673460"/>
+            <a:chOff x="3940602" y="308034"/>
+            <a:chExt cx="2116791" cy="3428999"/>
+          </a:xfrm>
+          <a:solidFill>
+            <a:schemeClr val="accent4"/>
+          </a:solidFill>
+        </p:grpSpPr>
+        <p:sp>
+          <p:nvSpPr>
+            <p:cNvPr id="11" name="Rectangle 10">
+              <a:extLst>
+                <a:ext uri="{FF2B5EF4-FFF2-40B4-BE49-F238E27FC236}">
+                  <a16:creationId xmlns:a16="http://schemas.microsoft.com/office/drawing/2014/main" id="{A6604B49-AD5C-4590-B051-06C8222ECD99}"/>
+                </a:ext>
+                <a:ext uri="{C183D7F6-B498-43B3-948B-1728B52AA6E4}">
+                  <adec:decorative xmlns:adec="http://schemas.microsoft.com/office/drawing/2017/decorative" val="1"/>
+                </a:ext>
+              </a:extLst>
+            </p:cNvPr>
+            <p:cNvSpPr/>
+            <p:nvPr>
+              <p:extLst>
+                <p:ext uri="{386F3935-93C4-4BCD-93E2-E3B085C9AB24}">
+                  <p16:designElem xmlns:p16="http://schemas.microsoft.com/office/powerpoint/2015/main" val="1"/>
+                </p:ext>
+              </p:extLst>
+            </p:nvPr>
+          </p:nvSpPr>
+          <p:spPr>
+            <a:xfrm>
+              <a:off x="3940602" y="308034"/>
+              <a:ext cx="566743" cy="3428999"/>
+            </a:xfrm>
+            <a:prstGeom prst="rect">
+              <a:avLst/>
+            </a:prstGeom>
+            <a:grpFill/>
+            <a:ln>
+              <a:noFill/>
+            </a:ln>
+          </p:spPr>
+          <p:style>
+            <a:lnRef idx="2">
+              <a:schemeClr val="accent1">
+                <a:shade val="50000"/>
+              </a:schemeClr>
+            </a:lnRef>
+            <a:fillRef idx="1">
+              <a:schemeClr val="accent1"/>
+            </a:fillRef>
+            <a:effectRef idx="0">
+              <a:schemeClr val="accent1"/>
+            </a:effectRef>
+            <a:fontRef idx="minor">
+              <a:schemeClr val="lt1"/>
+            </a:fontRef>
+          </p:style>
+          <p:txBody>
+            <a:bodyPr rtlCol="0" anchor="ctr"/>
+            <a:lstStyle/>
+            <a:p>
+              <a:pPr marL="0" marR="0" lvl="0" indent="0" algn="ctr" defTabSz="914400" rtl="0" eaLnBrk="1" fontAlgn="auto" latinLnBrk="0" hangingPunct="1">
+                <a:lnSpc>
+                  <a:spcPct val="100000"/>
+                </a:lnSpc>
+                <a:spcBef>
+                  <a:spcPts val="0"/>
+                </a:spcBef>
+                <a:spcAft>
+                  <a:spcPts val="0"/>
+                </a:spcAft>
+                <a:buClrTx/>
+                <a:buSzTx/>
+                <a:buFontTx/>
+                <a:buNone/>
+                <a:tabLst/>
+                <a:defRPr/>
+              </a:pPr>
+              <a:endParaRPr kumimoji="0" lang="en-US" sz="1800" b="0" i="0" u="none" strike="noStrike" kern="1200" cap="none" spc="0" normalizeH="0" baseline="0" noProof="0">
+                <a:ln>
+                  <a:noFill/>
+                </a:ln>
+                <a:solidFill>
+                  <a:prstClr val="white"/>
+                </a:solidFill>
+                <a:effectLst/>
+                <a:uLnTx/>
+                <a:uFillTx/>
+                <a:latin typeface="Calibri" panose="020F0502020204030204"/>
+                <a:ea typeface="+mn-ea"/>
+                <a:cs typeface="+mn-cs"/>
+              </a:endParaRPr>
+            </a:p>
+          </p:txBody>
+        </p:sp>
+        <p:sp>
+          <p:nvSpPr>
+            <p:cNvPr id="12" name="Rectangle 11">
+              <a:extLst>
+                <a:ext uri="{FF2B5EF4-FFF2-40B4-BE49-F238E27FC236}">
+                  <a16:creationId xmlns:a16="http://schemas.microsoft.com/office/drawing/2014/main" id="{743ECCAF-29C5-4537-947C-7EA1292463DB}"/>
+                </a:ext>
+                <a:ext uri="{C183D7F6-B498-43B3-948B-1728B52AA6E4}">
+                  <adec:decorative xmlns:adec="http://schemas.microsoft.com/office/drawing/2017/decorative" val="1"/>
+                </a:ext>
+              </a:extLst>
+            </p:cNvPr>
+            <p:cNvSpPr/>
+            <p:nvPr>
+              <p:extLst>
+                <p:ext uri="{386F3935-93C4-4BCD-93E2-E3B085C9AB24}">
+                  <p16:designElem xmlns:p16="http://schemas.microsoft.com/office/powerpoint/2015/main" val="1"/>
+                </p:ext>
+              </p:extLst>
+            </p:nvPr>
+          </p:nvSpPr>
+          <p:spPr>
+            <a:xfrm>
+              <a:off x="4715626" y="308034"/>
+              <a:ext cx="566743" cy="3428999"/>
+            </a:xfrm>
+            <a:prstGeom prst="rect">
+              <a:avLst/>
+            </a:prstGeom>
+            <a:grpFill/>
+            <a:ln>
+              <a:noFill/>
+            </a:ln>
+          </p:spPr>
+          <p:style>
+            <a:lnRef idx="2">
+              <a:schemeClr val="accent1">
+                <a:shade val="50000"/>
+              </a:schemeClr>
+            </a:lnRef>
+            <a:fillRef idx="1">
+              <a:schemeClr val="accent1"/>
+            </a:fillRef>
+            <a:effectRef idx="0">
+              <a:schemeClr val="accent1"/>
+            </a:effectRef>
+            <a:fontRef idx="minor">
+              <a:schemeClr val="lt1"/>
+            </a:fontRef>
+          </p:style>
+          <p:txBody>
+            <a:bodyPr rtlCol="0" anchor="ctr"/>
+            <a:lstStyle/>
+            <a:p>
+              <a:pPr marL="0" marR="0" lvl="0" indent="0" algn="ctr" defTabSz="914400" rtl="0" eaLnBrk="1" fontAlgn="auto" latinLnBrk="0" hangingPunct="1">
+                <a:lnSpc>
+                  <a:spcPct val="100000"/>
+                </a:lnSpc>
+                <a:spcBef>
+                  <a:spcPts val="0"/>
+                </a:spcBef>
+                <a:spcAft>
+                  <a:spcPts val="0"/>
+                </a:spcAft>
+                <a:buClrTx/>
+                <a:buSzTx/>
+                <a:buFontTx/>
+                <a:buNone/>
+                <a:tabLst/>
+                <a:defRPr/>
+              </a:pPr>
+              <a:endParaRPr kumimoji="0" lang="en-US" sz="1800" b="0" i="0" u="none" strike="noStrike" kern="1200" cap="none" spc="0" normalizeH="0" baseline="0" noProof="0">
+                <a:ln>
+                  <a:noFill/>
+                </a:ln>
+                <a:solidFill>
+                  <a:prstClr val="white"/>
+                </a:solidFill>
+                <a:effectLst/>
+                <a:uLnTx/>
+                <a:uFillTx/>
+                <a:latin typeface="Calibri" panose="020F0502020204030204"/>
+                <a:ea typeface="+mn-ea"/>
+                <a:cs typeface="+mn-cs"/>
+              </a:endParaRPr>
+            </a:p>
+          </p:txBody>
+        </p:sp>
+        <p:sp>
+          <p:nvSpPr>
+            <p:cNvPr id="13" name="Rectangle 12">
+              <a:extLst>
+                <a:ext uri="{FF2B5EF4-FFF2-40B4-BE49-F238E27FC236}">
+                  <a16:creationId xmlns:a16="http://schemas.microsoft.com/office/drawing/2014/main" id="{ED49787B-8DE6-4467-AD0A-8DECC6E0C2D6}"/>
+                </a:ext>
+                <a:ext uri="{C183D7F6-B498-43B3-948B-1728B52AA6E4}">
+                  <adec:decorative xmlns:adec="http://schemas.microsoft.com/office/drawing/2017/decorative" val="1"/>
+                </a:ext>
+              </a:extLst>
+            </p:cNvPr>
+            <p:cNvSpPr/>
+            <p:nvPr>
+              <p:extLst>
+                <p:ext uri="{386F3935-93C4-4BCD-93E2-E3B085C9AB24}">
+                  <p16:designElem xmlns:p16="http://schemas.microsoft.com/office/powerpoint/2015/main" val="1"/>
+                </p:ext>
+              </p:extLst>
+            </p:nvPr>
+          </p:nvSpPr>
+          <p:spPr>
+            <a:xfrm>
+              <a:off x="5490650" y="308034"/>
+              <a:ext cx="566743" cy="3428999"/>
+            </a:xfrm>
+            <a:prstGeom prst="rect">
+              <a:avLst/>
+            </a:prstGeom>
+            <a:grpFill/>
+            <a:ln>
+              <a:noFill/>
+            </a:ln>
+          </p:spPr>
+          <p:style>
+            <a:lnRef idx="2">
+              <a:schemeClr val="accent1">
+                <a:shade val="50000"/>
+              </a:schemeClr>
+            </a:lnRef>
+            <a:fillRef idx="1">
+              <a:schemeClr val="accent1"/>
+            </a:fillRef>
+            <a:effectRef idx="0">
+              <a:schemeClr val="accent1"/>
+            </a:effectRef>
+            <a:fontRef idx="minor">
+              <a:schemeClr val="lt1"/>
+            </a:fontRef>
+          </p:style>
+          <p:txBody>
+            <a:bodyPr rtlCol="0" anchor="ctr"/>
+            <a:lstStyle/>
+            <a:p>
+              <a:pPr marL="0" marR="0" lvl="0" indent="0" algn="ctr" defTabSz="914400" rtl="0" eaLnBrk="1" fontAlgn="auto" latinLnBrk="0" hangingPunct="1">
+                <a:lnSpc>
+                  <a:spcPct val="100000"/>
+                </a:lnSpc>
+                <a:spcBef>
+                  <a:spcPts val="0"/>
+                </a:spcBef>
+                <a:spcAft>
+                  <a:spcPts val="0"/>
+                </a:spcAft>
+                <a:buClrTx/>
+                <a:buSzTx/>
+                <a:buFontTx/>
+                <a:buNone/>
+                <a:tabLst/>
+                <a:defRPr/>
+              </a:pPr>
+              <a:endParaRPr kumimoji="0" lang="en-US" sz="1800" b="0" i="0" u="none" strike="noStrike" kern="1200" cap="none" spc="0" normalizeH="0" baseline="0" noProof="0">
+                <a:ln>
+                  <a:noFill/>
+                </a:ln>
+                <a:solidFill>
+                  <a:prstClr val="white"/>
+                </a:solidFill>
+                <a:effectLst/>
+                <a:uLnTx/>
+                <a:uFillTx/>
+                <a:latin typeface="Calibri" panose="020F0502020204030204"/>
+                <a:ea typeface="+mn-ea"/>
+                <a:cs typeface="+mn-cs"/>
+              </a:endParaRPr>
+            </a:p>
+          </p:txBody>
+        </p:sp>
+      </p:grpSp>
+      <p:sp>
+        <p:nvSpPr>
+          <p:cNvPr id="15" name="Rectangle 14">
+            <a:extLst>
+              <a:ext uri="{FF2B5EF4-FFF2-40B4-BE49-F238E27FC236}">
+                <a16:creationId xmlns:a16="http://schemas.microsoft.com/office/drawing/2014/main" id="{D5B0017B-2ECA-49AF-B397-DC140825DF8D}"/>
+              </a:ext>
+              <a:ext uri="{C183D7F6-B498-43B3-948B-1728B52AA6E4}">
+                <adec:decorative xmlns:adec="http://schemas.microsoft.com/office/drawing/2017/decorative" val="1"/>
+              </a:ext>
+            </a:extLst>
+          </p:cNvPr>
+          <p:cNvSpPr>
+            <a:spLocks noGrp="1" noRot="1" noChangeAspect="1" noMove="1" noResize="1" noEditPoints="1" noAdjustHandles="1" noChangeArrowheads="1" noChangeShapeType="1" noTextEdit="1"/>
+          </p:cNvSpPr>
+          <p:nvPr>
+            <p:extLst>
+              <p:ext uri="{386F3935-93C4-4BCD-93E2-E3B085C9AB24}">
+                <p16:designElem xmlns:p16="http://schemas.microsoft.com/office/powerpoint/2015/main" val="1"/>
+              </p:ext>
+            </p:extLst>
+          </p:nvPr>
+        </p:nvSpPr>
+        <p:spPr>
+          <a:xfrm>
+            <a:off x="640079" y="613954"/>
+            <a:ext cx="10907487" cy="1894116"/>
+          </a:xfrm>
+          <a:prstGeom prst="rect">
+            <a:avLst/>
+          </a:prstGeom>
+          <a:solidFill>
+            <a:schemeClr val="bg1"/>
+          </a:solidFill>
+          <a:ln>
+            <a:noFill/>
+          </a:ln>
+          <a:effectLst>
+            <a:outerShdw blurRad="139700" dist="127000" dir="5400000" algn="t" rotWithShape="0">
+              <a:prstClr val="black">
+                <a:alpha val="15000"/>
+              </a:prstClr>
+            </a:outerShdw>
+          </a:effectLst>
+        </p:spPr>
+        <p:style>
+          <a:lnRef idx="2">
+            <a:schemeClr val="accent1">
+              <a:shade val="50000"/>
+            </a:schemeClr>
+          </a:lnRef>
+          <a:fillRef idx="1">
+            <a:schemeClr val="accent1"/>
+          </a:fillRef>
+          <a:effectRef idx="0">
+            <a:schemeClr val="accent1"/>
+          </a:effectRef>
+          <a:fontRef idx="minor">
+            <a:schemeClr val="lt1"/>
+          </a:fontRef>
+        </p:style>
+        <p:txBody>
+          <a:bodyPr rtlCol="0" anchor="ctr"/>
+          <a:lstStyle/>
+          <a:p>
+            <a:pPr marL="0" marR="0" lvl="0" indent="0" algn="ctr" defTabSz="914400" rtl="0" eaLnBrk="1" fontAlgn="auto" latinLnBrk="0" hangingPunct="1">
+              <a:lnSpc>
+                <a:spcPct val="100000"/>
+              </a:lnSpc>
+              <a:spcBef>
+                <a:spcPts val="0"/>
+              </a:spcBef>
+              <a:spcAft>
+                <a:spcPts val="0"/>
+              </a:spcAft>
+              <a:buClrTx/>
+              <a:buSzTx/>
+              <a:buFontTx/>
+              <a:buNone/>
+              <a:tabLst/>
+              <a:defRPr/>
+            </a:pPr>
+            <a:endParaRPr kumimoji="0" lang="en-US" sz="1800" b="0" i="0" u="none" strike="noStrike" kern="1200" cap="none" spc="0" normalizeH="0" baseline="0" noProof="0">
+              <a:ln>
+                <a:noFill/>
+              </a:ln>
+              <a:solidFill>
+                <a:prstClr val="white"/>
+              </a:solidFill>
+              <a:effectLst/>
+              <a:uLnTx/>
+              <a:uFillTx/>
+              <a:latin typeface="Calibri" panose="020F0502020204030204"/>
+              <a:ea typeface="+mn-ea"/>
+              <a:cs typeface="+mn-cs"/>
+            </a:endParaRPr>
+          </a:p>
+        </p:txBody>
+      </p:sp>
+      <p:sp>
+        <p:nvSpPr>
+          <p:cNvPr id="2" name="Title 1">
+            <a:extLst>
+              <a:ext uri="{FF2B5EF4-FFF2-40B4-BE49-F238E27FC236}">
+                <a16:creationId xmlns:a16="http://schemas.microsoft.com/office/drawing/2014/main" id="{7CAA21ED-DBDC-FCA1-8E00-8471782FD48C}"/>
+              </a:ext>
+            </a:extLst>
+          </p:cNvPr>
+          <p:cNvSpPr>
+            <a:spLocks noGrp="1"/>
+          </p:cNvSpPr>
+          <p:nvPr>
+            <p:ph type="title"/>
+          </p:nvPr>
+        </p:nvSpPr>
+        <p:spPr>
+          <a:xfrm>
+            <a:off x="1043631" y="809898"/>
+            <a:ext cx="9942716" cy="1554480"/>
+          </a:xfrm>
+        </p:spPr>
+        <p:txBody>
+          <a:bodyPr anchor="ctr">
+            <a:normAutofit/>
+          </a:bodyPr>
+          <a:lstStyle/>
+          <a:p>
+            <a:r>
+              <a:rPr lang="en-US" sz="4800" dirty="0">
+                <a:solidFill>
+                  <a:srgbClr val="343541"/>
+                </a:solidFill>
+                <a:latin typeface="Söhne"/>
+              </a:rPr>
+              <a:t>Future Work</a:t>
+            </a:r>
+            <a:endParaRPr lang="en-US" sz="4800" dirty="0"/>
+          </a:p>
+        </p:txBody>
+      </p:sp>
+      <p:sp>
+        <p:nvSpPr>
+          <p:cNvPr id="3" name="Content Placeholder 2">
+            <a:extLst>
+              <a:ext uri="{FF2B5EF4-FFF2-40B4-BE49-F238E27FC236}">
+                <a16:creationId xmlns:a16="http://schemas.microsoft.com/office/drawing/2014/main" id="{58FF8904-DDDD-C69E-A9BF-D99F54B794C5}"/>
+              </a:ext>
+            </a:extLst>
+          </p:cNvPr>
+          <p:cNvSpPr>
+            <a:spLocks noGrp="1"/>
+          </p:cNvSpPr>
+          <p:nvPr>
+            <p:ph idx="1"/>
+          </p:nvPr>
+        </p:nvSpPr>
+        <p:spPr>
+          <a:xfrm>
+            <a:off x="1045028" y="3017522"/>
+            <a:ext cx="9941319" cy="3124658"/>
+          </a:xfrm>
+        </p:spPr>
+        <p:txBody>
+          <a:bodyPr anchor="ctr">
+            <a:normAutofit lnSpcReduction="10000"/>
+          </a:bodyPr>
+          <a:lstStyle/>
+          <a:p>
+            <a:r>
+              <a:rPr lang="en-US" sz="2400" b="1" dirty="0"/>
+              <a:t>Performance assessment: </a:t>
+            </a:r>
+            <a:r>
+              <a:rPr lang="en-US" sz="2400" dirty="0"/>
+              <a:t>Additional performance analysis of the MABT algorithm is required to fully comprehend its capabilities and constraints in practical settings.</a:t>
+            </a:r>
+          </a:p>
+          <a:p>
+            <a:r>
+              <a:rPr lang="en-US" sz="2400" b="1" dirty="0"/>
+              <a:t>Scalability</a:t>
+            </a:r>
+            <a:r>
+              <a:rPr lang="en-US" sz="2400" dirty="0"/>
+              <a:t>: In order to make sure that the MABT algorithm can handle huge and complicated networks, its scalability needs to be assessed and enhanced.</a:t>
+            </a:r>
+          </a:p>
+          <a:p>
+            <a:r>
+              <a:rPr lang="en-US" sz="2400" b="1" dirty="0"/>
+              <a:t>Implementation in the real world</a:t>
+            </a:r>
+            <a:r>
+              <a:rPr lang="en-US" sz="2400" dirty="0"/>
+              <a:t>: The MABT algorithm should be implemented in the real world to verify its efficacy and to uncover any extra difficulties or constraints.</a:t>
+            </a:r>
+          </a:p>
+        </p:txBody>
+      </p:sp>
+      <p:cxnSp>
+        <p:nvCxnSpPr>
+          <p:cNvPr id="17" name="Straight Connector 16">
+            <a:extLst>
+              <a:ext uri="{FF2B5EF4-FFF2-40B4-BE49-F238E27FC236}">
+                <a16:creationId xmlns:a16="http://schemas.microsoft.com/office/drawing/2014/main" id="{6CF1BAF6-AD41-4082-B212-8A1F9A2E8779}"/>
+              </a:ext>
+              <a:ext uri="{C183D7F6-B498-43B3-948B-1728B52AA6E4}">
+                <adec:decorative xmlns:adec="http://schemas.microsoft.com/office/drawing/2017/decorative" val="1"/>
+              </a:ext>
+            </a:extLst>
+          </p:cNvPr>
+          <p:cNvCxnSpPr>
+            <a:cxnSpLocks noGrp="1" noRot="1" noChangeAspect="1" noMove="1" noResize="1" noEditPoints="1" noAdjustHandles="1" noChangeArrowheads="1" noChangeShapeType="1"/>
+          </p:cNvCxnSpPr>
+          <p:nvPr>
+            <p:extLst>
+              <p:ext uri="{386F3935-93C4-4BCD-93E2-E3B085C9AB24}">
+                <p16:designElem xmlns:p16="http://schemas.microsoft.com/office/powerpoint/2015/main" val="1"/>
+              </p:ext>
+            </p:extLst>
+          </p:nvPr>
+        </p:nvCxnSpPr>
+        <p:spPr>
+          <a:xfrm flipH="1">
+            <a:off x="838200" y="6485313"/>
+            <a:ext cx="10515600" cy="0"/>
+          </a:xfrm>
+          <a:prstGeom prst="line">
+            <a:avLst/>
+          </a:prstGeom>
+          <a:ln w="57150">
+            <a:solidFill>
+              <a:schemeClr val="accent4"/>
+            </a:solidFill>
+          </a:ln>
+        </p:spPr>
+        <p:style>
+          <a:lnRef idx="1">
+            <a:schemeClr val="accent1"/>
+          </a:lnRef>
+          <a:fillRef idx="0">
+            <a:schemeClr val="accent1"/>
+          </a:fillRef>
+          <a:effectRef idx="0">
+            <a:schemeClr val="accent1"/>
+          </a:effectRef>
+          <a:fontRef idx="minor">
+            <a:schemeClr val="tx1"/>
+          </a:fontRef>
+        </p:style>
+      </p:cxnSp>
+    </p:spTree>
+    <p:extLst>
+      <p:ext uri="{BB962C8B-B14F-4D97-AF65-F5344CB8AC3E}">
+        <p14:creationId xmlns:p14="http://schemas.microsoft.com/office/powerpoint/2010/main" val="1365687807"/>
       </p:ext>
     </p:extLst>
   </p:cSld>
@@ -23593,6 +24080,1402 @@
 </file>
 
 <file path=ppt/slides/slide4.xml><?xml version="1.0" encoding="utf-8"?>
+<p:sld xmlns:a="http://schemas.openxmlformats.org/drawingml/2006/main" xmlns:r="http://schemas.openxmlformats.org/officeDocument/2006/relationships" xmlns:p="http://schemas.openxmlformats.org/presentationml/2006/main">
+  <p:cSld>
+    <p:bg>
+      <p:bgPr>
+        <a:solidFill>
+          <a:schemeClr val="bg1"/>
+        </a:solidFill>
+        <a:effectLst/>
+      </p:bgPr>
+    </p:bg>
+    <p:spTree>
+      <p:nvGrpSpPr>
+        <p:cNvPr id="1" name=""/>
+        <p:cNvGrpSpPr/>
+        <p:nvPr/>
+      </p:nvGrpSpPr>
+      <p:grpSpPr>
+        <a:xfrm>
+          <a:off x="0" y="0"/>
+          <a:ext cx="0" cy="0"/>
+          <a:chOff x="0" y="0"/>
+          <a:chExt cx="0" cy="0"/>
+        </a:xfrm>
+      </p:grpSpPr>
+      <p:sp useBgFill="1">
+        <p:nvSpPr>
+          <p:cNvPr id="8" name="Rectangle 7">
+            <a:extLst>
+              <a:ext uri="{FF2B5EF4-FFF2-40B4-BE49-F238E27FC236}">
+                <a16:creationId xmlns:a16="http://schemas.microsoft.com/office/drawing/2014/main" id="{B6CDA21F-E7AF-4C75-8395-33F58D5B0E45}"/>
+              </a:ext>
+              <a:ext uri="{C183D7F6-B498-43B3-948B-1728B52AA6E4}">
+                <adec:decorative xmlns:adec="http://schemas.microsoft.com/office/drawing/2017/decorative" val="1"/>
+              </a:ext>
+            </a:extLst>
+          </p:cNvPr>
+          <p:cNvSpPr>
+            <a:spLocks noGrp="1" noRot="1" noChangeAspect="1" noMove="1" noResize="1" noEditPoints="1" noAdjustHandles="1" noChangeArrowheads="1" noChangeShapeType="1" noTextEdit="1"/>
+          </p:cNvSpPr>
+          <p:nvPr>
+            <p:extLst>
+              <p:ext uri="{386F3935-93C4-4BCD-93E2-E3B085C9AB24}">
+                <p16:designElem xmlns:p16="http://schemas.microsoft.com/office/powerpoint/2015/main" val="1"/>
+              </p:ext>
+            </p:extLst>
+          </p:nvPr>
+        </p:nvSpPr>
+        <p:spPr>
+          <a:xfrm>
+            <a:off x="0" y="0"/>
+            <a:ext cx="12191999" cy="6857365"/>
+          </a:xfrm>
+          <a:prstGeom prst="rect">
+            <a:avLst/>
+          </a:prstGeom>
+          <a:ln>
+            <a:noFill/>
+          </a:ln>
+        </p:spPr>
+        <p:style>
+          <a:lnRef idx="2">
+            <a:schemeClr val="accent1">
+              <a:shade val="50000"/>
+            </a:schemeClr>
+          </a:lnRef>
+          <a:fillRef idx="1">
+            <a:schemeClr val="accent1"/>
+          </a:fillRef>
+          <a:effectRef idx="0">
+            <a:schemeClr val="accent1"/>
+          </a:effectRef>
+          <a:fontRef idx="minor">
+            <a:schemeClr val="lt1"/>
+          </a:fontRef>
+        </p:style>
+        <p:txBody>
+          <a:bodyPr rtlCol="0" anchor="ctr"/>
+          <a:lstStyle/>
+          <a:p>
+            <a:pPr marL="0" marR="0" lvl="0" indent="0" algn="ctr" defTabSz="914400" rtl="0" eaLnBrk="1" fontAlgn="auto" latinLnBrk="0" hangingPunct="1">
+              <a:lnSpc>
+                <a:spcPct val="100000"/>
+              </a:lnSpc>
+              <a:spcBef>
+                <a:spcPts val="0"/>
+              </a:spcBef>
+              <a:spcAft>
+                <a:spcPts val="0"/>
+              </a:spcAft>
+              <a:buClrTx/>
+              <a:buSzTx/>
+              <a:buFontTx/>
+              <a:buNone/>
+              <a:tabLst/>
+              <a:defRPr/>
+            </a:pPr>
+            <a:endParaRPr kumimoji="0" lang="en-US" sz="1800" b="0" i="0" u="none" strike="noStrike" kern="1200" cap="none" spc="0" normalizeH="0" baseline="0" noProof="0">
+              <a:ln>
+                <a:noFill/>
+              </a:ln>
+              <a:solidFill>
+                <a:prstClr val="white"/>
+              </a:solidFill>
+              <a:effectLst/>
+              <a:uLnTx/>
+              <a:uFillTx/>
+              <a:latin typeface="Calibri" panose="020F0502020204030204"/>
+              <a:ea typeface="+mn-ea"/>
+              <a:cs typeface="+mn-cs"/>
+            </a:endParaRPr>
+          </a:p>
+        </p:txBody>
+      </p:sp>
+      <p:grpSp>
+        <p:nvGrpSpPr>
+          <p:cNvPr id="10" name="Group 9">
+            <a:extLst>
+              <a:ext uri="{FF2B5EF4-FFF2-40B4-BE49-F238E27FC236}">
+                <a16:creationId xmlns:a16="http://schemas.microsoft.com/office/drawing/2014/main" id="{AE1C45F0-260A-458C-96ED-C1F6D2151219}"/>
+              </a:ext>
+              <a:ext uri="{C183D7F6-B498-43B3-948B-1728B52AA6E4}">
+                <adec:decorative xmlns:adec="http://schemas.microsoft.com/office/drawing/2017/decorative" val="1"/>
+              </a:ext>
+            </a:extLst>
+          </p:cNvPr>
+          <p:cNvGrpSpPr>
+            <a:grpSpLocks noGrp="1" noUngrp="1" noRot="1" noChangeAspect="1" noMove="1" noResize="1"/>
+          </p:cNvGrpSpPr>
+          <p:nvPr>
+            <p:extLst>
+              <p:ext uri="{386F3935-93C4-4BCD-93E2-E3B085C9AB24}">
+                <p16:designElem xmlns:p16="http://schemas.microsoft.com/office/powerpoint/2015/main" val="1"/>
+              </p:ext>
+            </p:extLst>
+          </p:nvPr>
+        </p:nvGrpSpPr>
+        <p:grpSpPr>
+          <a:xfrm>
+            <a:off x="4" y="1216597"/>
+            <a:ext cx="731521" cy="673460"/>
+            <a:chOff x="3940602" y="308034"/>
+            <a:chExt cx="2116791" cy="3428999"/>
+          </a:xfrm>
+          <a:solidFill>
+            <a:schemeClr val="accent4"/>
+          </a:solidFill>
+        </p:grpSpPr>
+        <p:sp>
+          <p:nvSpPr>
+            <p:cNvPr id="11" name="Rectangle 10">
+              <a:extLst>
+                <a:ext uri="{FF2B5EF4-FFF2-40B4-BE49-F238E27FC236}">
+                  <a16:creationId xmlns:a16="http://schemas.microsoft.com/office/drawing/2014/main" id="{A6604B49-AD5C-4590-B051-06C8222ECD99}"/>
+                </a:ext>
+                <a:ext uri="{C183D7F6-B498-43B3-948B-1728B52AA6E4}">
+                  <adec:decorative xmlns:adec="http://schemas.microsoft.com/office/drawing/2017/decorative" val="1"/>
+                </a:ext>
+              </a:extLst>
+            </p:cNvPr>
+            <p:cNvSpPr/>
+            <p:nvPr>
+              <p:extLst>
+                <p:ext uri="{386F3935-93C4-4BCD-93E2-E3B085C9AB24}">
+                  <p16:designElem xmlns:p16="http://schemas.microsoft.com/office/powerpoint/2015/main" val="1"/>
+                </p:ext>
+              </p:extLst>
+            </p:nvPr>
+          </p:nvSpPr>
+          <p:spPr>
+            <a:xfrm>
+              <a:off x="3940602" y="308034"/>
+              <a:ext cx="566743" cy="3428999"/>
+            </a:xfrm>
+            <a:prstGeom prst="rect">
+              <a:avLst/>
+            </a:prstGeom>
+            <a:grpFill/>
+            <a:ln>
+              <a:noFill/>
+            </a:ln>
+          </p:spPr>
+          <p:style>
+            <a:lnRef idx="2">
+              <a:schemeClr val="accent1">
+                <a:shade val="50000"/>
+              </a:schemeClr>
+            </a:lnRef>
+            <a:fillRef idx="1">
+              <a:schemeClr val="accent1"/>
+            </a:fillRef>
+            <a:effectRef idx="0">
+              <a:schemeClr val="accent1"/>
+            </a:effectRef>
+            <a:fontRef idx="minor">
+              <a:schemeClr val="lt1"/>
+            </a:fontRef>
+          </p:style>
+          <p:txBody>
+            <a:bodyPr rtlCol="0" anchor="ctr"/>
+            <a:lstStyle/>
+            <a:p>
+              <a:pPr marL="0" marR="0" lvl="0" indent="0" algn="ctr" defTabSz="914400" rtl="0" eaLnBrk="1" fontAlgn="auto" latinLnBrk="0" hangingPunct="1">
+                <a:lnSpc>
+                  <a:spcPct val="100000"/>
+                </a:lnSpc>
+                <a:spcBef>
+                  <a:spcPts val="0"/>
+                </a:spcBef>
+                <a:spcAft>
+                  <a:spcPts val="0"/>
+                </a:spcAft>
+                <a:buClrTx/>
+                <a:buSzTx/>
+                <a:buFontTx/>
+                <a:buNone/>
+                <a:tabLst/>
+                <a:defRPr/>
+              </a:pPr>
+              <a:endParaRPr kumimoji="0" lang="en-US" sz="1800" b="0" i="0" u="none" strike="noStrike" kern="1200" cap="none" spc="0" normalizeH="0" baseline="0" noProof="0">
+                <a:ln>
+                  <a:noFill/>
+                </a:ln>
+                <a:solidFill>
+                  <a:prstClr val="white"/>
+                </a:solidFill>
+                <a:effectLst/>
+                <a:uLnTx/>
+                <a:uFillTx/>
+                <a:latin typeface="Calibri" panose="020F0502020204030204"/>
+                <a:ea typeface="+mn-ea"/>
+                <a:cs typeface="+mn-cs"/>
+              </a:endParaRPr>
+            </a:p>
+          </p:txBody>
+        </p:sp>
+        <p:sp>
+          <p:nvSpPr>
+            <p:cNvPr id="12" name="Rectangle 11">
+              <a:extLst>
+                <a:ext uri="{FF2B5EF4-FFF2-40B4-BE49-F238E27FC236}">
+                  <a16:creationId xmlns:a16="http://schemas.microsoft.com/office/drawing/2014/main" id="{743ECCAF-29C5-4537-947C-7EA1292463DB}"/>
+                </a:ext>
+                <a:ext uri="{C183D7F6-B498-43B3-948B-1728B52AA6E4}">
+                  <adec:decorative xmlns:adec="http://schemas.microsoft.com/office/drawing/2017/decorative" val="1"/>
+                </a:ext>
+              </a:extLst>
+            </p:cNvPr>
+            <p:cNvSpPr/>
+            <p:nvPr>
+              <p:extLst>
+                <p:ext uri="{386F3935-93C4-4BCD-93E2-E3B085C9AB24}">
+                  <p16:designElem xmlns:p16="http://schemas.microsoft.com/office/powerpoint/2015/main" val="1"/>
+                </p:ext>
+              </p:extLst>
+            </p:nvPr>
+          </p:nvSpPr>
+          <p:spPr>
+            <a:xfrm>
+              <a:off x="4715626" y="308034"/>
+              <a:ext cx="566743" cy="3428999"/>
+            </a:xfrm>
+            <a:prstGeom prst="rect">
+              <a:avLst/>
+            </a:prstGeom>
+            <a:grpFill/>
+            <a:ln>
+              <a:noFill/>
+            </a:ln>
+          </p:spPr>
+          <p:style>
+            <a:lnRef idx="2">
+              <a:schemeClr val="accent1">
+                <a:shade val="50000"/>
+              </a:schemeClr>
+            </a:lnRef>
+            <a:fillRef idx="1">
+              <a:schemeClr val="accent1"/>
+            </a:fillRef>
+            <a:effectRef idx="0">
+              <a:schemeClr val="accent1"/>
+            </a:effectRef>
+            <a:fontRef idx="minor">
+              <a:schemeClr val="lt1"/>
+            </a:fontRef>
+          </p:style>
+          <p:txBody>
+            <a:bodyPr rtlCol="0" anchor="ctr"/>
+            <a:lstStyle/>
+            <a:p>
+              <a:pPr marL="0" marR="0" lvl="0" indent="0" algn="ctr" defTabSz="914400" rtl="0" eaLnBrk="1" fontAlgn="auto" latinLnBrk="0" hangingPunct="1">
+                <a:lnSpc>
+                  <a:spcPct val="100000"/>
+                </a:lnSpc>
+                <a:spcBef>
+                  <a:spcPts val="0"/>
+                </a:spcBef>
+                <a:spcAft>
+                  <a:spcPts val="0"/>
+                </a:spcAft>
+                <a:buClrTx/>
+                <a:buSzTx/>
+                <a:buFontTx/>
+                <a:buNone/>
+                <a:tabLst/>
+                <a:defRPr/>
+              </a:pPr>
+              <a:endParaRPr kumimoji="0" lang="en-US" sz="1800" b="0" i="0" u="none" strike="noStrike" kern="1200" cap="none" spc="0" normalizeH="0" baseline="0" noProof="0">
+                <a:ln>
+                  <a:noFill/>
+                </a:ln>
+                <a:solidFill>
+                  <a:prstClr val="white"/>
+                </a:solidFill>
+                <a:effectLst/>
+                <a:uLnTx/>
+                <a:uFillTx/>
+                <a:latin typeface="Calibri" panose="020F0502020204030204"/>
+                <a:ea typeface="+mn-ea"/>
+                <a:cs typeface="+mn-cs"/>
+              </a:endParaRPr>
+            </a:p>
+          </p:txBody>
+        </p:sp>
+        <p:sp>
+          <p:nvSpPr>
+            <p:cNvPr id="13" name="Rectangle 12">
+              <a:extLst>
+                <a:ext uri="{FF2B5EF4-FFF2-40B4-BE49-F238E27FC236}">
+                  <a16:creationId xmlns:a16="http://schemas.microsoft.com/office/drawing/2014/main" id="{ED49787B-8DE6-4467-AD0A-8DECC6E0C2D6}"/>
+                </a:ext>
+                <a:ext uri="{C183D7F6-B498-43B3-948B-1728B52AA6E4}">
+                  <adec:decorative xmlns:adec="http://schemas.microsoft.com/office/drawing/2017/decorative" val="1"/>
+                </a:ext>
+              </a:extLst>
+            </p:cNvPr>
+            <p:cNvSpPr/>
+            <p:nvPr>
+              <p:extLst>
+                <p:ext uri="{386F3935-93C4-4BCD-93E2-E3B085C9AB24}">
+                  <p16:designElem xmlns:p16="http://schemas.microsoft.com/office/powerpoint/2015/main" val="1"/>
+                </p:ext>
+              </p:extLst>
+            </p:nvPr>
+          </p:nvSpPr>
+          <p:spPr>
+            <a:xfrm>
+              <a:off x="5490650" y="308034"/>
+              <a:ext cx="566743" cy="3428999"/>
+            </a:xfrm>
+            <a:prstGeom prst="rect">
+              <a:avLst/>
+            </a:prstGeom>
+            <a:grpFill/>
+            <a:ln>
+              <a:noFill/>
+            </a:ln>
+          </p:spPr>
+          <p:style>
+            <a:lnRef idx="2">
+              <a:schemeClr val="accent1">
+                <a:shade val="50000"/>
+              </a:schemeClr>
+            </a:lnRef>
+            <a:fillRef idx="1">
+              <a:schemeClr val="accent1"/>
+            </a:fillRef>
+            <a:effectRef idx="0">
+              <a:schemeClr val="accent1"/>
+            </a:effectRef>
+            <a:fontRef idx="minor">
+              <a:schemeClr val="lt1"/>
+            </a:fontRef>
+          </p:style>
+          <p:txBody>
+            <a:bodyPr rtlCol="0" anchor="ctr"/>
+            <a:lstStyle/>
+            <a:p>
+              <a:pPr marL="0" marR="0" lvl="0" indent="0" algn="ctr" defTabSz="914400" rtl="0" eaLnBrk="1" fontAlgn="auto" latinLnBrk="0" hangingPunct="1">
+                <a:lnSpc>
+                  <a:spcPct val="100000"/>
+                </a:lnSpc>
+                <a:spcBef>
+                  <a:spcPts val="0"/>
+                </a:spcBef>
+                <a:spcAft>
+                  <a:spcPts val="0"/>
+                </a:spcAft>
+                <a:buClrTx/>
+                <a:buSzTx/>
+                <a:buFontTx/>
+                <a:buNone/>
+                <a:tabLst/>
+                <a:defRPr/>
+              </a:pPr>
+              <a:endParaRPr kumimoji="0" lang="en-US" sz="1800" b="0" i="0" u="none" strike="noStrike" kern="1200" cap="none" spc="0" normalizeH="0" baseline="0" noProof="0">
+                <a:ln>
+                  <a:noFill/>
+                </a:ln>
+                <a:solidFill>
+                  <a:prstClr val="white"/>
+                </a:solidFill>
+                <a:effectLst/>
+                <a:uLnTx/>
+                <a:uFillTx/>
+                <a:latin typeface="Calibri" panose="020F0502020204030204"/>
+                <a:ea typeface="+mn-ea"/>
+                <a:cs typeface="+mn-cs"/>
+              </a:endParaRPr>
+            </a:p>
+          </p:txBody>
+        </p:sp>
+      </p:grpSp>
+      <p:sp>
+        <p:nvSpPr>
+          <p:cNvPr id="15" name="Rectangle 14">
+            <a:extLst>
+              <a:ext uri="{FF2B5EF4-FFF2-40B4-BE49-F238E27FC236}">
+                <a16:creationId xmlns:a16="http://schemas.microsoft.com/office/drawing/2014/main" id="{D5B0017B-2ECA-49AF-B397-DC140825DF8D}"/>
+              </a:ext>
+              <a:ext uri="{C183D7F6-B498-43B3-948B-1728B52AA6E4}">
+                <adec:decorative xmlns:adec="http://schemas.microsoft.com/office/drawing/2017/decorative" val="1"/>
+              </a:ext>
+            </a:extLst>
+          </p:cNvPr>
+          <p:cNvSpPr>
+            <a:spLocks noGrp="1" noRot="1" noChangeAspect="1" noMove="1" noResize="1" noEditPoints="1" noAdjustHandles="1" noChangeArrowheads="1" noChangeShapeType="1" noTextEdit="1"/>
+          </p:cNvSpPr>
+          <p:nvPr>
+            <p:extLst>
+              <p:ext uri="{386F3935-93C4-4BCD-93E2-E3B085C9AB24}">
+                <p16:designElem xmlns:p16="http://schemas.microsoft.com/office/powerpoint/2015/main" val="1"/>
+              </p:ext>
+            </p:extLst>
+          </p:nvPr>
+        </p:nvSpPr>
+        <p:spPr>
+          <a:xfrm>
+            <a:off x="640079" y="613954"/>
+            <a:ext cx="10907487" cy="1894116"/>
+          </a:xfrm>
+          <a:prstGeom prst="rect">
+            <a:avLst/>
+          </a:prstGeom>
+          <a:solidFill>
+            <a:schemeClr val="bg1"/>
+          </a:solidFill>
+          <a:ln>
+            <a:noFill/>
+          </a:ln>
+          <a:effectLst>
+            <a:outerShdw blurRad="139700" dist="127000" dir="5400000" algn="t" rotWithShape="0">
+              <a:prstClr val="black">
+                <a:alpha val="15000"/>
+              </a:prstClr>
+            </a:outerShdw>
+          </a:effectLst>
+        </p:spPr>
+        <p:style>
+          <a:lnRef idx="2">
+            <a:schemeClr val="accent1">
+              <a:shade val="50000"/>
+            </a:schemeClr>
+          </a:lnRef>
+          <a:fillRef idx="1">
+            <a:schemeClr val="accent1"/>
+          </a:fillRef>
+          <a:effectRef idx="0">
+            <a:schemeClr val="accent1"/>
+          </a:effectRef>
+          <a:fontRef idx="minor">
+            <a:schemeClr val="lt1"/>
+          </a:fontRef>
+        </p:style>
+        <p:txBody>
+          <a:bodyPr rtlCol="0" anchor="ctr"/>
+          <a:lstStyle/>
+          <a:p>
+            <a:pPr marL="0" marR="0" lvl="0" indent="0" algn="ctr" defTabSz="914400" rtl="0" eaLnBrk="1" fontAlgn="auto" latinLnBrk="0" hangingPunct="1">
+              <a:lnSpc>
+                <a:spcPct val="100000"/>
+              </a:lnSpc>
+              <a:spcBef>
+                <a:spcPts val="0"/>
+              </a:spcBef>
+              <a:spcAft>
+                <a:spcPts val="0"/>
+              </a:spcAft>
+              <a:buClrTx/>
+              <a:buSzTx/>
+              <a:buFontTx/>
+              <a:buNone/>
+              <a:tabLst/>
+              <a:defRPr/>
+            </a:pPr>
+            <a:endParaRPr kumimoji="0" lang="en-US" sz="1800" b="0" i="0" u="none" strike="noStrike" kern="1200" cap="none" spc="0" normalizeH="0" baseline="0" noProof="0">
+              <a:ln>
+                <a:noFill/>
+              </a:ln>
+              <a:solidFill>
+                <a:prstClr val="white"/>
+              </a:solidFill>
+              <a:effectLst/>
+              <a:uLnTx/>
+              <a:uFillTx/>
+              <a:latin typeface="Calibri" panose="020F0502020204030204"/>
+              <a:ea typeface="+mn-ea"/>
+              <a:cs typeface="+mn-cs"/>
+            </a:endParaRPr>
+          </a:p>
+        </p:txBody>
+      </p:sp>
+      <p:sp>
+        <p:nvSpPr>
+          <p:cNvPr id="2" name="Title 1">
+            <a:extLst>
+              <a:ext uri="{FF2B5EF4-FFF2-40B4-BE49-F238E27FC236}">
+                <a16:creationId xmlns:a16="http://schemas.microsoft.com/office/drawing/2014/main" id="{7CAA21ED-DBDC-FCA1-8E00-8471782FD48C}"/>
+              </a:ext>
+            </a:extLst>
+          </p:cNvPr>
+          <p:cNvSpPr>
+            <a:spLocks noGrp="1"/>
+          </p:cNvSpPr>
+          <p:nvPr>
+            <p:ph type="title"/>
+          </p:nvPr>
+        </p:nvSpPr>
+        <p:spPr>
+          <a:xfrm>
+            <a:off x="1043631" y="809898"/>
+            <a:ext cx="9942716" cy="1554480"/>
+          </a:xfrm>
+        </p:spPr>
+        <p:txBody>
+          <a:bodyPr anchor="ctr">
+            <a:normAutofit/>
+          </a:bodyPr>
+          <a:lstStyle/>
+          <a:p>
+            <a:r>
+              <a:rPr lang="en-US" sz="4800" dirty="0">
+                <a:solidFill>
+                  <a:srgbClr val="343541"/>
+                </a:solidFill>
+                <a:latin typeface="Söhne"/>
+              </a:rPr>
+              <a:t>Related Work</a:t>
+            </a:r>
+            <a:endParaRPr lang="en-US" sz="4800" dirty="0"/>
+          </a:p>
+        </p:txBody>
+      </p:sp>
+      <p:sp>
+        <p:nvSpPr>
+          <p:cNvPr id="3" name="Content Placeholder 2">
+            <a:extLst>
+              <a:ext uri="{FF2B5EF4-FFF2-40B4-BE49-F238E27FC236}">
+                <a16:creationId xmlns:a16="http://schemas.microsoft.com/office/drawing/2014/main" id="{58FF8904-DDDD-C69E-A9BF-D99F54B794C5}"/>
+              </a:ext>
+            </a:extLst>
+          </p:cNvPr>
+          <p:cNvSpPr>
+            <a:spLocks noGrp="1"/>
+          </p:cNvSpPr>
+          <p:nvPr>
+            <p:ph idx="1"/>
+          </p:nvPr>
+        </p:nvSpPr>
+        <p:spPr>
+          <a:xfrm>
+            <a:off x="1045028" y="3017522"/>
+            <a:ext cx="9941319" cy="3124658"/>
+          </a:xfrm>
+        </p:spPr>
+        <p:txBody>
+          <a:bodyPr anchor="ctr">
+            <a:normAutofit lnSpcReduction="10000"/>
+          </a:bodyPr>
+          <a:lstStyle/>
+          <a:p>
+            <a:r>
+              <a:rPr lang="en-US" sz="2400" b="1" dirty="0"/>
+              <a:t>Tree-based broadcast algorithms</a:t>
+            </a:r>
+            <a:r>
+              <a:rPr lang="en-US" sz="2400" dirty="0"/>
+              <a:t>: A set of broadcast algorithms that consistently and efficiently convey messages using a tree-based topology is known as tree-based broadcast algorithms.</a:t>
+            </a:r>
+          </a:p>
+          <a:p>
+            <a:r>
+              <a:rPr lang="en-US" sz="2400" b="1" dirty="0"/>
+              <a:t>Algorithms for logical reliable broadcast</a:t>
+            </a:r>
+            <a:r>
+              <a:rPr lang="en-US" sz="2400" dirty="0"/>
+              <a:t>: Another popular broadcast algorithm, logical reliable broadcast ensures effective and dependable message delivery in dispersed systems.</a:t>
+            </a:r>
+          </a:p>
+          <a:p>
+            <a:r>
+              <a:rPr lang="en-US" sz="2400" b="1" dirty="0"/>
+              <a:t>Hardware-aware broadcast algorithms</a:t>
+            </a:r>
+            <a:r>
+              <a:rPr lang="en-US" sz="2400" dirty="0"/>
+              <a:t>: To increase performance and reliability, hardware-aware broadcast algorithms take advantage of the hardware-level capabilities of contemporary multicore processors.</a:t>
+            </a:r>
+          </a:p>
+        </p:txBody>
+      </p:sp>
+      <p:cxnSp>
+        <p:nvCxnSpPr>
+          <p:cNvPr id="17" name="Straight Connector 16">
+            <a:extLst>
+              <a:ext uri="{FF2B5EF4-FFF2-40B4-BE49-F238E27FC236}">
+                <a16:creationId xmlns:a16="http://schemas.microsoft.com/office/drawing/2014/main" id="{6CF1BAF6-AD41-4082-B212-8A1F9A2E8779}"/>
+              </a:ext>
+              <a:ext uri="{C183D7F6-B498-43B3-948B-1728B52AA6E4}">
+                <adec:decorative xmlns:adec="http://schemas.microsoft.com/office/drawing/2017/decorative" val="1"/>
+              </a:ext>
+            </a:extLst>
+          </p:cNvPr>
+          <p:cNvCxnSpPr>
+            <a:cxnSpLocks noGrp="1" noRot="1" noChangeAspect="1" noMove="1" noResize="1" noEditPoints="1" noAdjustHandles="1" noChangeArrowheads="1" noChangeShapeType="1"/>
+          </p:cNvCxnSpPr>
+          <p:nvPr>
+            <p:extLst>
+              <p:ext uri="{386F3935-93C4-4BCD-93E2-E3B085C9AB24}">
+                <p16:designElem xmlns:p16="http://schemas.microsoft.com/office/powerpoint/2015/main" val="1"/>
+              </p:ext>
+            </p:extLst>
+          </p:nvPr>
+        </p:nvCxnSpPr>
+        <p:spPr>
+          <a:xfrm flipH="1">
+            <a:off x="838200" y="6485313"/>
+            <a:ext cx="10515600" cy="0"/>
+          </a:xfrm>
+          <a:prstGeom prst="line">
+            <a:avLst/>
+          </a:prstGeom>
+          <a:ln w="57150">
+            <a:solidFill>
+              <a:schemeClr val="accent4"/>
+            </a:solidFill>
+          </a:ln>
+        </p:spPr>
+        <p:style>
+          <a:lnRef idx="1">
+            <a:schemeClr val="accent1"/>
+          </a:lnRef>
+          <a:fillRef idx="0">
+            <a:schemeClr val="accent1"/>
+          </a:fillRef>
+          <a:effectRef idx="0">
+            <a:schemeClr val="accent1"/>
+          </a:effectRef>
+          <a:fontRef idx="minor">
+            <a:schemeClr val="tx1"/>
+          </a:fontRef>
+        </p:style>
+      </p:cxnSp>
+    </p:spTree>
+    <p:extLst>
+      <p:ext uri="{BB962C8B-B14F-4D97-AF65-F5344CB8AC3E}">
+        <p14:creationId xmlns:p14="http://schemas.microsoft.com/office/powerpoint/2010/main" val="387090916"/>
+      </p:ext>
+    </p:extLst>
+  </p:cSld>
+  <p:clrMapOvr>
+    <a:masterClrMapping/>
+  </p:clrMapOvr>
+</p:sld>
+</file>
+
+<file path=ppt/slides/slide5.xml><?xml version="1.0" encoding="utf-8"?>
+<p:sld xmlns:a="http://schemas.openxmlformats.org/drawingml/2006/main" xmlns:r="http://schemas.openxmlformats.org/officeDocument/2006/relationships" xmlns:p="http://schemas.openxmlformats.org/presentationml/2006/main">
+  <p:cSld>
+    <p:bg>
+      <p:bgPr>
+        <a:solidFill>
+          <a:schemeClr val="bg1"/>
+        </a:solidFill>
+        <a:effectLst/>
+      </p:bgPr>
+    </p:bg>
+    <p:spTree>
+      <p:nvGrpSpPr>
+        <p:cNvPr id="1" name=""/>
+        <p:cNvGrpSpPr/>
+        <p:nvPr/>
+      </p:nvGrpSpPr>
+      <p:grpSpPr>
+        <a:xfrm>
+          <a:off x="0" y="0"/>
+          <a:ext cx="0" cy="0"/>
+          <a:chOff x="0" y="0"/>
+          <a:chExt cx="0" cy="0"/>
+        </a:xfrm>
+      </p:grpSpPr>
+      <p:sp useBgFill="1">
+        <p:nvSpPr>
+          <p:cNvPr id="8" name="Rectangle 7">
+            <a:extLst>
+              <a:ext uri="{FF2B5EF4-FFF2-40B4-BE49-F238E27FC236}">
+                <a16:creationId xmlns:a16="http://schemas.microsoft.com/office/drawing/2014/main" id="{B6CDA21F-E7AF-4C75-8395-33F58D5B0E45}"/>
+              </a:ext>
+              <a:ext uri="{C183D7F6-B498-43B3-948B-1728B52AA6E4}">
+                <adec:decorative xmlns:adec="http://schemas.microsoft.com/office/drawing/2017/decorative" val="1"/>
+              </a:ext>
+            </a:extLst>
+          </p:cNvPr>
+          <p:cNvSpPr>
+            <a:spLocks noGrp="1" noRot="1" noChangeAspect="1" noMove="1" noResize="1" noEditPoints="1" noAdjustHandles="1" noChangeArrowheads="1" noChangeShapeType="1" noTextEdit="1"/>
+          </p:cNvSpPr>
+          <p:nvPr>
+            <p:extLst>
+              <p:ext uri="{386F3935-93C4-4BCD-93E2-E3B085C9AB24}">
+                <p16:designElem xmlns:p16="http://schemas.microsoft.com/office/powerpoint/2015/main" val="1"/>
+              </p:ext>
+            </p:extLst>
+          </p:nvPr>
+        </p:nvSpPr>
+        <p:spPr>
+          <a:xfrm>
+            <a:off x="0" y="0"/>
+            <a:ext cx="12191999" cy="6857365"/>
+          </a:xfrm>
+          <a:prstGeom prst="rect">
+            <a:avLst/>
+          </a:prstGeom>
+          <a:ln>
+            <a:noFill/>
+          </a:ln>
+        </p:spPr>
+        <p:style>
+          <a:lnRef idx="2">
+            <a:schemeClr val="accent1">
+              <a:shade val="50000"/>
+            </a:schemeClr>
+          </a:lnRef>
+          <a:fillRef idx="1">
+            <a:schemeClr val="accent1"/>
+          </a:fillRef>
+          <a:effectRef idx="0">
+            <a:schemeClr val="accent1"/>
+          </a:effectRef>
+          <a:fontRef idx="minor">
+            <a:schemeClr val="lt1"/>
+          </a:fontRef>
+        </p:style>
+        <p:txBody>
+          <a:bodyPr rtlCol="0" anchor="ctr"/>
+          <a:lstStyle/>
+          <a:p>
+            <a:pPr marL="0" marR="0" lvl="0" indent="0" algn="ctr" defTabSz="914400" rtl="0" eaLnBrk="1" fontAlgn="auto" latinLnBrk="0" hangingPunct="1">
+              <a:lnSpc>
+                <a:spcPct val="100000"/>
+              </a:lnSpc>
+              <a:spcBef>
+                <a:spcPts val="0"/>
+              </a:spcBef>
+              <a:spcAft>
+                <a:spcPts val="0"/>
+              </a:spcAft>
+              <a:buClrTx/>
+              <a:buSzTx/>
+              <a:buFontTx/>
+              <a:buNone/>
+              <a:tabLst/>
+              <a:defRPr/>
+            </a:pPr>
+            <a:endParaRPr kumimoji="0" lang="en-US" sz="1800" b="0" i="0" u="none" strike="noStrike" kern="1200" cap="none" spc="0" normalizeH="0" baseline="0" noProof="0">
+              <a:ln>
+                <a:noFill/>
+              </a:ln>
+              <a:solidFill>
+                <a:prstClr val="white"/>
+              </a:solidFill>
+              <a:effectLst/>
+              <a:uLnTx/>
+              <a:uFillTx/>
+              <a:latin typeface="Calibri" panose="020F0502020204030204"/>
+              <a:ea typeface="+mn-ea"/>
+              <a:cs typeface="+mn-cs"/>
+            </a:endParaRPr>
+          </a:p>
+        </p:txBody>
+      </p:sp>
+      <p:grpSp>
+        <p:nvGrpSpPr>
+          <p:cNvPr id="10" name="Group 9">
+            <a:extLst>
+              <a:ext uri="{FF2B5EF4-FFF2-40B4-BE49-F238E27FC236}">
+                <a16:creationId xmlns:a16="http://schemas.microsoft.com/office/drawing/2014/main" id="{AE1C45F0-260A-458C-96ED-C1F6D2151219}"/>
+              </a:ext>
+              <a:ext uri="{C183D7F6-B498-43B3-948B-1728B52AA6E4}">
+                <adec:decorative xmlns:adec="http://schemas.microsoft.com/office/drawing/2017/decorative" val="1"/>
+              </a:ext>
+            </a:extLst>
+          </p:cNvPr>
+          <p:cNvGrpSpPr>
+            <a:grpSpLocks noGrp="1" noUngrp="1" noRot="1" noChangeAspect="1" noMove="1" noResize="1"/>
+          </p:cNvGrpSpPr>
+          <p:nvPr>
+            <p:extLst>
+              <p:ext uri="{386F3935-93C4-4BCD-93E2-E3B085C9AB24}">
+                <p16:designElem xmlns:p16="http://schemas.microsoft.com/office/powerpoint/2015/main" val="1"/>
+              </p:ext>
+            </p:extLst>
+          </p:nvPr>
+        </p:nvGrpSpPr>
+        <p:grpSpPr>
+          <a:xfrm>
+            <a:off x="4" y="1216597"/>
+            <a:ext cx="731521" cy="673460"/>
+            <a:chOff x="3940602" y="308034"/>
+            <a:chExt cx="2116791" cy="3428999"/>
+          </a:xfrm>
+          <a:solidFill>
+            <a:schemeClr val="accent4"/>
+          </a:solidFill>
+        </p:grpSpPr>
+        <p:sp>
+          <p:nvSpPr>
+            <p:cNvPr id="11" name="Rectangle 10">
+              <a:extLst>
+                <a:ext uri="{FF2B5EF4-FFF2-40B4-BE49-F238E27FC236}">
+                  <a16:creationId xmlns:a16="http://schemas.microsoft.com/office/drawing/2014/main" id="{A6604B49-AD5C-4590-B051-06C8222ECD99}"/>
+                </a:ext>
+                <a:ext uri="{C183D7F6-B498-43B3-948B-1728B52AA6E4}">
+                  <adec:decorative xmlns:adec="http://schemas.microsoft.com/office/drawing/2017/decorative" val="1"/>
+                </a:ext>
+              </a:extLst>
+            </p:cNvPr>
+            <p:cNvSpPr/>
+            <p:nvPr>
+              <p:extLst>
+                <p:ext uri="{386F3935-93C4-4BCD-93E2-E3B085C9AB24}">
+                  <p16:designElem xmlns:p16="http://schemas.microsoft.com/office/powerpoint/2015/main" val="1"/>
+                </p:ext>
+              </p:extLst>
+            </p:nvPr>
+          </p:nvSpPr>
+          <p:spPr>
+            <a:xfrm>
+              <a:off x="3940602" y="308034"/>
+              <a:ext cx="566743" cy="3428999"/>
+            </a:xfrm>
+            <a:prstGeom prst="rect">
+              <a:avLst/>
+            </a:prstGeom>
+            <a:grpFill/>
+            <a:ln>
+              <a:noFill/>
+            </a:ln>
+          </p:spPr>
+          <p:style>
+            <a:lnRef idx="2">
+              <a:schemeClr val="accent1">
+                <a:shade val="50000"/>
+              </a:schemeClr>
+            </a:lnRef>
+            <a:fillRef idx="1">
+              <a:schemeClr val="accent1"/>
+            </a:fillRef>
+            <a:effectRef idx="0">
+              <a:schemeClr val="accent1"/>
+            </a:effectRef>
+            <a:fontRef idx="minor">
+              <a:schemeClr val="lt1"/>
+            </a:fontRef>
+          </p:style>
+          <p:txBody>
+            <a:bodyPr rtlCol="0" anchor="ctr"/>
+            <a:lstStyle/>
+            <a:p>
+              <a:pPr marL="0" marR="0" lvl="0" indent="0" algn="ctr" defTabSz="914400" rtl="0" eaLnBrk="1" fontAlgn="auto" latinLnBrk="0" hangingPunct="1">
+                <a:lnSpc>
+                  <a:spcPct val="100000"/>
+                </a:lnSpc>
+                <a:spcBef>
+                  <a:spcPts val="0"/>
+                </a:spcBef>
+                <a:spcAft>
+                  <a:spcPts val="0"/>
+                </a:spcAft>
+                <a:buClrTx/>
+                <a:buSzTx/>
+                <a:buFontTx/>
+                <a:buNone/>
+                <a:tabLst/>
+                <a:defRPr/>
+              </a:pPr>
+              <a:endParaRPr kumimoji="0" lang="en-US" sz="1800" b="0" i="0" u="none" strike="noStrike" kern="1200" cap="none" spc="0" normalizeH="0" baseline="0" noProof="0">
+                <a:ln>
+                  <a:noFill/>
+                </a:ln>
+                <a:solidFill>
+                  <a:prstClr val="white"/>
+                </a:solidFill>
+                <a:effectLst/>
+                <a:uLnTx/>
+                <a:uFillTx/>
+                <a:latin typeface="Calibri" panose="020F0502020204030204"/>
+                <a:ea typeface="+mn-ea"/>
+                <a:cs typeface="+mn-cs"/>
+              </a:endParaRPr>
+            </a:p>
+          </p:txBody>
+        </p:sp>
+        <p:sp>
+          <p:nvSpPr>
+            <p:cNvPr id="12" name="Rectangle 11">
+              <a:extLst>
+                <a:ext uri="{FF2B5EF4-FFF2-40B4-BE49-F238E27FC236}">
+                  <a16:creationId xmlns:a16="http://schemas.microsoft.com/office/drawing/2014/main" id="{743ECCAF-29C5-4537-947C-7EA1292463DB}"/>
+                </a:ext>
+                <a:ext uri="{C183D7F6-B498-43B3-948B-1728B52AA6E4}">
+                  <adec:decorative xmlns:adec="http://schemas.microsoft.com/office/drawing/2017/decorative" val="1"/>
+                </a:ext>
+              </a:extLst>
+            </p:cNvPr>
+            <p:cNvSpPr/>
+            <p:nvPr>
+              <p:extLst>
+                <p:ext uri="{386F3935-93C4-4BCD-93E2-E3B085C9AB24}">
+                  <p16:designElem xmlns:p16="http://schemas.microsoft.com/office/powerpoint/2015/main" val="1"/>
+                </p:ext>
+              </p:extLst>
+            </p:nvPr>
+          </p:nvSpPr>
+          <p:spPr>
+            <a:xfrm>
+              <a:off x="4715626" y="308034"/>
+              <a:ext cx="566743" cy="3428999"/>
+            </a:xfrm>
+            <a:prstGeom prst="rect">
+              <a:avLst/>
+            </a:prstGeom>
+            <a:grpFill/>
+            <a:ln>
+              <a:noFill/>
+            </a:ln>
+          </p:spPr>
+          <p:style>
+            <a:lnRef idx="2">
+              <a:schemeClr val="accent1">
+                <a:shade val="50000"/>
+              </a:schemeClr>
+            </a:lnRef>
+            <a:fillRef idx="1">
+              <a:schemeClr val="accent1"/>
+            </a:fillRef>
+            <a:effectRef idx="0">
+              <a:schemeClr val="accent1"/>
+            </a:effectRef>
+            <a:fontRef idx="minor">
+              <a:schemeClr val="lt1"/>
+            </a:fontRef>
+          </p:style>
+          <p:txBody>
+            <a:bodyPr rtlCol="0" anchor="ctr"/>
+            <a:lstStyle/>
+            <a:p>
+              <a:pPr marL="0" marR="0" lvl="0" indent="0" algn="ctr" defTabSz="914400" rtl="0" eaLnBrk="1" fontAlgn="auto" latinLnBrk="0" hangingPunct="1">
+                <a:lnSpc>
+                  <a:spcPct val="100000"/>
+                </a:lnSpc>
+                <a:spcBef>
+                  <a:spcPts val="0"/>
+                </a:spcBef>
+                <a:spcAft>
+                  <a:spcPts val="0"/>
+                </a:spcAft>
+                <a:buClrTx/>
+                <a:buSzTx/>
+                <a:buFontTx/>
+                <a:buNone/>
+                <a:tabLst/>
+                <a:defRPr/>
+              </a:pPr>
+              <a:endParaRPr kumimoji="0" lang="en-US" sz="1800" b="0" i="0" u="none" strike="noStrike" kern="1200" cap="none" spc="0" normalizeH="0" baseline="0" noProof="0">
+                <a:ln>
+                  <a:noFill/>
+                </a:ln>
+                <a:solidFill>
+                  <a:prstClr val="white"/>
+                </a:solidFill>
+                <a:effectLst/>
+                <a:uLnTx/>
+                <a:uFillTx/>
+                <a:latin typeface="Calibri" panose="020F0502020204030204"/>
+                <a:ea typeface="+mn-ea"/>
+                <a:cs typeface="+mn-cs"/>
+              </a:endParaRPr>
+            </a:p>
+          </p:txBody>
+        </p:sp>
+        <p:sp>
+          <p:nvSpPr>
+            <p:cNvPr id="13" name="Rectangle 12">
+              <a:extLst>
+                <a:ext uri="{FF2B5EF4-FFF2-40B4-BE49-F238E27FC236}">
+                  <a16:creationId xmlns:a16="http://schemas.microsoft.com/office/drawing/2014/main" id="{ED49787B-8DE6-4467-AD0A-8DECC6E0C2D6}"/>
+                </a:ext>
+                <a:ext uri="{C183D7F6-B498-43B3-948B-1728B52AA6E4}">
+                  <adec:decorative xmlns:adec="http://schemas.microsoft.com/office/drawing/2017/decorative" val="1"/>
+                </a:ext>
+              </a:extLst>
+            </p:cNvPr>
+            <p:cNvSpPr/>
+            <p:nvPr>
+              <p:extLst>
+                <p:ext uri="{386F3935-93C4-4BCD-93E2-E3B085C9AB24}">
+                  <p16:designElem xmlns:p16="http://schemas.microsoft.com/office/powerpoint/2015/main" val="1"/>
+                </p:ext>
+              </p:extLst>
+            </p:nvPr>
+          </p:nvSpPr>
+          <p:spPr>
+            <a:xfrm>
+              <a:off x="5490650" y="308034"/>
+              <a:ext cx="566743" cy="3428999"/>
+            </a:xfrm>
+            <a:prstGeom prst="rect">
+              <a:avLst/>
+            </a:prstGeom>
+            <a:grpFill/>
+            <a:ln>
+              <a:noFill/>
+            </a:ln>
+          </p:spPr>
+          <p:style>
+            <a:lnRef idx="2">
+              <a:schemeClr val="accent1">
+                <a:shade val="50000"/>
+              </a:schemeClr>
+            </a:lnRef>
+            <a:fillRef idx="1">
+              <a:schemeClr val="accent1"/>
+            </a:fillRef>
+            <a:effectRef idx="0">
+              <a:schemeClr val="accent1"/>
+            </a:effectRef>
+            <a:fontRef idx="minor">
+              <a:schemeClr val="lt1"/>
+            </a:fontRef>
+          </p:style>
+          <p:txBody>
+            <a:bodyPr rtlCol="0" anchor="ctr"/>
+            <a:lstStyle/>
+            <a:p>
+              <a:pPr marL="0" marR="0" lvl="0" indent="0" algn="ctr" defTabSz="914400" rtl="0" eaLnBrk="1" fontAlgn="auto" latinLnBrk="0" hangingPunct="1">
+                <a:lnSpc>
+                  <a:spcPct val="100000"/>
+                </a:lnSpc>
+                <a:spcBef>
+                  <a:spcPts val="0"/>
+                </a:spcBef>
+                <a:spcAft>
+                  <a:spcPts val="0"/>
+                </a:spcAft>
+                <a:buClrTx/>
+                <a:buSzTx/>
+                <a:buFontTx/>
+                <a:buNone/>
+                <a:tabLst/>
+                <a:defRPr/>
+              </a:pPr>
+              <a:endParaRPr kumimoji="0" lang="en-US" sz="1800" b="0" i="0" u="none" strike="noStrike" kern="1200" cap="none" spc="0" normalizeH="0" baseline="0" noProof="0">
+                <a:ln>
+                  <a:noFill/>
+                </a:ln>
+                <a:solidFill>
+                  <a:prstClr val="white"/>
+                </a:solidFill>
+                <a:effectLst/>
+                <a:uLnTx/>
+                <a:uFillTx/>
+                <a:latin typeface="Calibri" panose="020F0502020204030204"/>
+                <a:ea typeface="+mn-ea"/>
+                <a:cs typeface="+mn-cs"/>
+              </a:endParaRPr>
+            </a:p>
+          </p:txBody>
+        </p:sp>
+      </p:grpSp>
+      <p:sp>
+        <p:nvSpPr>
+          <p:cNvPr id="15" name="Rectangle 14">
+            <a:extLst>
+              <a:ext uri="{FF2B5EF4-FFF2-40B4-BE49-F238E27FC236}">
+                <a16:creationId xmlns:a16="http://schemas.microsoft.com/office/drawing/2014/main" id="{D5B0017B-2ECA-49AF-B397-DC140825DF8D}"/>
+              </a:ext>
+              <a:ext uri="{C183D7F6-B498-43B3-948B-1728B52AA6E4}">
+                <adec:decorative xmlns:adec="http://schemas.microsoft.com/office/drawing/2017/decorative" val="1"/>
+              </a:ext>
+            </a:extLst>
+          </p:cNvPr>
+          <p:cNvSpPr>
+            <a:spLocks noGrp="1" noRot="1" noChangeAspect="1" noMove="1" noResize="1" noEditPoints="1" noAdjustHandles="1" noChangeArrowheads="1" noChangeShapeType="1" noTextEdit="1"/>
+          </p:cNvSpPr>
+          <p:nvPr>
+            <p:extLst>
+              <p:ext uri="{386F3935-93C4-4BCD-93E2-E3B085C9AB24}">
+                <p16:designElem xmlns:p16="http://schemas.microsoft.com/office/powerpoint/2015/main" val="1"/>
+              </p:ext>
+            </p:extLst>
+          </p:nvPr>
+        </p:nvSpPr>
+        <p:spPr>
+          <a:xfrm>
+            <a:off x="640079" y="613954"/>
+            <a:ext cx="10907487" cy="1894116"/>
+          </a:xfrm>
+          <a:prstGeom prst="rect">
+            <a:avLst/>
+          </a:prstGeom>
+          <a:solidFill>
+            <a:schemeClr val="bg1"/>
+          </a:solidFill>
+          <a:ln>
+            <a:noFill/>
+          </a:ln>
+          <a:effectLst>
+            <a:outerShdw blurRad="139700" dist="127000" dir="5400000" algn="t" rotWithShape="0">
+              <a:prstClr val="black">
+                <a:alpha val="15000"/>
+              </a:prstClr>
+            </a:outerShdw>
+          </a:effectLst>
+        </p:spPr>
+        <p:style>
+          <a:lnRef idx="2">
+            <a:schemeClr val="accent1">
+              <a:shade val="50000"/>
+            </a:schemeClr>
+          </a:lnRef>
+          <a:fillRef idx="1">
+            <a:schemeClr val="accent1"/>
+          </a:fillRef>
+          <a:effectRef idx="0">
+            <a:schemeClr val="accent1"/>
+          </a:effectRef>
+          <a:fontRef idx="minor">
+            <a:schemeClr val="lt1"/>
+          </a:fontRef>
+        </p:style>
+        <p:txBody>
+          <a:bodyPr rtlCol="0" anchor="ctr"/>
+          <a:lstStyle/>
+          <a:p>
+            <a:pPr marL="0" marR="0" lvl="0" indent="0" algn="ctr" defTabSz="914400" rtl="0" eaLnBrk="1" fontAlgn="auto" latinLnBrk="0" hangingPunct="1">
+              <a:lnSpc>
+                <a:spcPct val="100000"/>
+              </a:lnSpc>
+              <a:spcBef>
+                <a:spcPts val="0"/>
+              </a:spcBef>
+              <a:spcAft>
+                <a:spcPts val="0"/>
+              </a:spcAft>
+              <a:buClrTx/>
+              <a:buSzTx/>
+              <a:buFontTx/>
+              <a:buNone/>
+              <a:tabLst/>
+              <a:defRPr/>
+            </a:pPr>
+            <a:endParaRPr kumimoji="0" lang="en-US" sz="1800" b="0" i="0" u="none" strike="noStrike" kern="1200" cap="none" spc="0" normalizeH="0" baseline="0" noProof="0">
+              <a:ln>
+                <a:noFill/>
+              </a:ln>
+              <a:solidFill>
+                <a:prstClr val="white"/>
+              </a:solidFill>
+              <a:effectLst/>
+              <a:uLnTx/>
+              <a:uFillTx/>
+              <a:latin typeface="Calibri" panose="020F0502020204030204"/>
+              <a:ea typeface="+mn-ea"/>
+              <a:cs typeface="+mn-cs"/>
+            </a:endParaRPr>
+          </a:p>
+        </p:txBody>
+      </p:sp>
+      <p:sp>
+        <p:nvSpPr>
+          <p:cNvPr id="2" name="Title 1">
+            <a:extLst>
+              <a:ext uri="{FF2B5EF4-FFF2-40B4-BE49-F238E27FC236}">
+                <a16:creationId xmlns:a16="http://schemas.microsoft.com/office/drawing/2014/main" id="{7CAA21ED-DBDC-FCA1-8E00-8471782FD48C}"/>
+              </a:ext>
+            </a:extLst>
+          </p:cNvPr>
+          <p:cNvSpPr>
+            <a:spLocks noGrp="1"/>
+          </p:cNvSpPr>
+          <p:nvPr>
+            <p:ph type="title"/>
+          </p:nvPr>
+        </p:nvSpPr>
+        <p:spPr>
+          <a:xfrm>
+            <a:off x="1043631" y="809898"/>
+            <a:ext cx="9942716" cy="1554480"/>
+          </a:xfrm>
+        </p:spPr>
+        <p:txBody>
+          <a:bodyPr anchor="ctr">
+            <a:normAutofit/>
+          </a:bodyPr>
+          <a:lstStyle/>
+          <a:p>
+            <a:r>
+              <a:rPr lang="en-US" sz="4800" dirty="0">
+                <a:solidFill>
+                  <a:srgbClr val="343541"/>
+                </a:solidFill>
+                <a:latin typeface="Söhne"/>
+              </a:rPr>
+              <a:t>Related applications</a:t>
+            </a:r>
+            <a:endParaRPr lang="en-US" sz="4800" dirty="0"/>
+          </a:p>
+        </p:txBody>
+      </p:sp>
+      <p:sp>
+        <p:nvSpPr>
+          <p:cNvPr id="3" name="Content Placeholder 2">
+            <a:extLst>
+              <a:ext uri="{FF2B5EF4-FFF2-40B4-BE49-F238E27FC236}">
+                <a16:creationId xmlns:a16="http://schemas.microsoft.com/office/drawing/2014/main" id="{58FF8904-DDDD-C69E-A9BF-D99F54B794C5}"/>
+              </a:ext>
+            </a:extLst>
+          </p:cNvPr>
+          <p:cNvSpPr>
+            <a:spLocks noGrp="1"/>
+          </p:cNvSpPr>
+          <p:nvPr>
+            <p:ph idx="1"/>
+          </p:nvPr>
+        </p:nvSpPr>
+        <p:spPr>
+          <a:xfrm>
+            <a:off x="1045028" y="3017522"/>
+            <a:ext cx="9941319" cy="3124658"/>
+          </a:xfrm>
+        </p:spPr>
+        <p:txBody>
+          <a:bodyPr anchor="ctr">
+            <a:normAutofit/>
+          </a:bodyPr>
+          <a:lstStyle/>
+          <a:p>
+            <a:r>
+              <a:rPr lang="en-US" sz="2400" b="0" i="0" dirty="0">
+                <a:solidFill>
+                  <a:srgbClr val="374151"/>
+                </a:solidFill>
+                <a:effectLst/>
+                <a:latin typeface="Söhne"/>
+              </a:rPr>
+              <a:t>Distributed systems</a:t>
+            </a:r>
+          </a:p>
+          <a:p>
+            <a:r>
+              <a:rPr lang="en-US" sz="2400" b="0" i="0" dirty="0">
+                <a:solidFill>
+                  <a:srgbClr val="374151"/>
+                </a:solidFill>
+                <a:effectLst/>
+                <a:latin typeface="Söhne"/>
+              </a:rPr>
+              <a:t>Parallel computing</a:t>
+            </a:r>
+            <a:endParaRPr lang="en-US" sz="2400" dirty="0">
+              <a:solidFill>
+                <a:srgbClr val="374151"/>
+              </a:solidFill>
+              <a:latin typeface="Söhne"/>
+            </a:endParaRPr>
+          </a:p>
+          <a:p>
+            <a:r>
+              <a:rPr lang="en-US" sz="2400" b="0" i="0" dirty="0">
+                <a:solidFill>
+                  <a:srgbClr val="374151"/>
+                </a:solidFill>
+                <a:effectLst/>
+                <a:latin typeface="Söhne"/>
+              </a:rPr>
+              <a:t>Cluster computing</a:t>
+            </a:r>
+          </a:p>
+          <a:p>
+            <a:r>
+              <a:rPr lang="en-US" sz="2400" b="0" i="0" dirty="0">
+                <a:solidFill>
+                  <a:srgbClr val="374151"/>
+                </a:solidFill>
+                <a:effectLst/>
+                <a:latin typeface="Söhne"/>
+              </a:rPr>
+              <a:t>Cloud computing</a:t>
+            </a:r>
+            <a:endParaRPr lang="en-US" sz="2400" dirty="0">
+              <a:solidFill>
+                <a:srgbClr val="374151"/>
+              </a:solidFill>
+              <a:latin typeface="Söhne"/>
+            </a:endParaRPr>
+          </a:p>
+          <a:p>
+            <a:r>
+              <a:rPr lang="en-US" sz="2400" b="0" i="0" dirty="0">
+                <a:solidFill>
+                  <a:srgbClr val="374151"/>
+                </a:solidFill>
+                <a:effectLst/>
+                <a:latin typeface="Söhne"/>
+              </a:rPr>
+              <a:t>High-performance computing</a:t>
+            </a:r>
+          </a:p>
+        </p:txBody>
+      </p:sp>
+      <p:cxnSp>
+        <p:nvCxnSpPr>
+          <p:cNvPr id="17" name="Straight Connector 16">
+            <a:extLst>
+              <a:ext uri="{FF2B5EF4-FFF2-40B4-BE49-F238E27FC236}">
+                <a16:creationId xmlns:a16="http://schemas.microsoft.com/office/drawing/2014/main" id="{6CF1BAF6-AD41-4082-B212-8A1F9A2E8779}"/>
+              </a:ext>
+              <a:ext uri="{C183D7F6-B498-43B3-948B-1728B52AA6E4}">
+                <adec:decorative xmlns:adec="http://schemas.microsoft.com/office/drawing/2017/decorative" val="1"/>
+              </a:ext>
+            </a:extLst>
+          </p:cNvPr>
+          <p:cNvCxnSpPr>
+            <a:cxnSpLocks noGrp="1" noRot="1" noChangeAspect="1" noMove="1" noResize="1" noEditPoints="1" noAdjustHandles="1" noChangeArrowheads="1" noChangeShapeType="1"/>
+          </p:cNvCxnSpPr>
+          <p:nvPr>
+            <p:extLst>
+              <p:ext uri="{386F3935-93C4-4BCD-93E2-E3B085C9AB24}">
+                <p16:designElem xmlns:p16="http://schemas.microsoft.com/office/powerpoint/2015/main" val="1"/>
+              </p:ext>
+            </p:extLst>
+          </p:nvPr>
+        </p:nvCxnSpPr>
+        <p:spPr>
+          <a:xfrm flipH="1">
+            <a:off x="838200" y="6485313"/>
+            <a:ext cx="10515600" cy="0"/>
+          </a:xfrm>
+          <a:prstGeom prst="line">
+            <a:avLst/>
+          </a:prstGeom>
+          <a:ln w="57150">
+            <a:solidFill>
+              <a:schemeClr val="accent4"/>
+            </a:solidFill>
+          </a:ln>
+        </p:spPr>
+        <p:style>
+          <a:lnRef idx="1">
+            <a:schemeClr val="accent1"/>
+          </a:lnRef>
+          <a:fillRef idx="0">
+            <a:schemeClr val="accent1"/>
+          </a:fillRef>
+          <a:effectRef idx="0">
+            <a:schemeClr val="accent1"/>
+          </a:effectRef>
+          <a:fontRef idx="minor">
+            <a:schemeClr val="tx1"/>
+          </a:fontRef>
+        </p:style>
+      </p:cxnSp>
+    </p:spTree>
+    <p:extLst>
+      <p:ext uri="{BB962C8B-B14F-4D97-AF65-F5344CB8AC3E}">
+        <p14:creationId xmlns:p14="http://schemas.microsoft.com/office/powerpoint/2010/main" val="2924348933"/>
+      </p:ext>
+    </p:extLst>
+  </p:cSld>
+  <p:clrMapOvr>
+    <a:masterClrMapping/>
+  </p:clrMapOvr>
+</p:sld>
+</file>
+
+<file path=ppt/slides/slide6.xml><?xml version="1.0" encoding="utf-8"?>
 <p:sld xmlns:a="http://schemas.openxmlformats.org/drawingml/2006/main" xmlns:r="http://schemas.openxmlformats.org/officeDocument/2006/relationships" xmlns:p="http://schemas.openxmlformats.org/presentationml/2006/main">
   <p:cSld>
     <p:bg>
@@ -24040,7 +25923,7 @@
 </p:sld>
 </file>
 
-<file path=ppt/slides/slide5.xml><?xml version="1.0" encoding="utf-8"?>
+<file path=ppt/slides/slide7.xml><?xml version="1.0" encoding="utf-8"?>
 <p:sld xmlns:a="http://schemas.openxmlformats.org/drawingml/2006/main" xmlns:r="http://schemas.openxmlformats.org/officeDocument/2006/relationships" xmlns:p="http://schemas.openxmlformats.org/presentationml/2006/main">
   <p:cSld>
     <p:bg>
@@ -24939,7 +26822,7 @@
 </p:sld>
 </file>
 
-<file path=ppt/slides/slide6.xml><?xml version="1.0" encoding="utf-8"?>
+<file path=ppt/slides/slide8.xml><?xml version="1.0" encoding="utf-8"?>
 <p:sld xmlns:a="http://schemas.openxmlformats.org/drawingml/2006/main" xmlns:r="http://schemas.openxmlformats.org/officeDocument/2006/relationships" xmlns:p="http://schemas.openxmlformats.org/presentationml/2006/main">
   <p:cSld>
     <p:bg>
@@ -25476,7 +27359,7 @@
 </p:sld>
 </file>
 
-<file path=ppt/slides/slide7.xml><?xml version="1.0" encoding="utf-8"?>
+<file path=ppt/slides/slide9.xml><?xml version="1.0" encoding="utf-8"?>
 <p:sld xmlns:a="http://schemas.openxmlformats.org/drawingml/2006/main" xmlns:r="http://schemas.openxmlformats.org/officeDocument/2006/relationships" xmlns:p="http://schemas.openxmlformats.org/presentationml/2006/main">
   <p:cSld>
     <p:bg>
@@ -25930,950 +27813,6 @@
     <p:extLst>
       <p:ext uri="{BB962C8B-B14F-4D97-AF65-F5344CB8AC3E}">
         <p14:creationId xmlns:p14="http://schemas.microsoft.com/office/powerpoint/2010/main" val="3429668467"/>
-      </p:ext>
-    </p:extLst>
-  </p:cSld>
-  <p:clrMapOvr>
-    <a:masterClrMapping/>
-  </p:clrMapOvr>
-</p:sld>
-</file>
-
-<file path=ppt/slides/slide8.xml><?xml version="1.0" encoding="utf-8"?>
-<p:sld xmlns:a="http://schemas.openxmlformats.org/drawingml/2006/main" xmlns:r="http://schemas.openxmlformats.org/officeDocument/2006/relationships" xmlns:p="http://schemas.openxmlformats.org/presentationml/2006/main">
-  <p:cSld>
-    <p:bg>
-      <p:bgPr>
-        <a:solidFill>
-          <a:schemeClr val="bg1"/>
-        </a:solidFill>
-        <a:effectLst/>
-      </p:bgPr>
-    </p:bg>
-    <p:spTree>
-      <p:nvGrpSpPr>
-        <p:cNvPr id="1" name=""/>
-        <p:cNvGrpSpPr/>
-        <p:nvPr/>
-      </p:nvGrpSpPr>
-      <p:grpSpPr>
-        <a:xfrm>
-          <a:off x="0" y="0"/>
-          <a:ext cx="0" cy="0"/>
-          <a:chOff x="0" y="0"/>
-          <a:chExt cx="0" cy="0"/>
-        </a:xfrm>
-      </p:grpSpPr>
-      <p:sp useBgFill="1">
-        <p:nvSpPr>
-          <p:cNvPr id="7" name="Rectangle 6">
-            <a:extLst>
-              <a:ext uri="{FF2B5EF4-FFF2-40B4-BE49-F238E27FC236}">
-                <a16:creationId xmlns:a16="http://schemas.microsoft.com/office/drawing/2014/main" id="{9095C1F4-AE7F-44E4-8693-40D3D6831140}"/>
-              </a:ext>
-              <a:ext uri="{C183D7F6-B498-43B3-948B-1728B52AA6E4}">
-                <adec:decorative xmlns:adec="http://schemas.microsoft.com/office/drawing/2017/decorative" val="1"/>
-              </a:ext>
-            </a:extLst>
-          </p:cNvPr>
-          <p:cNvSpPr>
-            <a:spLocks noGrp="1" noRot="1" noChangeAspect="1" noMove="1" noResize="1" noEditPoints="1" noAdjustHandles="1" noChangeArrowheads="1" noChangeShapeType="1" noTextEdit="1"/>
-          </p:cNvSpPr>
-          <p:nvPr>
-            <p:extLst>
-              <p:ext uri="{386F3935-93C4-4BCD-93E2-E3B085C9AB24}">
-                <p16:designElem xmlns:p16="http://schemas.microsoft.com/office/powerpoint/2015/main" val="1"/>
-              </p:ext>
-            </p:extLst>
-          </p:nvPr>
-        </p:nvSpPr>
-        <p:spPr>
-          <a:xfrm>
-            <a:off x="0" y="0"/>
-            <a:ext cx="12191999" cy="6857365"/>
-          </a:xfrm>
-          <a:prstGeom prst="rect">
-            <a:avLst/>
-          </a:prstGeom>
-          <a:ln>
-            <a:noFill/>
-          </a:ln>
-        </p:spPr>
-        <p:style>
-          <a:lnRef idx="2">
-            <a:schemeClr val="accent1">
-              <a:shade val="50000"/>
-            </a:schemeClr>
-          </a:lnRef>
-          <a:fillRef idx="1">
-            <a:schemeClr val="accent1"/>
-          </a:fillRef>
-          <a:effectRef idx="0">
-            <a:schemeClr val="accent1"/>
-          </a:effectRef>
-          <a:fontRef idx="minor">
-            <a:schemeClr val="lt1"/>
-          </a:fontRef>
-        </p:style>
-        <p:txBody>
-          <a:bodyPr rtlCol="0" anchor="ctr"/>
-          <a:lstStyle/>
-          <a:p>
-            <a:pPr algn="ctr"/>
-            <a:endParaRPr lang="en-US"/>
-          </a:p>
-        </p:txBody>
-      </p:sp>
-      <p:grpSp>
-        <p:nvGrpSpPr>
-          <p:cNvPr id="9" name="Group 8">
-            <a:extLst>
-              <a:ext uri="{FF2B5EF4-FFF2-40B4-BE49-F238E27FC236}">
-                <a16:creationId xmlns:a16="http://schemas.microsoft.com/office/drawing/2014/main" id="{8734DDD3-F723-4DD3-8ABE-EC0B2AC87D74}"/>
-              </a:ext>
-              <a:ext uri="{C183D7F6-B498-43B3-948B-1728B52AA6E4}">
-                <adec:decorative xmlns:adec="http://schemas.microsoft.com/office/drawing/2017/decorative" val="1"/>
-              </a:ext>
-            </a:extLst>
-          </p:cNvPr>
-          <p:cNvGrpSpPr>
-            <a:grpSpLocks noGrp="1" noUngrp="1" noRot="1" noChangeAspect="1" noMove="1" noResize="1"/>
-          </p:cNvGrpSpPr>
-          <p:nvPr>
-            <p:extLst>
-              <p:ext uri="{386F3935-93C4-4BCD-93E2-E3B085C9AB24}">
-                <p16:designElem xmlns:p16="http://schemas.microsoft.com/office/powerpoint/2015/main" val="1"/>
-              </p:ext>
-            </p:extLst>
-          </p:nvPr>
-        </p:nvGrpSpPr>
-        <p:grpSpPr>
-          <a:xfrm>
-            <a:off x="2522324" y="-15978"/>
-            <a:ext cx="7147352" cy="5876916"/>
-            <a:chOff x="329184" y="-99107"/>
-            <a:chExt cx="524256" cy="5876916"/>
-          </a:xfrm>
-        </p:grpSpPr>
-        <p:cxnSp>
-          <p:nvCxnSpPr>
-            <p:cNvPr id="10" name="Straight Connector 9">
-              <a:extLst>
-                <a:ext uri="{FF2B5EF4-FFF2-40B4-BE49-F238E27FC236}">
-                  <a16:creationId xmlns:a16="http://schemas.microsoft.com/office/drawing/2014/main" id="{F7C8EA93-3210-4C62-99E9-153C275E3A87}"/>
-                </a:ext>
-                <a:ext uri="{C183D7F6-B498-43B3-948B-1728B52AA6E4}">
-                  <adec:decorative xmlns:adec="http://schemas.microsoft.com/office/drawing/2017/decorative" val="1"/>
-                </a:ext>
-              </a:extLst>
-            </p:cNvPr>
-            <p:cNvCxnSpPr>
-              <a:cxnSpLocks/>
-            </p:cNvCxnSpPr>
-            <p:nvPr>
-              <p:extLst>
-                <p:ext uri="{386F3935-93C4-4BCD-93E2-E3B085C9AB24}">
-                  <p16:designElem xmlns:p16="http://schemas.microsoft.com/office/powerpoint/2015/main" val="1"/>
-                </p:ext>
-              </p:extLst>
-            </p:nvPr>
-          </p:nvCxnSpPr>
-          <p:spPr>
-            <a:xfrm flipH="1">
-              <a:off x="329184" y="5777809"/>
-              <a:ext cx="523824" cy="0"/>
-            </a:xfrm>
-            <a:prstGeom prst="line">
-              <a:avLst/>
-            </a:prstGeom>
-            <a:ln w="152400">
-              <a:solidFill>
-                <a:schemeClr val="accent4"/>
-              </a:solidFill>
-            </a:ln>
-          </p:spPr>
-          <p:style>
-            <a:lnRef idx="1">
-              <a:schemeClr val="accent1"/>
-            </a:lnRef>
-            <a:fillRef idx="0">
-              <a:schemeClr val="accent1"/>
-            </a:fillRef>
-            <a:effectRef idx="0">
-              <a:schemeClr val="accent1"/>
-            </a:effectRef>
-            <a:fontRef idx="minor">
-              <a:schemeClr val="tx1"/>
-            </a:fontRef>
-          </p:style>
-        </p:cxnSp>
-        <p:sp>
-          <p:nvSpPr>
-            <p:cNvPr id="11" name="Rectangle 10">
-              <a:extLst>
-                <a:ext uri="{FF2B5EF4-FFF2-40B4-BE49-F238E27FC236}">
-                  <a16:creationId xmlns:a16="http://schemas.microsoft.com/office/drawing/2014/main" id="{5EB7D2A2-F448-44D4-938C-DC84CBCB3B1E}"/>
-                </a:ext>
-                <a:ext uri="{C183D7F6-B498-43B3-948B-1728B52AA6E4}">
-                  <adec:decorative xmlns:adec="http://schemas.microsoft.com/office/drawing/2017/decorative" val="1"/>
-                </a:ext>
-              </a:extLst>
-            </p:cNvPr>
-            <p:cNvSpPr/>
-            <p:nvPr>
-              <p:extLst>
-                <p:ext uri="{386F3935-93C4-4BCD-93E2-E3B085C9AB24}">
-                  <p16:designElem xmlns:p16="http://schemas.microsoft.com/office/powerpoint/2015/main" val="1"/>
-                </p:ext>
-              </p:extLst>
-            </p:nvPr>
-          </p:nvSpPr>
-          <p:spPr>
-            <a:xfrm>
-              <a:off x="329184" y="-99107"/>
-              <a:ext cx="524256" cy="5631228"/>
-            </a:xfrm>
-            <a:prstGeom prst="rect">
-              <a:avLst/>
-            </a:prstGeom>
-            <a:solidFill>
-              <a:schemeClr val="accent4"/>
-            </a:solidFill>
-            <a:ln>
-              <a:noFill/>
-            </a:ln>
-          </p:spPr>
-          <p:style>
-            <a:lnRef idx="2">
-              <a:schemeClr val="accent1">
-                <a:shade val="50000"/>
-              </a:schemeClr>
-            </a:lnRef>
-            <a:fillRef idx="1">
-              <a:schemeClr val="accent1"/>
-            </a:fillRef>
-            <a:effectRef idx="0">
-              <a:schemeClr val="accent1"/>
-            </a:effectRef>
-            <a:fontRef idx="minor">
-              <a:schemeClr val="lt1"/>
-            </a:fontRef>
-          </p:style>
-          <p:txBody>
-            <a:bodyPr rtlCol="0" anchor="ctr"/>
-            <a:lstStyle/>
-            <a:p>
-              <a:pPr algn="ctr"/>
-              <a:endParaRPr lang="en-US"/>
-            </a:p>
-          </p:txBody>
-        </p:sp>
-      </p:grpSp>
-      <p:sp>
-        <p:nvSpPr>
-          <p:cNvPr id="13" name="Rectangle 12">
-            <a:extLst>
-              <a:ext uri="{FF2B5EF4-FFF2-40B4-BE49-F238E27FC236}">
-                <a16:creationId xmlns:a16="http://schemas.microsoft.com/office/drawing/2014/main" id="{871AEA07-1E14-44B4-8E55-64EF049CD66F}"/>
-              </a:ext>
-              <a:ext uri="{C183D7F6-B498-43B3-948B-1728B52AA6E4}">
-                <adec:decorative xmlns:adec="http://schemas.microsoft.com/office/drawing/2017/decorative" val="1"/>
-              </a:ext>
-            </a:extLst>
-          </p:cNvPr>
-          <p:cNvSpPr>
-            <a:spLocks noGrp="1" noRot="1" noChangeAspect="1" noMove="1" noResize="1" noEditPoints="1" noAdjustHandles="1" noChangeArrowheads="1" noChangeShapeType="1" noTextEdit="1"/>
-          </p:cNvSpPr>
-          <p:nvPr>
-            <p:extLst>
-              <p:ext uri="{386F3935-93C4-4BCD-93E2-E3B085C9AB24}">
-                <p16:designElem xmlns:p16="http://schemas.microsoft.com/office/powerpoint/2015/main" val="1"/>
-              </p:ext>
-            </p:extLst>
-          </p:nvPr>
-        </p:nvSpPr>
-        <p:spPr>
-          <a:xfrm>
-            <a:off x="596464" y="1055718"/>
-            <a:ext cx="10999072" cy="3358344"/>
-          </a:xfrm>
-          <a:prstGeom prst="rect">
-            <a:avLst/>
-          </a:prstGeom>
-          <a:solidFill>
-            <a:schemeClr val="bg1"/>
-          </a:solidFill>
-          <a:ln>
-            <a:noFill/>
-          </a:ln>
-          <a:effectLst>
-            <a:outerShdw blurRad="139700" dist="127000" dir="5400000" algn="t" rotWithShape="0">
-              <a:prstClr val="black">
-                <a:alpha val="15000"/>
-              </a:prstClr>
-            </a:outerShdw>
-          </a:effectLst>
-        </p:spPr>
-        <p:style>
-          <a:lnRef idx="2">
-            <a:schemeClr val="accent1">
-              <a:shade val="50000"/>
-            </a:schemeClr>
-          </a:lnRef>
-          <a:fillRef idx="1">
-            <a:schemeClr val="accent1"/>
-          </a:fillRef>
-          <a:effectRef idx="0">
-            <a:schemeClr val="accent1"/>
-          </a:effectRef>
-          <a:fontRef idx="minor">
-            <a:schemeClr val="lt1"/>
-          </a:fontRef>
-        </p:style>
-        <p:txBody>
-          <a:bodyPr rtlCol="0" anchor="ctr"/>
-          <a:lstStyle/>
-          <a:p>
-            <a:pPr algn="ctr"/>
-            <a:endParaRPr lang="en-US"/>
-          </a:p>
-        </p:txBody>
-      </p:sp>
-      <p:sp>
-        <p:nvSpPr>
-          <p:cNvPr id="2" name="Title 1">
-            <a:extLst>
-              <a:ext uri="{FF2B5EF4-FFF2-40B4-BE49-F238E27FC236}">
-                <a16:creationId xmlns:a16="http://schemas.microsoft.com/office/drawing/2014/main" id="{F1679FB4-039B-677E-E86D-7F943F1D558B}"/>
-              </a:ext>
-            </a:extLst>
-          </p:cNvPr>
-          <p:cNvSpPr>
-            <a:spLocks noGrp="1"/>
-          </p:cNvSpPr>
-          <p:nvPr>
-            <p:ph type="title"/>
-          </p:nvPr>
-        </p:nvSpPr>
-        <p:spPr>
-          <a:xfrm>
-            <a:off x="1524000" y="1584683"/>
-            <a:ext cx="9144000" cy="2551829"/>
-          </a:xfrm>
-        </p:spPr>
-        <p:txBody>
-          <a:bodyPr vert="horz" lIns="91440" tIns="45720" rIns="91440" bIns="45720" rtlCol="0" anchor="ctr">
-            <a:normAutofit/>
-          </a:bodyPr>
-          <a:lstStyle/>
-          <a:p>
-            <a:pPr algn="ctr"/>
-            <a:r>
-              <a:rPr lang="en-US" sz="6600" kern="1200">
-                <a:solidFill>
-                  <a:schemeClr val="tx1"/>
-                </a:solidFill>
-                <a:latin typeface="+mj-lt"/>
-                <a:ea typeface="+mj-ea"/>
-                <a:cs typeface="+mj-cs"/>
-              </a:rPr>
-              <a:t>                          Design</a:t>
-            </a:r>
-          </a:p>
-        </p:txBody>
-      </p:sp>
-    </p:spTree>
-    <p:extLst>
-      <p:ext uri="{BB962C8B-B14F-4D97-AF65-F5344CB8AC3E}">
-        <p14:creationId xmlns:p14="http://schemas.microsoft.com/office/powerpoint/2010/main" val="1785192213"/>
-      </p:ext>
-    </p:extLst>
-  </p:cSld>
-  <p:clrMapOvr>
-    <a:masterClrMapping/>
-  </p:clrMapOvr>
-  <p:timing>
-    <p:tnLst>
-      <p:par>
-        <p:cTn id="1" dur="indefinite" restart="never" nodeType="tmRoot">
-          <p:childTnLst>
-            <p:seq concurrent="1" nextAc="seek">
-              <p:cTn id="2" dur="indefinite" nodeType="mainSeq">
-                <p:childTnLst>
-                  <p:par>
-                    <p:cTn id="3" fill="hold">
-                      <p:stCondLst>
-                        <p:cond delay="indefinite"/>
-                        <p:cond evt="onBegin" delay="0">
-                          <p:tn val="2"/>
-                        </p:cond>
-                      </p:stCondLst>
-                      <p:childTnLst>
-                        <p:par>
-                          <p:cTn id="4" fill="hold">
-                            <p:stCondLst>
-                              <p:cond delay="0"/>
-                            </p:stCondLst>
-                            <p:childTnLst>
-                              <p:par>
-                                <p:cTn id="5" presetID="10" presetClass="entr" presetSubtype="0" fill="hold" grpId="0" nodeType="withEffect">
-                                  <p:stCondLst>
-                                    <p:cond delay="500"/>
-                                  </p:stCondLst>
-                                  <p:iterate>
-                                    <p:tmPct val="10000"/>
-                                  </p:iterate>
-                                  <p:childTnLst>
-                                    <p:set>
-                                      <p:cBhvr>
-                                        <p:cTn id="6" dur="1" fill="hold">
-                                          <p:stCondLst>
-                                            <p:cond delay="0"/>
-                                          </p:stCondLst>
-                                        </p:cTn>
-                                        <p:tgtEl>
-                                          <p:spTgt spid="2"/>
-                                        </p:tgtEl>
-                                        <p:attrNameLst>
-                                          <p:attrName>style.visibility</p:attrName>
-                                        </p:attrNameLst>
-                                      </p:cBhvr>
-                                      <p:to>
-                                        <p:strVal val="visible"/>
-                                      </p:to>
-                                    </p:set>
-                                    <p:animEffect transition="in" filter="fade">
-                                      <p:cBhvr>
-                                        <p:cTn id="7" dur="700"/>
-                                        <p:tgtEl>
-                                          <p:spTgt spid="2"/>
-                                        </p:tgtEl>
-                                      </p:cBhvr>
-                                    </p:animEffect>
-                                  </p:childTnLst>
-                                </p:cTn>
-                              </p:par>
-                            </p:childTnLst>
-                          </p:cTn>
-                        </p:par>
-                      </p:childTnLst>
-                    </p:cTn>
-                  </p:par>
-                </p:childTnLst>
-              </p:cTn>
-              <p:prevCondLst>
-                <p:cond evt="onPrev" delay="0">
-                  <p:tgtEl>
-                    <p:sldTgt/>
-                  </p:tgtEl>
-                </p:cond>
-              </p:prevCondLst>
-              <p:nextCondLst>
-                <p:cond evt="onNext" delay="0">
-                  <p:tgtEl>
-                    <p:sldTgt/>
-                  </p:tgtEl>
-                </p:cond>
-              </p:nextCondLst>
-            </p:seq>
-          </p:childTnLst>
-        </p:cTn>
-      </p:par>
-    </p:tnLst>
-    <p:bldLst>
-      <p:bldP spid="2" grpId="0"/>
-    </p:bldLst>
-  </p:timing>
-</p:sld>
-</file>
-
-<file path=ppt/slides/slide9.xml><?xml version="1.0" encoding="utf-8"?>
-<p:sld xmlns:a="http://schemas.openxmlformats.org/drawingml/2006/main" xmlns:r="http://schemas.openxmlformats.org/officeDocument/2006/relationships" xmlns:p="http://schemas.openxmlformats.org/presentationml/2006/main">
-  <p:cSld>
-    <p:bg>
-      <p:bgPr>
-        <a:solidFill>
-          <a:schemeClr val="bg1"/>
-        </a:solidFill>
-        <a:effectLst/>
-      </p:bgPr>
-    </p:bg>
-    <p:spTree>
-      <p:nvGrpSpPr>
-        <p:cNvPr id="1" name=""/>
-        <p:cNvGrpSpPr/>
-        <p:nvPr/>
-      </p:nvGrpSpPr>
-      <p:grpSpPr>
-        <a:xfrm>
-          <a:off x="0" y="0"/>
-          <a:ext cx="0" cy="0"/>
-          <a:chOff x="0" y="0"/>
-          <a:chExt cx="0" cy="0"/>
-        </a:xfrm>
-      </p:grpSpPr>
-      <p:sp useBgFill="1">
-        <p:nvSpPr>
-          <p:cNvPr id="8" name="Rectangle 7">
-            <a:extLst>
-              <a:ext uri="{FF2B5EF4-FFF2-40B4-BE49-F238E27FC236}">
-                <a16:creationId xmlns:a16="http://schemas.microsoft.com/office/drawing/2014/main" id="{B6CDA21F-E7AF-4C75-8395-33F58D5B0E45}"/>
-              </a:ext>
-              <a:ext uri="{C183D7F6-B498-43B3-948B-1728B52AA6E4}">
-                <adec:decorative xmlns:adec="http://schemas.microsoft.com/office/drawing/2017/decorative" val="1"/>
-              </a:ext>
-            </a:extLst>
-          </p:cNvPr>
-          <p:cNvSpPr>
-            <a:spLocks noGrp="1" noRot="1" noChangeAspect="1" noMove="1" noResize="1" noEditPoints="1" noAdjustHandles="1" noChangeArrowheads="1" noChangeShapeType="1" noTextEdit="1"/>
-          </p:cNvSpPr>
-          <p:nvPr>
-            <p:extLst>
-              <p:ext uri="{386F3935-93C4-4BCD-93E2-E3B085C9AB24}">
-                <p16:designElem xmlns:p16="http://schemas.microsoft.com/office/powerpoint/2015/main" val="1"/>
-              </p:ext>
-            </p:extLst>
-          </p:nvPr>
-        </p:nvSpPr>
-        <p:spPr>
-          <a:xfrm>
-            <a:off x="0" y="0"/>
-            <a:ext cx="12191999" cy="6857365"/>
-          </a:xfrm>
-          <a:prstGeom prst="rect">
-            <a:avLst/>
-          </a:prstGeom>
-          <a:ln>
-            <a:noFill/>
-          </a:ln>
-        </p:spPr>
-        <p:style>
-          <a:lnRef idx="2">
-            <a:schemeClr val="accent1">
-              <a:shade val="50000"/>
-            </a:schemeClr>
-          </a:lnRef>
-          <a:fillRef idx="1">
-            <a:schemeClr val="accent1"/>
-          </a:fillRef>
-          <a:effectRef idx="0">
-            <a:schemeClr val="accent1"/>
-          </a:effectRef>
-          <a:fontRef idx="minor">
-            <a:schemeClr val="lt1"/>
-          </a:fontRef>
-        </p:style>
-        <p:txBody>
-          <a:bodyPr rtlCol="0" anchor="ctr"/>
-          <a:lstStyle/>
-          <a:p>
-            <a:pPr algn="ctr"/>
-            <a:endParaRPr lang="en-US"/>
-          </a:p>
-        </p:txBody>
-      </p:sp>
-      <p:grpSp>
-        <p:nvGrpSpPr>
-          <p:cNvPr id="10" name="Group 9">
-            <a:extLst>
-              <a:ext uri="{FF2B5EF4-FFF2-40B4-BE49-F238E27FC236}">
-                <a16:creationId xmlns:a16="http://schemas.microsoft.com/office/drawing/2014/main" id="{AE1C45F0-260A-458C-96ED-C1F6D2151219}"/>
-              </a:ext>
-              <a:ext uri="{C183D7F6-B498-43B3-948B-1728B52AA6E4}">
-                <adec:decorative xmlns:adec="http://schemas.microsoft.com/office/drawing/2017/decorative" val="1"/>
-              </a:ext>
-            </a:extLst>
-          </p:cNvPr>
-          <p:cNvGrpSpPr>
-            <a:grpSpLocks noGrp="1" noUngrp="1" noRot="1" noChangeAspect="1" noMove="1" noResize="1"/>
-          </p:cNvGrpSpPr>
-          <p:nvPr>
-            <p:extLst>
-              <p:ext uri="{386F3935-93C4-4BCD-93E2-E3B085C9AB24}">
-                <p16:designElem xmlns:p16="http://schemas.microsoft.com/office/powerpoint/2015/main" val="1"/>
-              </p:ext>
-            </p:extLst>
-          </p:nvPr>
-        </p:nvGrpSpPr>
-        <p:grpSpPr>
-          <a:xfrm>
-            <a:off x="4" y="1216597"/>
-            <a:ext cx="731521" cy="673460"/>
-            <a:chOff x="3940602" y="308034"/>
-            <a:chExt cx="2116791" cy="3428999"/>
-          </a:xfrm>
-          <a:solidFill>
-            <a:schemeClr val="accent4"/>
-          </a:solidFill>
-        </p:grpSpPr>
-        <p:sp>
-          <p:nvSpPr>
-            <p:cNvPr id="11" name="Rectangle 10">
-              <a:extLst>
-                <a:ext uri="{FF2B5EF4-FFF2-40B4-BE49-F238E27FC236}">
-                  <a16:creationId xmlns:a16="http://schemas.microsoft.com/office/drawing/2014/main" id="{A6604B49-AD5C-4590-B051-06C8222ECD99}"/>
-                </a:ext>
-                <a:ext uri="{C183D7F6-B498-43B3-948B-1728B52AA6E4}">
-                  <adec:decorative xmlns:adec="http://schemas.microsoft.com/office/drawing/2017/decorative" val="1"/>
-                </a:ext>
-              </a:extLst>
-            </p:cNvPr>
-            <p:cNvSpPr/>
-            <p:nvPr>
-              <p:extLst>
-                <p:ext uri="{386F3935-93C4-4BCD-93E2-E3B085C9AB24}">
-                  <p16:designElem xmlns:p16="http://schemas.microsoft.com/office/powerpoint/2015/main" val="1"/>
-                </p:ext>
-              </p:extLst>
-            </p:nvPr>
-          </p:nvSpPr>
-          <p:spPr>
-            <a:xfrm>
-              <a:off x="3940602" y="308034"/>
-              <a:ext cx="566743" cy="3428999"/>
-            </a:xfrm>
-            <a:prstGeom prst="rect">
-              <a:avLst/>
-            </a:prstGeom>
-            <a:grpFill/>
-            <a:ln>
-              <a:noFill/>
-            </a:ln>
-          </p:spPr>
-          <p:style>
-            <a:lnRef idx="2">
-              <a:schemeClr val="accent1">
-                <a:shade val="50000"/>
-              </a:schemeClr>
-            </a:lnRef>
-            <a:fillRef idx="1">
-              <a:schemeClr val="accent1"/>
-            </a:fillRef>
-            <a:effectRef idx="0">
-              <a:schemeClr val="accent1"/>
-            </a:effectRef>
-            <a:fontRef idx="minor">
-              <a:schemeClr val="lt1"/>
-            </a:fontRef>
-          </p:style>
-          <p:txBody>
-            <a:bodyPr rtlCol="0" anchor="ctr"/>
-            <a:lstStyle/>
-            <a:p>
-              <a:pPr algn="ctr"/>
-              <a:endParaRPr lang="en-US"/>
-            </a:p>
-          </p:txBody>
-        </p:sp>
-        <p:sp>
-          <p:nvSpPr>
-            <p:cNvPr id="12" name="Rectangle 11">
-              <a:extLst>
-                <a:ext uri="{FF2B5EF4-FFF2-40B4-BE49-F238E27FC236}">
-                  <a16:creationId xmlns:a16="http://schemas.microsoft.com/office/drawing/2014/main" id="{743ECCAF-29C5-4537-947C-7EA1292463DB}"/>
-                </a:ext>
-                <a:ext uri="{C183D7F6-B498-43B3-948B-1728B52AA6E4}">
-                  <adec:decorative xmlns:adec="http://schemas.microsoft.com/office/drawing/2017/decorative" val="1"/>
-                </a:ext>
-              </a:extLst>
-            </p:cNvPr>
-            <p:cNvSpPr/>
-            <p:nvPr>
-              <p:extLst>
-                <p:ext uri="{386F3935-93C4-4BCD-93E2-E3B085C9AB24}">
-                  <p16:designElem xmlns:p16="http://schemas.microsoft.com/office/powerpoint/2015/main" val="1"/>
-                </p:ext>
-              </p:extLst>
-            </p:nvPr>
-          </p:nvSpPr>
-          <p:spPr>
-            <a:xfrm>
-              <a:off x="4715626" y="308034"/>
-              <a:ext cx="566743" cy="3428999"/>
-            </a:xfrm>
-            <a:prstGeom prst="rect">
-              <a:avLst/>
-            </a:prstGeom>
-            <a:grpFill/>
-            <a:ln>
-              <a:noFill/>
-            </a:ln>
-          </p:spPr>
-          <p:style>
-            <a:lnRef idx="2">
-              <a:schemeClr val="accent1">
-                <a:shade val="50000"/>
-              </a:schemeClr>
-            </a:lnRef>
-            <a:fillRef idx="1">
-              <a:schemeClr val="accent1"/>
-            </a:fillRef>
-            <a:effectRef idx="0">
-              <a:schemeClr val="accent1"/>
-            </a:effectRef>
-            <a:fontRef idx="minor">
-              <a:schemeClr val="lt1"/>
-            </a:fontRef>
-          </p:style>
-          <p:txBody>
-            <a:bodyPr rtlCol="0" anchor="ctr"/>
-            <a:lstStyle/>
-            <a:p>
-              <a:pPr algn="ctr"/>
-              <a:endParaRPr lang="en-US"/>
-            </a:p>
-          </p:txBody>
-        </p:sp>
-        <p:sp>
-          <p:nvSpPr>
-            <p:cNvPr id="13" name="Rectangle 12">
-              <a:extLst>
-                <a:ext uri="{FF2B5EF4-FFF2-40B4-BE49-F238E27FC236}">
-                  <a16:creationId xmlns:a16="http://schemas.microsoft.com/office/drawing/2014/main" id="{ED49787B-8DE6-4467-AD0A-8DECC6E0C2D6}"/>
-                </a:ext>
-                <a:ext uri="{C183D7F6-B498-43B3-948B-1728B52AA6E4}">
-                  <adec:decorative xmlns:adec="http://schemas.microsoft.com/office/drawing/2017/decorative" val="1"/>
-                </a:ext>
-              </a:extLst>
-            </p:cNvPr>
-            <p:cNvSpPr/>
-            <p:nvPr>
-              <p:extLst>
-                <p:ext uri="{386F3935-93C4-4BCD-93E2-E3B085C9AB24}">
-                  <p16:designElem xmlns:p16="http://schemas.microsoft.com/office/powerpoint/2015/main" val="1"/>
-                </p:ext>
-              </p:extLst>
-            </p:nvPr>
-          </p:nvSpPr>
-          <p:spPr>
-            <a:xfrm>
-              <a:off x="5490650" y="308034"/>
-              <a:ext cx="566743" cy="3428999"/>
-            </a:xfrm>
-            <a:prstGeom prst="rect">
-              <a:avLst/>
-            </a:prstGeom>
-            <a:grpFill/>
-            <a:ln>
-              <a:noFill/>
-            </a:ln>
-          </p:spPr>
-          <p:style>
-            <a:lnRef idx="2">
-              <a:schemeClr val="accent1">
-                <a:shade val="50000"/>
-              </a:schemeClr>
-            </a:lnRef>
-            <a:fillRef idx="1">
-              <a:schemeClr val="accent1"/>
-            </a:fillRef>
-            <a:effectRef idx="0">
-              <a:schemeClr val="accent1"/>
-            </a:effectRef>
-            <a:fontRef idx="minor">
-              <a:schemeClr val="lt1"/>
-            </a:fontRef>
-          </p:style>
-          <p:txBody>
-            <a:bodyPr rtlCol="0" anchor="ctr"/>
-            <a:lstStyle/>
-            <a:p>
-              <a:pPr algn="ctr"/>
-              <a:endParaRPr lang="en-US"/>
-            </a:p>
-          </p:txBody>
-        </p:sp>
-      </p:grpSp>
-      <p:sp>
-        <p:nvSpPr>
-          <p:cNvPr id="15" name="Rectangle 14">
-            <a:extLst>
-              <a:ext uri="{FF2B5EF4-FFF2-40B4-BE49-F238E27FC236}">
-                <a16:creationId xmlns:a16="http://schemas.microsoft.com/office/drawing/2014/main" id="{D5B0017B-2ECA-49AF-B397-DC140825DF8D}"/>
-              </a:ext>
-              <a:ext uri="{C183D7F6-B498-43B3-948B-1728B52AA6E4}">
-                <adec:decorative xmlns:adec="http://schemas.microsoft.com/office/drawing/2017/decorative" val="1"/>
-              </a:ext>
-            </a:extLst>
-          </p:cNvPr>
-          <p:cNvSpPr>
-            <a:spLocks noGrp="1" noRot="1" noChangeAspect="1" noMove="1" noResize="1" noEditPoints="1" noAdjustHandles="1" noChangeArrowheads="1" noChangeShapeType="1" noTextEdit="1"/>
-          </p:cNvSpPr>
-          <p:nvPr>
-            <p:extLst>
-              <p:ext uri="{386F3935-93C4-4BCD-93E2-E3B085C9AB24}">
-                <p16:designElem xmlns:p16="http://schemas.microsoft.com/office/powerpoint/2015/main" val="1"/>
-              </p:ext>
-            </p:extLst>
-          </p:nvPr>
-        </p:nvSpPr>
-        <p:spPr>
-          <a:xfrm>
-            <a:off x="640079" y="613954"/>
-            <a:ext cx="10907487" cy="1894116"/>
-          </a:xfrm>
-          <a:prstGeom prst="rect">
-            <a:avLst/>
-          </a:prstGeom>
-          <a:solidFill>
-            <a:schemeClr val="bg1"/>
-          </a:solidFill>
-          <a:ln>
-            <a:noFill/>
-          </a:ln>
-          <a:effectLst>
-            <a:outerShdw blurRad="139700" dist="127000" dir="5400000" algn="t" rotWithShape="0">
-              <a:prstClr val="black">
-                <a:alpha val="15000"/>
-              </a:prstClr>
-            </a:outerShdw>
-          </a:effectLst>
-        </p:spPr>
-        <p:style>
-          <a:lnRef idx="2">
-            <a:schemeClr val="accent1">
-              <a:shade val="50000"/>
-            </a:schemeClr>
-          </a:lnRef>
-          <a:fillRef idx="1">
-            <a:schemeClr val="accent1"/>
-          </a:fillRef>
-          <a:effectRef idx="0">
-            <a:schemeClr val="accent1"/>
-          </a:effectRef>
-          <a:fontRef idx="minor">
-            <a:schemeClr val="lt1"/>
-          </a:fontRef>
-        </p:style>
-        <p:txBody>
-          <a:bodyPr rtlCol="0" anchor="ctr"/>
-          <a:lstStyle/>
-          <a:p>
-            <a:pPr algn="ctr"/>
-            <a:endParaRPr lang="en-US"/>
-          </a:p>
-        </p:txBody>
-      </p:sp>
-      <p:sp>
-        <p:nvSpPr>
-          <p:cNvPr id="2" name="Title 1">
-            <a:extLst>
-              <a:ext uri="{FF2B5EF4-FFF2-40B4-BE49-F238E27FC236}">
-                <a16:creationId xmlns:a16="http://schemas.microsoft.com/office/drawing/2014/main" id="{957E34D6-E95F-ED1E-0712-50C134C32248}"/>
-              </a:ext>
-            </a:extLst>
-          </p:cNvPr>
-          <p:cNvSpPr>
-            <a:spLocks noGrp="1"/>
-          </p:cNvSpPr>
-          <p:nvPr>
-            <p:ph type="title"/>
-          </p:nvPr>
-        </p:nvSpPr>
-        <p:spPr>
-          <a:xfrm>
-            <a:off x="1043631" y="809898"/>
-            <a:ext cx="9942716" cy="1554480"/>
-          </a:xfrm>
-        </p:spPr>
-        <p:txBody>
-          <a:bodyPr anchor="ctr">
-            <a:normAutofit/>
-          </a:bodyPr>
-          <a:lstStyle/>
-          <a:p>
-            <a:r>
-              <a:rPr lang="en-US" sz="4800"/>
-              <a:t>Basic Design</a:t>
-            </a:r>
-          </a:p>
-        </p:txBody>
-      </p:sp>
-      <p:pic>
-        <p:nvPicPr>
-          <p:cNvPr id="4" name="Picture 4" descr="Diagram&#10;&#10;Description automatically generated">
-            <a:extLst>
-              <a:ext uri="{FF2B5EF4-FFF2-40B4-BE49-F238E27FC236}">
-                <a16:creationId xmlns:a16="http://schemas.microsoft.com/office/drawing/2014/main" id="{44797EBB-0AEB-20F6-0D4A-F15400AA49E7}"/>
-              </a:ext>
-            </a:extLst>
-          </p:cNvPr>
-          <p:cNvPicPr>
-            <a:picLocks noGrp="1" noChangeAspect="1"/>
-          </p:cNvPicPr>
-          <p:nvPr>
-            <p:ph idx="1"/>
-          </p:nvPr>
-        </p:nvPicPr>
-        <p:blipFill>
-          <a:blip r:embed="rId2"/>
-          <a:stretch>
-            <a:fillRect/>
-          </a:stretch>
-        </p:blipFill>
-        <p:spPr>
-          <a:xfrm>
-            <a:off x="2040908" y="3017522"/>
-            <a:ext cx="7949558" cy="3124658"/>
-          </a:xfrm>
-        </p:spPr>
-      </p:pic>
-      <p:cxnSp>
-        <p:nvCxnSpPr>
-          <p:cNvPr id="17" name="Straight Connector 16">
-            <a:extLst>
-              <a:ext uri="{FF2B5EF4-FFF2-40B4-BE49-F238E27FC236}">
-                <a16:creationId xmlns:a16="http://schemas.microsoft.com/office/drawing/2014/main" id="{6CF1BAF6-AD41-4082-B212-8A1F9A2E8779}"/>
-              </a:ext>
-              <a:ext uri="{C183D7F6-B498-43B3-948B-1728B52AA6E4}">
-                <adec:decorative xmlns:adec="http://schemas.microsoft.com/office/drawing/2017/decorative" val="1"/>
-              </a:ext>
-            </a:extLst>
-          </p:cNvPr>
-          <p:cNvCxnSpPr>
-            <a:cxnSpLocks noGrp="1" noRot="1" noChangeAspect="1" noMove="1" noResize="1" noEditPoints="1" noAdjustHandles="1" noChangeArrowheads="1" noChangeShapeType="1"/>
-          </p:cNvCxnSpPr>
-          <p:nvPr>
-            <p:extLst>
-              <p:ext uri="{386F3935-93C4-4BCD-93E2-E3B085C9AB24}">
-                <p16:designElem xmlns:p16="http://schemas.microsoft.com/office/powerpoint/2015/main" val="1"/>
-              </p:ext>
-            </p:extLst>
-          </p:nvPr>
-        </p:nvCxnSpPr>
-        <p:spPr>
-          <a:xfrm flipH="1">
-            <a:off x="838200" y="6485313"/>
-            <a:ext cx="10515600" cy="0"/>
-          </a:xfrm>
-          <a:prstGeom prst="line">
-            <a:avLst/>
-          </a:prstGeom>
-          <a:ln w="57150">
-            <a:solidFill>
-              <a:schemeClr val="accent4"/>
-            </a:solidFill>
-          </a:ln>
-        </p:spPr>
-        <p:style>
-          <a:lnRef idx="1">
-            <a:schemeClr val="accent1"/>
-          </a:lnRef>
-          <a:fillRef idx="0">
-            <a:schemeClr val="accent1"/>
-          </a:fillRef>
-          <a:effectRef idx="0">
-            <a:schemeClr val="accent1"/>
-          </a:effectRef>
-          <a:fontRef idx="minor">
-            <a:schemeClr val="tx1"/>
-          </a:fontRef>
-        </p:style>
-      </p:cxnSp>
-    </p:spTree>
-    <p:extLst>
-      <p:ext uri="{BB962C8B-B14F-4D97-AF65-F5344CB8AC3E}">
-        <p14:creationId xmlns:p14="http://schemas.microsoft.com/office/powerpoint/2010/main" val="1500684820"/>
       </p:ext>
     </p:extLst>
   </p:cSld>
